--- a/Data Mining/5506 Data Mining Project/m_4/m4_project_final_report_slides.pptx
+++ b/Data Mining/5506 Data Mining Project/m_4/m4_project_final_report_slides.pptx
@@ -5,23 +5,24 @@
     <p:sldMasterId id="2147483696" r:id="rId1"/>
   </p:sldMasterIdLst>
   <p:notesMasterIdLst>
-    <p:notesMasterId r:id="rId16"/>
+    <p:notesMasterId r:id="rId17"/>
   </p:notesMasterIdLst>
   <p:sldIdLst>
     <p:sldId id="256" r:id="rId2"/>
     <p:sldId id="257" r:id="rId3"/>
     <p:sldId id="270" r:id="rId4"/>
-    <p:sldId id="262" r:id="rId5"/>
-    <p:sldId id="263" r:id="rId6"/>
-    <p:sldId id="264" r:id="rId7"/>
-    <p:sldId id="265" r:id="rId8"/>
-    <p:sldId id="266" r:id="rId9"/>
-    <p:sldId id="268" r:id="rId10"/>
-    <p:sldId id="271" r:id="rId11"/>
-    <p:sldId id="272" r:id="rId12"/>
-    <p:sldId id="273" r:id="rId13"/>
-    <p:sldId id="274" r:id="rId14"/>
-    <p:sldId id="267" r:id="rId15"/>
+    <p:sldId id="275" r:id="rId5"/>
+    <p:sldId id="262" r:id="rId6"/>
+    <p:sldId id="263" r:id="rId7"/>
+    <p:sldId id="264" r:id="rId8"/>
+    <p:sldId id="265" r:id="rId9"/>
+    <p:sldId id="266" r:id="rId10"/>
+    <p:sldId id="268" r:id="rId11"/>
+    <p:sldId id="271" r:id="rId12"/>
+    <p:sldId id="272" r:id="rId13"/>
+    <p:sldId id="273" r:id="rId14"/>
+    <p:sldId id="274" r:id="rId15"/>
+    <p:sldId id="267" r:id="rId16"/>
   </p:sldIdLst>
   <p:sldSz cx="12192000" cy="6858000"/>
   <p:notesSz cx="6858000" cy="9144000"/>
@@ -210,7 +211,7 @@
           <a:p>
             <a:fld id="{F18D53F9-F4A4-4574-A8EF-ACCCCF66CE64}" type="datetimeFigureOut">
               <a:rPr lang="en-US" smtClean="0"/>
-              <a:t>7/10/2024</a:t>
+              <a:t>7/14/2024</a:t>
             </a:fld>
             <a:endParaRPr lang="en-US"/>
           </a:p>
@@ -608,7 +609,7 @@
           <a:p>
             <a:fld id="{7EF88AAE-C86C-1E44-B69A-7594543F44FA}" type="datetimeFigureOut">
               <a:rPr lang="en-US" smtClean="0"/>
-              <a:t>7/10/2024</a:t>
+              <a:t>7/14/2024</a:t>
             </a:fld>
             <a:endParaRPr lang="en-US"/>
           </a:p>
@@ -778,7 +779,7 @@
           <a:p>
             <a:fld id="{7EF88AAE-C86C-1E44-B69A-7594543F44FA}" type="datetimeFigureOut">
               <a:rPr lang="en-US" smtClean="0"/>
-              <a:t>7/10/2024</a:t>
+              <a:t>7/14/2024</a:t>
             </a:fld>
             <a:endParaRPr lang="en-US"/>
           </a:p>
@@ -958,7 +959,7 @@
           <a:p>
             <a:fld id="{7EF88AAE-C86C-1E44-B69A-7594543F44FA}" type="datetimeFigureOut">
               <a:rPr lang="en-US" smtClean="0"/>
-              <a:t>7/10/2024</a:t>
+              <a:t>7/14/2024</a:t>
             </a:fld>
             <a:endParaRPr lang="en-US"/>
           </a:p>
@@ -1128,7 +1129,7 @@
           <a:p>
             <a:fld id="{7EF88AAE-C86C-1E44-B69A-7594543F44FA}" type="datetimeFigureOut">
               <a:rPr lang="en-US" smtClean="0"/>
-              <a:t>7/10/2024</a:t>
+              <a:t>7/14/2024</a:t>
             </a:fld>
             <a:endParaRPr lang="en-US"/>
           </a:p>
@@ -1374,7 +1375,7 @@
           <a:p>
             <a:fld id="{7EF88AAE-C86C-1E44-B69A-7594543F44FA}" type="datetimeFigureOut">
               <a:rPr lang="en-US" smtClean="0"/>
-              <a:t>7/10/2024</a:t>
+              <a:t>7/14/2024</a:t>
             </a:fld>
             <a:endParaRPr lang="en-US"/>
           </a:p>
@@ -1606,7 +1607,7 @@
           <a:p>
             <a:fld id="{7EF88AAE-C86C-1E44-B69A-7594543F44FA}" type="datetimeFigureOut">
               <a:rPr lang="en-US" smtClean="0"/>
-              <a:t>7/10/2024</a:t>
+              <a:t>7/14/2024</a:t>
             </a:fld>
             <a:endParaRPr lang="en-US"/>
           </a:p>
@@ -1973,7 +1974,7 @@
           <a:p>
             <a:fld id="{7EF88AAE-C86C-1E44-B69A-7594543F44FA}" type="datetimeFigureOut">
               <a:rPr lang="en-US" smtClean="0"/>
-              <a:t>7/10/2024</a:t>
+              <a:t>7/14/2024</a:t>
             </a:fld>
             <a:endParaRPr lang="en-US"/>
           </a:p>
@@ -2091,7 +2092,7 @@
           <a:p>
             <a:fld id="{7EF88AAE-C86C-1E44-B69A-7594543F44FA}" type="datetimeFigureOut">
               <a:rPr lang="en-US" smtClean="0"/>
-              <a:t>7/10/2024</a:t>
+              <a:t>7/14/2024</a:t>
             </a:fld>
             <a:endParaRPr lang="en-US"/>
           </a:p>
@@ -2186,7 +2187,7 @@
           <a:p>
             <a:fld id="{7EF88AAE-C86C-1E44-B69A-7594543F44FA}" type="datetimeFigureOut">
               <a:rPr lang="en-US" smtClean="0"/>
-              <a:t>7/10/2024</a:t>
+              <a:t>7/14/2024</a:t>
             </a:fld>
             <a:endParaRPr lang="en-US"/>
           </a:p>
@@ -2463,7 +2464,7 @@
           <a:p>
             <a:fld id="{7EF88AAE-C86C-1E44-B69A-7594543F44FA}" type="datetimeFigureOut">
               <a:rPr lang="en-US" smtClean="0"/>
-              <a:t>7/10/2024</a:t>
+              <a:t>7/14/2024</a:t>
             </a:fld>
             <a:endParaRPr lang="en-US"/>
           </a:p>
@@ -2720,7 +2721,7 @@
           <a:p>
             <a:fld id="{7EF88AAE-C86C-1E44-B69A-7594543F44FA}" type="datetimeFigureOut">
               <a:rPr lang="en-US" smtClean="0"/>
-              <a:t>7/10/2024</a:t>
+              <a:t>7/14/2024</a:t>
             </a:fld>
             <a:endParaRPr lang="en-US"/>
           </a:p>
@@ -2933,7 +2934,7 @@
           <a:p>
             <a:fld id="{7EF88AAE-C86C-1E44-B69A-7594543F44FA}" type="datetimeFigureOut">
               <a:rPr lang="en-US" smtClean="0"/>
-              <a:t>7/10/2024</a:t>
+              <a:t>7/14/2024</a:t>
             </a:fld>
             <a:endParaRPr lang="en-US"/>
           </a:p>
@@ -3628,7 +3629,7 @@
                 <a:ea typeface="Arial" charset="0"/>
                 <a:cs typeface="Arial" charset="0"/>
               </a:rPr>
-              <a:t>Process 2</a:t>
+              <a:t>Process 1</a:t>
             </a:r>
           </a:p>
         </p:txBody>
@@ -3642,7 +3643,7 @@
         <p:spPr>
           <a:xfrm>
             <a:off x="530874" y="1383408"/>
-            <a:ext cx="10626410" cy="1703030"/>
+            <a:ext cx="10626410" cy="2534027"/>
           </a:xfrm>
           <a:prstGeom prst="rect">
             <a:avLst/>
@@ -3689,7 +3690,7 @@
                 <a:ea typeface="Arial" charset="0"/>
                 <a:cs typeface="Arial" charset="0"/>
               </a:rPr>
-              <a:t>Completed data cleaning and preprocessing.</a:t>
+              <a:t>Download data from OSF and save as CSV</a:t>
             </a:r>
           </a:p>
           <a:p>
@@ -3727,83 +3728,115 @@
                 <a:ea typeface="Arial" charset="0"/>
                 <a:cs typeface="Arial" charset="0"/>
               </a:rPr>
-              <a:t>Performed exploratory data analysis (EDA) and visualized relationships.</a:t>
-            </a:r>
-          </a:p>
-          <a:p>
-            <a:pPr marL="342900" marR="0" lvl="0" indent="-342900" algn="l" defTabSz="457200" rtl="0" eaLnBrk="1" fontAlgn="auto" latinLnBrk="0" hangingPunct="1">
+              <a:t>Cleaned data</a:t>
+            </a:r>
+          </a:p>
+          <a:p>
+            <a:pPr marL="800100" lvl="1" indent="-342900">
               <a:lnSpc>
                 <a:spcPct val="150000"/>
               </a:lnSpc>
-              <a:spcBef>
-                <a:spcPts val="0"/>
-              </a:spcBef>
-              <a:spcAft>
-                <a:spcPts val="0"/>
-              </a:spcAft>
-              <a:buClrTx/>
               <a:buSzPct val="80000"/>
               <a:buFont typeface="Arial" panose="020B0604020202020204" pitchFamily="34" charset="0"/>
               <a:buChar char="•"/>
-              <a:tabLst/>
               <a:defRPr/>
             </a:pPr>
             <a:r>
-              <a:rPr kumimoji="0" lang="en-US" sz="1800" b="0" i="0" u="none" strike="noStrike" kern="1200" cap="none" spc="0" normalizeH="0" baseline="0" noProof="0" dirty="0">
-                <a:ln>
-                  <a:noFill/>
-                </a:ln>
-                <a:solidFill>
-                  <a:srgbClr val="44546A">
-                    <a:lumMod val="10000"/>
-                  </a:srgbClr>
-                </a:solidFill>
-                <a:effectLst/>
-                <a:uLnTx/>
-                <a:uFillTx/>
-                <a:latin typeface="Arial" charset="0"/>
-                <a:ea typeface="Arial" charset="0"/>
-                <a:cs typeface="Arial" charset="0"/>
-              </a:rPr>
-              <a:t>Trained and evaluated Linear Regression and Random Forest models.</a:t>
-            </a:r>
-          </a:p>
-          <a:p>
-            <a:pPr marL="342900" marR="0" lvl="0" indent="-342900" algn="l" defTabSz="457200" rtl="0" eaLnBrk="1" fontAlgn="auto" latinLnBrk="0" hangingPunct="1">
+              <a:rPr lang="en-US" dirty="0">
+                <a:solidFill>
+                  <a:srgbClr val="44546A">
+                    <a:lumMod val="10000"/>
+                  </a:srgbClr>
+                </a:solidFill>
+                <a:latin typeface="Arial" charset="0"/>
+                <a:ea typeface="Arial" charset="0"/>
+                <a:cs typeface="Arial" charset="0"/>
+              </a:rPr>
+              <a:t>Replace NA values</a:t>
+            </a:r>
+          </a:p>
+          <a:p>
+            <a:pPr marL="1257300" lvl="2" indent="-342900">
               <a:lnSpc>
                 <a:spcPct val="150000"/>
               </a:lnSpc>
-              <a:spcBef>
-                <a:spcPts val="0"/>
-              </a:spcBef>
-              <a:spcAft>
-                <a:spcPts val="0"/>
-              </a:spcAft>
-              <a:buClrTx/>
               <a:buSzPct val="80000"/>
               <a:buFont typeface="Arial" panose="020B0604020202020204" pitchFamily="34" charset="0"/>
               <a:buChar char="•"/>
-              <a:tabLst/>
               <a:defRPr/>
             </a:pPr>
             <a:r>
-              <a:rPr kumimoji="0" lang="en-US" sz="1800" b="0" i="0" u="none" strike="noStrike" kern="1200" cap="none" spc="0" normalizeH="0" baseline="0" noProof="0" dirty="0">
-                <a:ln>
-                  <a:noFill/>
-                </a:ln>
-                <a:solidFill>
-                  <a:srgbClr val="44546A">
-                    <a:lumMod val="10000"/>
-                  </a:srgbClr>
-                </a:solidFill>
-                <a:effectLst/>
-                <a:uLnTx/>
-                <a:uFillTx/>
-                <a:latin typeface="Arial" charset="0"/>
-                <a:ea typeface="Arial" charset="0"/>
-                <a:cs typeface="Arial" charset="0"/>
-              </a:rPr>
-              <a:t>Assessed model performance using MSE and R².</a:t>
+              <a:rPr kumimoji="0" lang="en-US" b="0" i="0" u="none" strike="noStrike" kern="1200" cap="none" spc="0" normalizeH="0" baseline="0" noProof="0" dirty="0">
+                <a:ln>
+                  <a:noFill/>
+                </a:ln>
+                <a:solidFill>
+                  <a:srgbClr val="44546A">
+                    <a:lumMod val="10000"/>
+                  </a:srgbClr>
+                </a:solidFill>
+                <a:effectLst/>
+                <a:uLnTx/>
+                <a:uFillTx/>
+                <a:latin typeface="Arial" charset="0"/>
+                <a:ea typeface="Arial" charset="0"/>
+                <a:cs typeface="Arial" charset="0"/>
+              </a:rPr>
+              <a:t>Numerical</a:t>
+            </a:r>
+          </a:p>
+          <a:p>
+            <a:pPr marL="1257300" lvl="2" indent="-342900">
+              <a:lnSpc>
+                <a:spcPct val="150000"/>
+              </a:lnSpc>
+              <a:buSzPct val="80000"/>
+              <a:buFont typeface="Arial" panose="020B0604020202020204" pitchFamily="34" charset="0"/>
+              <a:buChar char="•"/>
+              <a:defRPr/>
+            </a:pPr>
+            <a:r>
+              <a:rPr lang="en-US" dirty="0">
+                <a:solidFill>
+                  <a:srgbClr val="44546A">
+                    <a:lumMod val="10000"/>
+                  </a:srgbClr>
+                </a:solidFill>
+                <a:latin typeface="Arial" charset="0"/>
+                <a:ea typeface="Arial" charset="0"/>
+                <a:cs typeface="Arial" charset="0"/>
+              </a:rPr>
+              <a:t>Categorical</a:t>
+            </a:r>
+          </a:p>
+          <a:p>
+            <a:pPr marL="800100" lvl="1" indent="-342900">
+              <a:lnSpc>
+                <a:spcPct val="150000"/>
+              </a:lnSpc>
+              <a:buSzPct val="80000"/>
+              <a:buFont typeface="Arial" panose="020B0604020202020204" pitchFamily="34" charset="0"/>
+              <a:buChar char="•"/>
+              <a:defRPr/>
+            </a:pPr>
+            <a:r>
+              <a:rPr kumimoji="0" lang="en-US" b="0" i="0" u="none" strike="noStrike" kern="1200" cap="none" spc="0" normalizeH="0" baseline="0" noProof="0" dirty="0">
+                <a:ln>
+                  <a:noFill/>
+                </a:ln>
+                <a:solidFill>
+                  <a:srgbClr val="44546A">
+                    <a:lumMod val="10000"/>
+                  </a:srgbClr>
+                </a:solidFill>
+                <a:effectLst/>
+                <a:uLnTx/>
+                <a:uFillTx/>
+                <a:latin typeface="Arial" charset="0"/>
+                <a:ea typeface="Arial" charset="0"/>
+                <a:cs typeface="Arial" charset="0"/>
+              </a:rPr>
+              <a:t>Convert objects to floats</a:t>
             </a:r>
           </a:p>
         </p:txBody>
@@ -3875,77 +3908,40 @@
           </a:p>
         </p:txBody>
       </p:sp>
-      <p:sp>
-        <p:nvSpPr>
-          <p:cNvPr id="3" name="TextBox 2">
+      <p:pic>
+        <p:nvPicPr>
+          <p:cNvPr id="5" name="Picture 4">
             <a:extLst>
               <a:ext uri="{FF2B5EF4-FFF2-40B4-BE49-F238E27FC236}">
-                <a16:creationId xmlns:a16="http://schemas.microsoft.com/office/drawing/2014/main" id="{1090388D-2836-2637-0CC4-BF26C8CC4C93}"/>
+                <a16:creationId xmlns:a16="http://schemas.microsoft.com/office/drawing/2014/main" id="{E35473A4-B596-4C41-A68B-B38551AC1309}"/>
               </a:ext>
             </a:extLst>
           </p:cNvPr>
-          <p:cNvSpPr txBox="1"/>
+          <p:cNvPicPr>
+            <a:picLocks noChangeAspect="1"/>
+          </p:cNvPicPr>
           <p:nvPr/>
-        </p:nvSpPr>
+        </p:nvPicPr>
+        <p:blipFill>
+          <a:blip r:embed="rId3"/>
+          <a:stretch>
+            <a:fillRect/>
+          </a:stretch>
+        </p:blipFill>
         <p:spPr>
-          <a:xfrm rot="2208168">
-            <a:off x="2075688" y="2898648"/>
-            <a:ext cx="6896427" cy="369332"/>
+          <a:xfrm>
+            <a:off x="6116340" y="1869541"/>
+            <a:ext cx="4954307" cy="3923750"/>
           </a:xfrm>
           <a:prstGeom prst="rect">
             <a:avLst/>
           </a:prstGeom>
-          <a:solidFill>
-            <a:srgbClr val="C5AA76"/>
-          </a:solidFill>
         </p:spPr>
-        <p:txBody>
-          <a:bodyPr wrap="square" rtlCol="0">
-            <a:spAutoFit/>
-          </a:bodyPr>
-          <a:lstStyle/>
-          <a:p>
-            <a:pPr marL="0" marR="0" lvl="0" indent="0" algn="ctr" defTabSz="457200" rtl="0" eaLnBrk="1" fontAlgn="auto" latinLnBrk="0" hangingPunct="1">
-              <a:lnSpc>
-                <a:spcPct val="100000"/>
-              </a:lnSpc>
-              <a:spcBef>
-                <a:spcPts val="0"/>
-              </a:spcBef>
-              <a:spcAft>
-                <a:spcPts val="0"/>
-              </a:spcAft>
-              <a:buClrTx/>
-              <a:buSzTx/>
-              <a:buFontTx/>
-              <a:buNone/>
-              <a:tabLst/>
-              <a:defRPr/>
-            </a:pPr>
-            <a:r>
-              <a:rPr kumimoji="0" lang="en-US" sz="1800" b="0" i="0" u="none" strike="noStrike" kern="1200" cap="none" spc="0" normalizeH="0" baseline="0" noProof="0" dirty="0">
-                <a:ln>
-                  <a:noFill/>
-                </a:ln>
-                <a:solidFill>
-                  <a:prstClr val="white"/>
-                </a:solidFill>
-                <a:effectLst/>
-                <a:uLnTx/>
-                <a:uFillTx/>
-                <a:latin typeface="Calibri" panose="020F0502020204030204"/>
-                <a:ea typeface="+mn-ea"/>
-                <a:cs typeface="+mn-cs"/>
-              </a:rPr>
-              <a:t>UPDATE</a:t>
-            </a:r>
-          </a:p>
-        </p:txBody>
-      </p:sp>
+      </p:pic>
     </p:spTree>
     <p:extLst>
       <p:ext uri="{BB962C8B-B14F-4D97-AF65-F5344CB8AC3E}">
-        <p14:creationId xmlns:p14="http://schemas.microsoft.com/office/powerpoint/2010/main" val="1702127153"/>
+        <p14:creationId xmlns:p14="http://schemas.microsoft.com/office/powerpoint/2010/main" val="2308121687"/>
       </p:ext>
     </p:extLst>
   </p:cSld>
@@ -4040,7 +4036,7 @@
                 <a:ea typeface="Arial" charset="0"/>
                 <a:cs typeface="Arial" charset="0"/>
               </a:rPr>
-              <a:t>Process 3</a:t>
+              <a:t>Process 2</a:t>
             </a:r>
           </a:p>
         </p:txBody>
@@ -4101,7 +4097,45 @@
                 <a:ea typeface="Arial" charset="0"/>
                 <a:cs typeface="Arial" charset="0"/>
               </a:rPr>
-              <a:t>Completed data cleaning and preprocessing.</a:t>
+              <a:t>Run </a:t>
+            </a:r>
+            <a:r>
+              <a:rPr kumimoji="0" lang="en-US" sz="1800" b="0" i="0" u="none" strike="noStrike" kern="1200" cap="none" spc="0" normalizeH="0" baseline="0" noProof="0" dirty="0" err="1">
+                <a:ln>
+                  <a:noFill/>
+                </a:ln>
+                <a:solidFill>
+                  <a:srgbClr val="44546A">
+                    <a:lumMod val="10000"/>
+                  </a:srgbClr>
+                </a:solidFill>
+                <a:effectLst/>
+                <a:uLnTx/>
+                <a:uFillTx/>
+                <a:latin typeface="Arial" charset="0"/>
+                <a:ea typeface="Arial" charset="0"/>
+                <a:cs typeface="Arial" charset="0"/>
+              </a:rPr>
+              <a:t>pairplot</a:t>
+            </a:r>
+            <a:r>
+              <a:rPr kumimoji="0" lang="en-US" sz="1800" b="0" i="0" u="none" strike="noStrike" kern="1200" cap="none" spc="0" normalizeH="0" baseline="0" noProof="0" dirty="0">
+                <a:ln>
+                  <a:noFill/>
+                </a:ln>
+                <a:solidFill>
+                  <a:srgbClr val="44546A">
+                    <a:lumMod val="10000"/>
+                  </a:srgbClr>
+                </a:solidFill>
+                <a:effectLst/>
+                <a:uLnTx/>
+                <a:uFillTx/>
+                <a:latin typeface="Arial" charset="0"/>
+                <a:ea typeface="Arial" charset="0"/>
+                <a:cs typeface="Arial" charset="0"/>
+              </a:rPr>
+              <a:t> and heatmap to identify relationships between columns</a:t>
             </a:r>
           </a:p>
           <a:p>
@@ -4123,99 +4157,313 @@
               <a:defRPr/>
             </a:pPr>
             <a:r>
-              <a:rPr kumimoji="0" lang="en-US" sz="1800" b="0" i="0" u="none" strike="noStrike" kern="1200" cap="none" spc="0" normalizeH="0" baseline="0" noProof="0" dirty="0">
-                <a:ln>
-                  <a:noFill/>
-                </a:ln>
-                <a:solidFill>
-                  <a:srgbClr val="44546A">
-                    <a:lumMod val="10000"/>
-                  </a:srgbClr>
-                </a:solidFill>
-                <a:effectLst/>
-                <a:uLnTx/>
-                <a:uFillTx/>
-                <a:latin typeface="Arial" charset="0"/>
-                <a:ea typeface="Arial" charset="0"/>
-                <a:cs typeface="Arial" charset="0"/>
-              </a:rPr>
-              <a:t>Performed exploratory data analysis (EDA) and visualized relationships.</a:t>
-            </a:r>
-          </a:p>
-          <a:p>
-            <a:pPr marL="342900" marR="0" lvl="0" indent="-342900" algn="l" defTabSz="457200" rtl="0" eaLnBrk="1" fontAlgn="auto" latinLnBrk="0" hangingPunct="1">
+              <a:rPr lang="en-US" dirty="0">
+                <a:solidFill>
+                  <a:srgbClr val="44546A">
+                    <a:lumMod val="10000"/>
+                  </a:srgbClr>
+                </a:solidFill>
+                <a:latin typeface="Arial" charset="0"/>
+                <a:ea typeface="Arial" charset="0"/>
+                <a:cs typeface="Arial" charset="0"/>
+              </a:rPr>
+              <a:t>Identify key features to find relationships with EPDS</a:t>
+            </a:r>
+          </a:p>
+          <a:p>
+            <a:pPr marL="800100" lvl="1" indent="-342900">
               <a:lnSpc>
                 <a:spcPct val="150000"/>
               </a:lnSpc>
-              <a:spcBef>
-                <a:spcPts val="0"/>
-              </a:spcBef>
-              <a:spcAft>
-                <a:spcPts val="0"/>
-              </a:spcAft>
-              <a:buClrTx/>
               <a:buSzPct val="80000"/>
               <a:buFont typeface="Arial" panose="020B0604020202020204" pitchFamily="34" charset="0"/>
               <a:buChar char="•"/>
-              <a:tabLst/>
               <a:defRPr/>
             </a:pPr>
             <a:r>
-              <a:rPr kumimoji="0" lang="en-US" sz="1800" b="0" i="0" u="none" strike="noStrike" kern="1200" cap="none" spc="0" normalizeH="0" baseline="0" noProof="0" dirty="0">
-                <a:ln>
-                  <a:noFill/>
-                </a:ln>
-                <a:solidFill>
-                  <a:srgbClr val="44546A">
-                    <a:lumMod val="10000"/>
-                  </a:srgbClr>
-                </a:solidFill>
-                <a:effectLst/>
-                <a:uLnTx/>
-                <a:uFillTx/>
-                <a:latin typeface="Arial" charset="0"/>
-                <a:ea typeface="Arial" charset="0"/>
-                <a:cs typeface="Arial" charset="0"/>
-              </a:rPr>
-              <a:t>Trained and evaluated Linear Regression and Random Forest models.</a:t>
-            </a:r>
-          </a:p>
-          <a:p>
-            <a:pPr marL="342900" marR="0" lvl="0" indent="-342900" algn="l" defTabSz="457200" rtl="0" eaLnBrk="1" fontAlgn="auto" latinLnBrk="0" hangingPunct="1">
-              <a:lnSpc>
-                <a:spcPct val="150000"/>
-              </a:lnSpc>
-              <a:spcBef>
-                <a:spcPts val="0"/>
-              </a:spcBef>
-              <a:spcAft>
-                <a:spcPts val="0"/>
-              </a:spcAft>
-              <a:buClrTx/>
-              <a:buSzPct val="80000"/>
-              <a:buFont typeface="Arial" panose="020B0604020202020204" pitchFamily="34" charset="0"/>
-              <a:buChar char="•"/>
-              <a:tabLst/>
-              <a:defRPr/>
-            </a:pPr>
-            <a:r>
-              <a:rPr kumimoji="0" lang="en-US" sz="1800" b="0" i="0" u="none" strike="noStrike" kern="1200" cap="none" spc="0" normalizeH="0" baseline="0" noProof="0" dirty="0">
-                <a:ln>
-                  <a:noFill/>
-                </a:ln>
-                <a:solidFill>
-                  <a:srgbClr val="44546A">
-                    <a:lumMod val="10000"/>
-                  </a:srgbClr>
-                </a:solidFill>
-                <a:effectLst/>
-                <a:uLnTx/>
-                <a:uFillTx/>
-                <a:latin typeface="Arial" charset="0"/>
-                <a:ea typeface="Arial" charset="0"/>
-                <a:cs typeface="Arial" charset="0"/>
-              </a:rPr>
-              <a:t>Assessed model performance using MSE and R².</a:t>
+              <a:rPr kumimoji="0" lang="en-US" b="0" i="0" u="none" strike="noStrike" kern="1200" cap="none" spc="0" normalizeH="0" baseline="0" noProof="0" dirty="0">
+                <a:ln>
+                  <a:noFill/>
+                </a:ln>
+                <a:solidFill>
+                  <a:srgbClr val="44546A">
+                    <a:lumMod val="10000"/>
+                  </a:srgbClr>
+                </a:solidFill>
+                <a:effectLst/>
+                <a:uLnTx/>
+                <a:uFillTx/>
+                <a:latin typeface="Arial" charset="0"/>
+                <a:ea typeface="Arial" charset="0"/>
+                <a:cs typeface="Arial" charset="0"/>
+              </a:rPr>
+              <a:t>'</a:t>
+            </a:r>
+            <a:r>
+              <a:rPr kumimoji="0" lang="en-US" b="0" i="0" u="none" strike="noStrike" kern="1200" cap="none" spc="0" normalizeH="0" baseline="0" noProof="0" dirty="0" err="1">
+                <a:ln>
+                  <a:noFill/>
+                </a:ln>
+                <a:solidFill>
+                  <a:srgbClr val="44546A">
+                    <a:lumMod val="10000"/>
+                  </a:srgbClr>
+                </a:solidFill>
+                <a:effectLst/>
+                <a:uLnTx/>
+                <a:uFillTx/>
+                <a:latin typeface="Arial" charset="0"/>
+                <a:ea typeface="Arial" charset="0"/>
+                <a:cs typeface="Arial" charset="0"/>
+              </a:rPr>
+              <a:t>Maternal_Age</a:t>
+            </a:r>
+            <a:r>
+              <a:rPr kumimoji="0" lang="en-US" b="0" i="0" u="none" strike="noStrike" kern="1200" cap="none" spc="0" normalizeH="0" baseline="0" noProof="0" dirty="0">
+                <a:ln>
+                  <a:noFill/>
+                </a:ln>
+                <a:solidFill>
+                  <a:srgbClr val="44546A">
+                    <a:lumMod val="10000"/>
+                  </a:srgbClr>
+                </a:solidFill>
+                <a:effectLst/>
+                <a:uLnTx/>
+                <a:uFillTx/>
+                <a:latin typeface="Arial" charset="0"/>
+                <a:ea typeface="Arial" charset="0"/>
+                <a:cs typeface="Arial" charset="0"/>
+              </a:rPr>
+              <a:t>', '</a:t>
+            </a:r>
+            <a:r>
+              <a:rPr kumimoji="0" lang="en-US" b="0" i="0" u="none" strike="noStrike" kern="1200" cap="none" spc="0" normalizeH="0" baseline="0" noProof="0" dirty="0" err="1">
+                <a:ln>
+                  <a:noFill/>
+                </a:ln>
+                <a:solidFill>
+                  <a:srgbClr val="44546A">
+                    <a:lumMod val="10000"/>
+                  </a:srgbClr>
+                </a:solidFill>
+                <a:effectLst/>
+                <a:uLnTx/>
+                <a:uFillTx/>
+                <a:latin typeface="Arial" charset="0"/>
+                <a:ea typeface="Arial" charset="0"/>
+                <a:cs typeface="Arial" charset="0"/>
+              </a:rPr>
+              <a:t>Household_Income</a:t>
+            </a:r>
+            <a:r>
+              <a:rPr kumimoji="0" lang="en-US" b="0" i="0" u="none" strike="noStrike" kern="1200" cap="none" spc="0" normalizeH="0" baseline="0" noProof="0" dirty="0">
+                <a:ln>
+                  <a:noFill/>
+                </a:ln>
+                <a:solidFill>
+                  <a:srgbClr val="44546A">
+                    <a:lumMod val="10000"/>
+                  </a:srgbClr>
+                </a:solidFill>
+                <a:effectLst/>
+                <a:uLnTx/>
+                <a:uFillTx/>
+                <a:latin typeface="Arial" charset="0"/>
+                <a:ea typeface="Arial" charset="0"/>
+                <a:cs typeface="Arial" charset="0"/>
+              </a:rPr>
+              <a:t>', '</a:t>
+            </a:r>
+            <a:r>
+              <a:rPr kumimoji="0" lang="en-US" b="0" i="0" u="none" strike="noStrike" kern="1200" cap="none" spc="0" normalizeH="0" baseline="0" noProof="0" dirty="0" err="1">
+                <a:ln>
+                  <a:noFill/>
+                </a:ln>
+                <a:solidFill>
+                  <a:srgbClr val="44546A">
+                    <a:lumMod val="10000"/>
+                  </a:srgbClr>
+                </a:solidFill>
+                <a:effectLst/>
+                <a:uLnTx/>
+                <a:uFillTx/>
+                <a:latin typeface="Arial" charset="0"/>
+                <a:ea typeface="Arial" charset="0"/>
+                <a:cs typeface="Arial" charset="0"/>
+              </a:rPr>
+              <a:t>Maternal_Education</a:t>
+            </a:r>
+            <a:r>
+              <a:rPr kumimoji="0" lang="en-US" b="0" i="0" u="none" strike="noStrike" kern="1200" cap="none" spc="0" normalizeH="0" baseline="0" noProof="0" dirty="0">
+                <a:ln>
+                  <a:noFill/>
+                </a:ln>
+                <a:solidFill>
+                  <a:srgbClr val="44546A">
+                    <a:lumMod val="10000"/>
+                  </a:srgbClr>
+                </a:solidFill>
+                <a:effectLst/>
+                <a:uLnTx/>
+                <a:uFillTx/>
+                <a:latin typeface="Arial" charset="0"/>
+                <a:ea typeface="Arial" charset="0"/>
+                <a:cs typeface="Arial" charset="0"/>
+              </a:rPr>
+              <a:t>', '</a:t>
+            </a:r>
+            <a:r>
+              <a:rPr kumimoji="0" lang="en-US" b="0" i="0" u="none" strike="noStrike" kern="1200" cap="none" spc="0" normalizeH="0" baseline="0" noProof="0" dirty="0" err="1">
+                <a:ln>
+                  <a:noFill/>
+                </a:ln>
+                <a:solidFill>
+                  <a:srgbClr val="44546A">
+                    <a:lumMod val="10000"/>
+                  </a:srgbClr>
+                </a:solidFill>
+                <a:effectLst/>
+                <a:uLnTx/>
+                <a:uFillTx/>
+                <a:latin typeface="Arial" charset="0"/>
+                <a:ea typeface="Arial" charset="0"/>
+                <a:cs typeface="Arial" charset="0"/>
+              </a:rPr>
+              <a:t>PROMIS_Anxiety</a:t>
+            </a:r>
+            <a:r>
+              <a:rPr kumimoji="0" lang="en-US" b="0" i="0" u="none" strike="noStrike" kern="1200" cap="none" spc="0" normalizeH="0" baseline="0" noProof="0" dirty="0">
+                <a:ln>
+                  <a:noFill/>
+                </a:ln>
+                <a:solidFill>
+                  <a:srgbClr val="44546A">
+                    <a:lumMod val="10000"/>
+                  </a:srgbClr>
+                </a:solidFill>
+                <a:effectLst/>
+                <a:uLnTx/>
+                <a:uFillTx/>
+                <a:latin typeface="Arial" charset="0"/>
+                <a:ea typeface="Arial" charset="0"/>
+                <a:cs typeface="Arial" charset="0"/>
+              </a:rPr>
+              <a:t>', '</a:t>
+            </a:r>
+            <a:r>
+              <a:rPr kumimoji="0" lang="en-US" b="0" i="0" u="none" strike="noStrike" kern="1200" cap="none" spc="0" normalizeH="0" baseline="0" noProof="0" dirty="0" err="1">
+                <a:ln>
+                  <a:noFill/>
+                </a:ln>
+                <a:solidFill>
+                  <a:srgbClr val="44546A">
+                    <a:lumMod val="10000"/>
+                  </a:srgbClr>
+                </a:solidFill>
+                <a:effectLst/>
+                <a:uLnTx/>
+                <a:uFillTx/>
+                <a:latin typeface="Arial" charset="0"/>
+                <a:ea typeface="Arial" charset="0"/>
+                <a:cs typeface="Arial" charset="0"/>
+              </a:rPr>
+              <a:t>Threaten_Life</a:t>
+            </a:r>
+            <a:r>
+              <a:rPr kumimoji="0" lang="en-US" b="0" i="0" u="none" strike="noStrike" kern="1200" cap="none" spc="0" normalizeH="0" baseline="0" noProof="0" dirty="0">
+                <a:ln>
+                  <a:noFill/>
+                </a:ln>
+                <a:solidFill>
+                  <a:srgbClr val="44546A">
+                    <a:lumMod val="10000"/>
+                  </a:srgbClr>
+                </a:solidFill>
+                <a:effectLst/>
+                <a:uLnTx/>
+                <a:uFillTx/>
+                <a:latin typeface="Arial" charset="0"/>
+                <a:ea typeface="Arial" charset="0"/>
+                <a:cs typeface="Arial" charset="0"/>
+              </a:rPr>
+              <a:t>', '</a:t>
+            </a:r>
+            <a:r>
+              <a:rPr kumimoji="0" lang="en-US" b="0" i="0" u="none" strike="noStrike" kern="1200" cap="none" spc="0" normalizeH="0" baseline="0" noProof="0" dirty="0" err="1">
+                <a:ln>
+                  <a:noFill/>
+                </a:ln>
+                <a:solidFill>
+                  <a:srgbClr val="44546A">
+                    <a:lumMod val="10000"/>
+                  </a:srgbClr>
+                </a:solidFill>
+                <a:effectLst/>
+                <a:uLnTx/>
+                <a:uFillTx/>
+                <a:latin typeface="Arial" charset="0"/>
+                <a:ea typeface="Arial" charset="0"/>
+                <a:cs typeface="Arial" charset="0"/>
+              </a:rPr>
+              <a:t>Threaten_Baby_Danger</a:t>
+            </a:r>
+            <a:r>
+              <a:rPr kumimoji="0" lang="en-US" b="0" i="0" u="none" strike="noStrike" kern="1200" cap="none" spc="0" normalizeH="0" baseline="0" noProof="0" dirty="0">
+                <a:ln>
+                  <a:noFill/>
+                </a:ln>
+                <a:solidFill>
+                  <a:srgbClr val="44546A">
+                    <a:lumMod val="10000"/>
+                  </a:srgbClr>
+                </a:solidFill>
+                <a:effectLst/>
+                <a:uLnTx/>
+                <a:uFillTx/>
+                <a:latin typeface="Arial" charset="0"/>
+                <a:ea typeface="Arial" charset="0"/>
+                <a:cs typeface="Arial" charset="0"/>
+              </a:rPr>
+              <a:t>', '</a:t>
+            </a:r>
+            <a:r>
+              <a:rPr kumimoji="0" lang="en-US" b="0" i="0" u="none" strike="noStrike" kern="1200" cap="none" spc="0" normalizeH="0" baseline="0" noProof="0" dirty="0" err="1">
+                <a:ln>
+                  <a:noFill/>
+                </a:ln>
+                <a:solidFill>
+                  <a:srgbClr val="44546A">
+                    <a:lumMod val="10000"/>
+                  </a:srgbClr>
+                </a:solidFill>
+                <a:effectLst/>
+                <a:uLnTx/>
+                <a:uFillTx/>
+                <a:latin typeface="Arial" charset="0"/>
+                <a:ea typeface="Arial" charset="0"/>
+                <a:cs typeface="Arial" charset="0"/>
+              </a:rPr>
+              <a:t>Threaten_Baby_Harm</a:t>
+            </a:r>
+            <a:r>
+              <a:rPr kumimoji="0" lang="en-US" b="0" i="0" u="none" strike="noStrike" kern="1200" cap="none" spc="0" normalizeH="0" baseline="0" noProof="0" dirty="0">
+                <a:ln>
+                  <a:noFill/>
+                </a:ln>
+                <a:solidFill>
+                  <a:srgbClr val="44546A">
+                    <a:lumMod val="10000"/>
+                  </a:srgbClr>
+                </a:solidFill>
+                <a:effectLst/>
+                <a:uLnTx/>
+                <a:uFillTx/>
+                <a:latin typeface="Arial" charset="0"/>
+                <a:ea typeface="Arial" charset="0"/>
+                <a:cs typeface="Arial" charset="0"/>
+              </a:rPr>
+              <a:t>'</a:t>
             </a:r>
           </a:p>
         </p:txBody>
@@ -4287,77 +4535,70 @@
           </a:p>
         </p:txBody>
       </p:sp>
-      <p:sp>
-        <p:nvSpPr>
-          <p:cNvPr id="3" name="TextBox 2">
+      <p:pic>
+        <p:nvPicPr>
+          <p:cNvPr id="5" name="Picture 4">
             <a:extLst>
               <a:ext uri="{FF2B5EF4-FFF2-40B4-BE49-F238E27FC236}">
-                <a16:creationId xmlns:a16="http://schemas.microsoft.com/office/drawing/2014/main" id="{1090388D-2836-2637-0CC4-BF26C8CC4C93}"/>
+                <a16:creationId xmlns:a16="http://schemas.microsoft.com/office/drawing/2014/main" id="{18B11387-D9F6-63CA-F0A9-A7FE9BDBE434}"/>
               </a:ext>
             </a:extLst>
           </p:cNvPr>
-          <p:cNvSpPr txBox="1"/>
+          <p:cNvPicPr>
+            <a:picLocks noChangeAspect="1"/>
+          </p:cNvPicPr>
           <p:nvPr/>
-        </p:nvSpPr>
+        </p:nvPicPr>
+        <p:blipFill>
+          <a:blip r:embed="rId3"/>
+          <a:stretch>
+            <a:fillRect/>
+          </a:stretch>
+        </p:blipFill>
         <p:spPr>
-          <a:xfrm rot="2208168">
-            <a:off x="2075688" y="2898648"/>
-            <a:ext cx="6896427" cy="369332"/>
+          <a:xfrm>
+            <a:off x="7316701" y="2772198"/>
+            <a:ext cx="4922656" cy="3803661"/>
           </a:xfrm>
           <a:prstGeom prst="rect">
             <a:avLst/>
           </a:prstGeom>
-          <a:solidFill>
-            <a:srgbClr val="C5AA76"/>
-          </a:solidFill>
         </p:spPr>
-        <p:txBody>
-          <a:bodyPr wrap="square" rtlCol="0">
-            <a:spAutoFit/>
-          </a:bodyPr>
-          <a:lstStyle/>
-          <a:p>
-            <a:pPr marL="0" marR="0" lvl="0" indent="0" algn="ctr" defTabSz="457200" rtl="0" eaLnBrk="1" fontAlgn="auto" latinLnBrk="0" hangingPunct="1">
-              <a:lnSpc>
-                <a:spcPct val="100000"/>
-              </a:lnSpc>
-              <a:spcBef>
-                <a:spcPts val="0"/>
-              </a:spcBef>
-              <a:spcAft>
-                <a:spcPts val="0"/>
-              </a:spcAft>
-              <a:buClrTx/>
-              <a:buSzTx/>
-              <a:buFontTx/>
-              <a:buNone/>
-              <a:tabLst/>
-              <a:defRPr/>
-            </a:pPr>
-            <a:r>
-              <a:rPr kumimoji="0" lang="en-US" sz="1800" b="0" i="0" u="none" strike="noStrike" kern="1200" cap="none" spc="0" normalizeH="0" baseline="0" noProof="0" dirty="0">
-                <a:ln>
-                  <a:noFill/>
-                </a:ln>
-                <a:solidFill>
-                  <a:prstClr val="white"/>
-                </a:solidFill>
-                <a:effectLst/>
-                <a:uLnTx/>
-                <a:uFillTx/>
-                <a:latin typeface="Calibri" panose="020F0502020204030204"/>
-                <a:ea typeface="+mn-ea"/>
-                <a:cs typeface="+mn-cs"/>
-              </a:rPr>
-              <a:t>UPDATE</a:t>
-            </a:r>
-          </a:p>
-        </p:txBody>
-      </p:sp>
+      </p:pic>
+      <p:pic>
+        <p:nvPicPr>
+          <p:cNvPr id="11" name="Picture 10">
+            <a:extLst>
+              <a:ext uri="{FF2B5EF4-FFF2-40B4-BE49-F238E27FC236}">
+                <a16:creationId xmlns:a16="http://schemas.microsoft.com/office/drawing/2014/main" id="{262433BC-8145-48EB-50BC-FAB8F9EC43B6}"/>
+              </a:ext>
+            </a:extLst>
+          </p:cNvPr>
+          <p:cNvPicPr>
+            <a:picLocks noChangeAspect="1"/>
+          </p:cNvPicPr>
+          <p:nvPr/>
+        </p:nvPicPr>
+        <p:blipFill>
+          <a:blip r:embed="rId4"/>
+          <a:stretch>
+            <a:fillRect/>
+          </a:stretch>
+        </p:blipFill>
+        <p:spPr>
+          <a:xfrm>
+            <a:off x="2449286" y="3099978"/>
+            <a:ext cx="3646714" cy="3646714"/>
+          </a:xfrm>
+          <a:prstGeom prst="rect">
+            <a:avLst/>
+          </a:prstGeom>
+        </p:spPr>
+      </p:pic>
     </p:spTree>
     <p:extLst>
       <p:ext uri="{BB962C8B-B14F-4D97-AF65-F5344CB8AC3E}">
-        <p14:creationId xmlns:p14="http://schemas.microsoft.com/office/powerpoint/2010/main" val="2792566745"/>
+        <p14:creationId xmlns:p14="http://schemas.microsoft.com/office/powerpoint/2010/main" val="1702127153"/>
       </p:ext>
     </p:extLst>
   </p:cSld>
@@ -4452,7 +4693,7 @@
                 <a:ea typeface="Arial" charset="0"/>
                 <a:cs typeface="Arial" charset="0"/>
               </a:rPr>
-              <a:t>Process 4</a:t>
+              <a:t>Process 3</a:t>
             </a:r>
           </a:p>
         </p:txBody>
@@ -4466,7 +4707,7 @@
         <p:spPr>
           <a:xfrm>
             <a:off x="530874" y="1383408"/>
-            <a:ext cx="10626410" cy="1703030"/>
+            <a:ext cx="10626410" cy="4611519"/>
           </a:xfrm>
           <a:prstGeom prst="rect">
             <a:avLst/>
@@ -4513,7 +4754,7 @@
                 <a:ea typeface="Arial" charset="0"/>
                 <a:cs typeface="Arial" charset="0"/>
               </a:rPr>
-              <a:t>Completed data cleaning and preprocessing.</a:t>
+              <a:t>Run linear regression using EPDS as response</a:t>
             </a:r>
           </a:p>
           <a:p>
@@ -4534,25 +4775,16 @@
               <a:tabLst/>
               <a:defRPr/>
             </a:pPr>
-            <a:r>
-              <a:rPr kumimoji="0" lang="en-US" sz="1800" b="0" i="0" u="none" strike="noStrike" kern="1200" cap="none" spc="0" normalizeH="0" baseline="0" noProof="0" dirty="0">
-                <a:ln>
-                  <a:noFill/>
-                </a:ln>
-                <a:solidFill>
-                  <a:srgbClr val="44546A">
-                    <a:lumMod val="10000"/>
-                  </a:srgbClr>
-                </a:solidFill>
-                <a:effectLst/>
-                <a:uLnTx/>
-                <a:uFillTx/>
-                <a:latin typeface="Arial" charset="0"/>
-                <a:ea typeface="Arial" charset="0"/>
-                <a:cs typeface="Arial" charset="0"/>
-              </a:rPr>
-              <a:t>Performed exploratory data analysis (EDA) and visualized relationships.</a:t>
-            </a:r>
+            <a:endParaRPr lang="en-US" dirty="0">
+              <a:solidFill>
+                <a:srgbClr val="44546A">
+                  <a:lumMod val="10000"/>
+                </a:srgbClr>
+              </a:solidFill>
+              <a:latin typeface="Arial" charset="0"/>
+              <a:ea typeface="Arial" charset="0"/>
+              <a:cs typeface="Arial" charset="0"/>
+            </a:endParaRPr>
           </a:p>
           <a:p>
             <a:pPr marL="342900" marR="0" lvl="0" indent="-342900" algn="l" defTabSz="457200" rtl="0" eaLnBrk="1" fontAlgn="auto" latinLnBrk="0" hangingPunct="1">
@@ -4589,7 +4821,7 @@
                 <a:ea typeface="Arial" charset="0"/>
                 <a:cs typeface="Arial" charset="0"/>
               </a:rPr>
-              <a:t>Trained and evaluated Linear Regression and Random Forest models.</a:t>
+              <a:t>MSE: 8.986360817947201, R2: 0.6620131234030475</a:t>
             </a:r>
           </a:p>
           <a:p>
@@ -4627,7 +4859,350 @@
                 <a:ea typeface="Arial" charset="0"/>
                 <a:cs typeface="Arial" charset="0"/>
               </a:rPr>
-              <a:t>Assessed model performance using MSE and R².</a:t>
+              <a:t>Feature  Importance</a:t>
+            </a:r>
+          </a:p>
+          <a:p>
+            <a:pPr marL="800100" lvl="1" indent="-342900">
+              <a:lnSpc>
+                <a:spcPct val="150000"/>
+              </a:lnSpc>
+              <a:buSzPct val="80000"/>
+              <a:buFont typeface="Arial" panose="020B0604020202020204" pitchFamily="34" charset="0"/>
+              <a:buChar char="•"/>
+              <a:defRPr/>
+            </a:pPr>
+            <a:r>
+              <a:rPr kumimoji="0" lang="en-US" b="0" i="0" u="none" strike="noStrike" kern="1200" cap="none" spc="0" normalizeH="0" baseline="0" noProof="0" dirty="0" err="1">
+                <a:ln>
+                  <a:noFill/>
+                </a:ln>
+                <a:solidFill>
+                  <a:srgbClr val="44546A">
+                    <a:lumMod val="10000"/>
+                  </a:srgbClr>
+                </a:solidFill>
+                <a:effectLst/>
+                <a:uLnTx/>
+                <a:uFillTx/>
+                <a:latin typeface="Arial" charset="0"/>
+                <a:ea typeface="Arial" charset="0"/>
+                <a:cs typeface="Arial" charset="0"/>
+              </a:rPr>
+              <a:t>Maternal_Age</a:t>
+            </a:r>
+            <a:r>
+              <a:rPr kumimoji="0" lang="en-US" b="0" i="0" u="none" strike="noStrike" kern="1200" cap="none" spc="0" normalizeH="0" baseline="0" noProof="0" dirty="0">
+                <a:ln>
+                  <a:noFill/>
+                </a:ln>
+                <a:solidFill>
+                  <a:srgbClr val="44546A">
+                    <a:lumMod val="10000"/>
+                  </a:srgbClr>
+                </a:solidFill>
+                <a:effectLst/>
+                <a:uLnTx/>
+                <a:uFillTx/>
+                <a:latin typeface="Arial" charset="0"/>
+                <a:ea typeface="Arial" charset="0"/>
+                <a:cs typeface="Arial" charset="0"/>
+              </a:rPr>
+              <a:t>   -0.008575</a:t>
+            </a:r>
+          </a:p>
+          <a:p>
+            <a:pPr marL="800100" lvl="1" indent="-342900">
+              <a:lnSpc>
+                <a:spcPct val="150000"/>
+              </a:lnSpc>
+              <a:buSzPct val="80000"/>
+              <a:buFont typeface="Arial" panose="020B0604020202020204" pitchFamily="34" charset="0"/>
+              <a:buChar char="•"/>
+              <a:defRPr/>
+            </a:pPr>
+            <a:r>
+              <a:rPr kumimoji="0" lang="en-US" b="0" i="0" u="none" strike="noStrike" kern="1200" cap="none" spc="0" normalizeH="0" baseline="0" noProof="0" dirty="0" err="1">
+                <a:ln>
+                  <a:noFill/>
+                </a:ln>
+                <a:solidFill>
+                  <a:srgbClr val="44546A">
+                    <a:lumMod val="10000"/>
+                  </a:srgbClr>
+                </a:solidFill>
+                <a:effectLst/>
+                <a:uLnTx/>
+                <a:uFillTx/>
+                <a:latin typeface="Arial" charset="0"/>
+                <a:ea typeface="Arial" charset="0"/>
+                <a:cs typeface="Arial" charset="0"/>
+              </a:rPr>
+              <a:t>Household_Income</a:t>
+            </a:r>
+            <a:r>
+              <a:rPr kumimoji="0" lang="en-US" b="0" i="0" u="none" strike="noStrike" kern="1200" cap="none" spc="0" normalizeH="0" baseline="0" noProof="0" dirty="0">
+                <a:ln>
+                  <a:noFill/>
+                </a:ln>
+                <a:solidFill>
+                  <a:srgbClr val="44546A">
+                    <a:lumMod val="10000"/>
+                  </a:srgbClr>
+                </a:solidFill>
+                <a:effectLst/>
+                <a:uLnTx/>
+                <a:uFillTx/>
+                <a:latin typeface="Arial" charset="0"/>
+                <a:ea typeface="Arial" charset="0"/>
+                <a:cs typeface="Arial" charset="0"/>
+              </a:rPr>
+              <a:t>    0.047906</a:t>
+            </a:r>
+          </a:p>
+          <a:p>
+            <a:pPr marL="800100" lvl="1" indent="-342900">
+              <a:lnSpc>
+                <a:spcPct val="150000"/>
+              </a:lnSpc>
+              <a:buSzPct val="80000"/>
+              <a:buFont typeface="Arial" panose="020B0604020202020204" pitchFamily="34" charset="0"/>
+              <a:buChar char="•"/>
+              <a:defRPr/>
+            </a:pPr>
+            <a:r>
+              <a:rPr kumimoji="0" lang="en-US" b="0" i="0" u="none" strike="noStrike" kern="1200" cap="none" spc="0" normalizeH="0" baseline="0" noProof="0" dirty="0" err="1">
+                <a:ln>
+                  <a:noFill/>
+                </a:ln>
+                <a:solidFill>
+                  <a:srgbClr val="44546A">
+                    <a:lumMod val="10000"/>
+                  </a:srgbClr>
+                </a:solidFill>
+                <a:effectLst/>
+                <a:uLnTx/>
+                <a:uFillTx/>
+                <a:latin typeface="Arial" charset="0"/>
+                <a:ea typeface="Arial" charset="0"/>
+                <a:cs typeface="Arial" charset="0"/>
+              </a:rPr>
+              <a:t>Maternal_Education</a:t>
+            </a:r>
+            <a:r>
+              <a:rPr kumimoji="0" lang="en-US" b="0" i="0" u="none" strike="noStrike" kern="1200" cap="none" spc="0" normalizeH="0" baseline="0" noProof="0" dirty="0">
+                <a:ln>
+                  <a:noFill/>
+                </a:ln>
+                <a:solidFill>
+                  <a:srgbClr val="44546A">
+                    <a:lumMod val="10000"/>
+                  </a:srgbClr>
+                </a:solidFill>
+                <a:effectLst/>
+                <a:uLnTx/>
+                <a:uFillTx/>
+                <a:latin typeface="Arial" charset="0"/>
+                <a:ea typeface="Arial" charset="0"/>
+                <a:cs typeface="Arial" charset="0"/>
+              </a:rPr>
+              <a:t>   -0.101161</a:t>
+            </a:r>
+          </a:p>
+          <a:p>
+            <a:pPr marL="800100" lvl="1" indent="-342900">
+              <a:lnSpc>
+                <a:spcPct val="150000"/>
+              </a:lnSpc>
+              <a:buSzPct val="80000"/>
+              <a:buFont typeface="Arial" panose="020B0604020202020204" pitchFamily="34" charset="0"/>
+              <a:buChar char="•"/>
+              <a:defRPr/>
+            </a:pPr>
+            <a:r>
+              <a:rPr kumimoji="0" lang="en-US" b="0" i="0" u="none" strike="noStrike" kern="1200" cap="none" spc="0" normalizeH="0" baseline="0" noProof="0" dirty="0" err="1">
+                <a:ln>
+                  <a:noFill/>
+                </a:ln>
+                <a:solidFill>
+                  <a:srgbClr val="44546A">
+                    <a:lumMod val="10000"/>
+                  </a:srgbClr>
+                </a:solidFill>
+                <a:effectLst/>
+                <a:uLnTx/>
+                <a:uFillTx/>
+                <a:latin typeface="Arial" charset="0"/>
+                <a:ea typeface="Arial" charset="0"/>
+                <a:cs typeface="Arial" charset="0"/>
+              </a:rPr>
+              <a:t>PROMIS_Anxiety</a:t>
+            </a:r>
+            <a:r>
+              <a:rPr kumimoji="0" lang="en-US" b="0" i="0" u="none" strike="noStrike" kern="1200" cap="none" spc="0" normalizeH="0" baseline="0" noProof="0" dirty="0">
+                <a:ln>
+                  <a:noFill/>
+                </a:ln>
+                <a:solidFill>
+                  <a:srgbClr val="44546A">
+                    <a:lumMod val="10000"/>
+                  </a:srgbClr>
+                </a:solidFill>
+                <a:effectLst/>
+                <a:uLnTx/>
+                <a:uFillTx/>
+                <a:latin typeface="Arial" charset="0"/>
+                <a:ea typeface="Arial" charset="0"/>
+                <a:cs typeface="Arial" charset="0"/>
+              </a:rPr>
+              <a:t>    0.714697</a:t>
+            </a:r>
+          </a:p>
+          <a:p>
+            <a:pPr marL="800100" lvl="1" indent="-342900">
+              <a:lnSpc>
+                <a:spcPct val="150000"/>
+              </a:lnSpc>
+              <a:buSzPct val="80000"/>
+              <a:buFont typeface="Arial" panose="020B0604020202020204" pitchFamily="34" charset="0"/>
+              <a:buChar char="•"/>
+              <a:defRPr/>
+            </a:pPr>
+            <a:r>
+              <a:rPr kumimoji="0" lang="en-US" b="0" i="0" u="none" strike="noStrike" kern="1200" cap="none" spc="0" normalizeH="0" baseline="0" noProof="0" dirty="0" err="1">
+                <a:ln>
+                  <a:noFill/>
+                </a:ln>
+                <a:solidFill>
+                  <a:srgbClr val="44546A">
+                    <a:lumMod val="10000"/>
+                  </a:srgbClr>
+                </a:solidFill>
+                <a:effectLst/>
+                <a:uLnTx/>
+                <a:uFillTx/>
+                <a:latin typeface="Arial" charset="0"/>
+                <a:ea typeface="Arial" charset="0"/>
+                <a:cs typeface="Arial" charset="0"/>
+              </a:rPr>
+              <a:t>Threaten_Life</a:t>
+            </a:r>
+            <a:r>
+              <a:rPr kumimoji="0" lang="en-US" b="0" i="0" u="none" strike="noStrike" kern="1200" cap="none" spc="0" normalizeH="0" baseline="0" noProof="0" dirty="0">
+                <a:ln>
+                  <a:noFill/>
+                </a:ln>
+                <a:solidFill>
+                  <a:srgbClr val="44546A">
+                    <a:lumMod val="10000"/>
+                  </a:srgbClr>
+                </a:solidFill>
+                <a:effectLst/>
+                <a:uLnTx/>
+                <a:uFillTx/>
+                <a:latin typeface="Arial" charset="0"/>
+                <a:ea typeface="Arial" charset="0"/>
+                <a:cs typeface="Arial" charset="0"/>
+              </a:rPr>
+              <a:t>    0.000784</a:t>
+            </a:r>
+          </a:p>
+          <a:p>
+            <a:pPr marL="800100" lvl="1" indent="-342900">
+              <a:lnSpc>
+                <a:spcPct val="150000"/>
+              </a:lnSpc>
+              <a:buSzPct val="80000"/>
+              <a:buFont typeface="Arial" panose="020B0604020202020204" pitchFamily="34" charset="0"/>
+              <a:buChar char="•"/>
+              <a:defRPr/>
+            </a:pPr>
+            <a:r>
+              <a:rPr kumimoji="0" lang="en-US" b="0" i="0" u="none" strike="noStrike" kern="1200" cap="none" spc="0" normalizeH="0" baseline="0" noProof="0" dirty="0" err="1">
+                <a:ln>
+                  <a:noFill/>
+                </a:ln>
+                <a:solidFill>
+                  <a:srgbClr val="44546A">
+                    <a:lumMod val="10000"/>
+                  </a:srgbClr>
+                </a:solidFill>
+                <a:effectLst/>
+                <a:uLnTx/>
+                <a:uFillTx/>
+                <a:latin typeface="Arial" charset="0"/>
+                <a:ea typeface="Arial" charset="0"/>
+                <a:cs typeface="Arial" charset="0"/>
+              </a:rPr>
+              <a:t>Threaten_Baby_Danger</a:t>
+            </a:r>
+            <a:r>
+              <a:rPr kumimoji="0" lang="en-US" b="0" i="0" u="none" strike="noStrike" kern="1200" cap="none" spc="0" normalizeH="0" baseline="0" noProof="0" dirty="0">
+                <a:ln>
+                  <a:noFill/>
+                </a:ln>
+                <a:solidFill>
+                  <a:srgbClr val="44546A">
+                    <a:lumMod val="10000"/>
+                  </a:srgbClr>
+                </a:solidFill>
+                <a:effectLst/>
+                <a:uLnTx/>
+                <a:uFillTx/>
+                <a:latin typeface="Arial" charset="0"/>
+                <a:ea typeface="Arial" charset="0"/>
+                <a:cs typeface="Arial" charset="0"/>
+              </a:rPr>
+              <a:t>    0.010607</a:t>
+            </a:r>
+          </a:p>
+          <a:p>
+            <a:pPr marL="800100" lvl="1" indent="-342900">
+              <a:lnSpc>
+                <a:spcPct val="150000"/>
+              </a:lnSpc>
+              <a:buSzPct val="80000"/>
+              <a:buFont typeface="Arial" panose="020B0604020202020204" pitchFamily="34" charset="0"/>
+              <a:buChar char="•"/>
+              <a:defRPr/>
+            </a:pPr>
+            <a:r>
+              <a:rPr kumimoji="0" lang="en-US" b="0" i="0" u="none" strike="noStrike" kern="1200" cap="none" spc="0" normalizeH="0" baseline="0" noProof="0" dirty="0" err="1">
+                <a:ln>
+                  <a:noFill/>
+                </a:ln>
+                <a:solidFill>
+                  <a:srgbClr val="44546A">
+                    <a:lumMod val="10000"/>
+                  </a:srgbClr>
+                </a:solidFill>
+                <a:effectLst/>
+                <a:uLnTx/>
+                <a:uFillTx/>
+                <a:latin typeface="Arial" charset="0"/>
+                <a:ea typeface="Arial" charset="0"/>
+                <a:cs typeface="Arial" charset="0"/>
+              </a:rPr>
+              <a:t>Threaten_Baby_Harm</a:t>
+            </a:r>
+            <a:r>
+              <a:rPr kumimoji="0" lang="en-US" b="0" i="0" u="none" strike="noStrike" kern="1200" cap="none" spc="0" normalizeH="0" baseline="0" noProof="0" dirty="0">
+                <a:ln>
+                  <a:noFill/>
+                </a:ln>
+                <a:solidFill>
+                  <a:srgbClr val="44546A">
+                    <a:lumMod val="10000"/>
+                  </a:srgbClr>
+                </a:solidFill>
+                <a:effectLst/>
+                <a:uLnTx/>
+                <a:uFillTx/>
+                <a:latin typeface="Arial" charset="0"/>
+                <a:ea typeface="Arial" charset="0"/>
+                <a:cs typeface="Arial" charset="0"/>
+              </a:rPr>
+              <a:t>   -0.006049</a:t>
             </a:r>
           </a:p>
         </p:txBody>
@@ -4699,77 +5274,40 @@
           </a:p>
         </p:txBody>
       </p:sp>
-      <p:sp>
-        <p:nvSpPr>
-          <p:cNvPr id="3" name="TextBox 2">
+      <p:pic>
+        <p:nvPicPr>
+          <p:cNvPr id="5" name="Picture 4">
             <a:extLst>
               <a:ext uri="{FF2B5EF4-FFF2-40B4-BE49-F238E27FC236}">
-                <a16:creationId xmlns:a16="http://schemas.microsoft.com/office/drawing/2014/main" id="{1090388D-2836-2637-0CC4-BF26C8CC4C93}"/>
+                <a16:creationId xmlns:a16="http://schemas.microsoft.com/office/drawing/2014/main" id="{A3A131C1-9B98-9458-D729-A4712381137E}"/>
               </a:ext>
             </a:extLst>
           </p:cNvPr>
-          <p:cNvSpPr txBox="1"/>
+          <p:cNvPicPr>
+            <a:picLocks noChangeAspect="1"/>
+          </p:cNvPicPr>
           <p:nvPr/>
-        </p:nvSpPr>
+        </p:nvPicPr>
+        <p:blipFill>
+          <a:blip r:embed="rId3"/>
+          <a:stretch>
+            <a:fillRect/>
+          </a:stretch>
+        </p:blipFill>
         <p:spPr>
-          <a:xfrm rot="2208168">
-            <a:off x="2075688" y="2898648"/>
-            <a:ext cx="6896427" cy="369332"/>
+          <a:xfrm>
+            <a:off x="5778759" y="2724539"/>
+            <a:ext cx="5702330" cy="3160258"/>
           </a:xfrm>
           <a:prstGeom prst="rect">
             <a:avLst/>
           </a:prstGeom>
-          <a:solidFill>
-            <a:srgbClr val="C5AA76"/>
-          </a:solidFill>
         </p:spPr>
-        <p:txBody>
-          <a:bodyPr wrap="square" rtlCol="0">
-            <a:spAutoFit/>
-          </a:bodyPr>
-          <a:lstStyle/>
-          <a:p>
-            <a:pPr marL="0" marR="0" lvl="0" indent="0" algn="ctr" defTabSz="457200" rtl="0" eaLnBrk="1" fontAlgn="auto" latinLnBrk="0" hangingPunct="1">
-              <a:lnSpc>
-                <a:spcPct val="100000"/>
-              </a:lnSpc>
-              <a:spcBef>
-                <a:spcPts val="0"/>
-              </a:spcBef>
-              <a:spcAft>
-                <a:spcPts val="0"/>
-              </a:spcAft>
-              <a:buClrTx/>
-              <a:buSzTx/>
-              <a:buFontTx/>
-              <a:buNone/>
-              <a:tabLst/>
-              <a:defRPr/>
-            </a:pPr>
-            <a:r>
-              <a:rPr kumimoji="0" lang="en-US" sz="1800" b="0" i="0" u="none" strike="noStrike" kern="1200" cap="none" spc="0" normalizeH="0" baseline="0" noProof="0" dirty="0">
-                <a:ln>
-                  <a:noFill/>
-                </a:ln>
-                <a:solidFill>
-                  <a:prstClr val="white"/>
-                </a:solidFill>
-                <a:effectLst/>
-                <a:uLnTx/>
-                <a:uFillTx/>
-                <a:latin typeface="Calibri" panose="020F0502020204030204"/>
-                <a:ea typeface="+mn-ea"/>
-                <a:cs typeface="+mn-cs"/>
-              </a:rPr>
-              <a:t>UPDATE</a:t>
-            </a:r>
-          </a:p>
-        </p:txBody>
-      </p:sp>
+      </p:pic>
     </p:spTree>
     <p:extLst>
       <p:ext uri="{BB962C8B-B14F-4D97-AF65-F5344CB8AC3E}">
-        <p14:creationId xmlns:p14="http://schemas.microsoft.com/office/powerpoint/2010/main" val="3792985257"/>
+        <p14:creationId xmlns:p14="http://schemas.microsoft.com/office/powerpoint/2010/main" val="2792566745"/>
       </p:ext>
     </p:extLst>
   </p:cSld>
@@ -4864,6 +5402,715 @@
                 <a:ea typeface="Arial" charset="0"/>
                 <a:cs typeface="Arial" charset="0"/>
               </a:rPr>
+              <a:t>Process 4</a:t>
+            </a:r>
+          </a:p>
+        </p:txBody>
+      </p:sp>
+      <p:sp>
+        <p:nvSpPr>
+          <p:cNvPr id="8" name="TextBox 7"/>
+          <p:cNvSpPr txBox="1"/>
+          <p:nvPr/>
+        </p:nvSpPr>
+        <p:spPr>
+          <a:xfrm>
+            <a:off x="530874" y="1383408"/>
+            <a:ext cx="10626410" cy="4611519"/>
+          </a:xfrm>
+          <a:prstGeom prst="rect">
+            <a:avLst/>
+          </a:prstGeom>
+          <a:noFill/>
+        </p:spPr>
+        <p:txBody>
+          <a:bodyPr wrap="square" numCol="1" rtlCol="0">
+            <a:spAutoFit/>
+          </a:bodyPr>
+          <a:lstStyle/>
+          <a:p>
+            <a:pPr marL="342900" marR="0" lvl="0" indent="-342900" algn="l" defTabSz="457200" rtl="0" eaLnBrk="1" fontAlgn="auto" latinLnBrk="0" hangingPunct="1">
+              <a:lnSpc>
+                <a:spcPct val="150000"/>
+              </a:lnSpc>
+              <a:spcBef>
+                <a:spcPts val="0"/>
+              </a:spcBef>
+              <a:spcAft>
+                <a:spcPts val="0"/>
+              </a:spcAft>
+              <a:buClrTx/>
+              <a:buSzPct val="80000"/>
+              <a:buFont typeface="Arial" panose="020B0604020202020204" pitchFamily="34" charset="0"/>
+              <a:buChar char="•"/>
+              <a:tabLst/>
+              <a:defRPr/>
+            </a:pPr>
+            <a:r>
+              <a:rPr kumimoji="0" lang="en-US" sz="1800" b="0" i="0" u="none" strike="noStrike" kern="1200" cap="none" spc="0" normalizeH="0" baseline="0" noProof="0" dirty="0">
+                <a:ln>
+                  <a:noFill/>
+                </a:ln>
+                <a:solidFill>
+                  <a:srgbClr val="44546A">
+                    <a:lumMod val="10000"/>
+                  </a:srgbClr>
+                </a:solidFill>
+                <a:effectLst/>
+                <a:uLnTx/>
+                <a:uFillTx/>
+                <a:latin typeface="Arial" charset="0"/>
+                <a:ea typeface="Arial" charset="0"/>
+                <a:cs typeface="Arial" charset="0"/>
+              </a:rPr>
+              <a:t>Run Random Forest using EPDS as response</a:t>
+            </a:r>
+          </a:p>
+          <a:p>
+            <a:pPr marL="342900" marR="0" lvl="0" indent="-342900" algn="l" defTabSz="457200" rtl="0" eaLnBrk="1" fontAlgn="auto" latinLnBrk="0" hangingPunct="1">
+              <a:lnSpc>
+                <a:spcPct val="150000"/>
+              </a:lnSpc>
+              <a:spcBef>
+                <a:spcPts val="0"/>
+              </a:spcBef>
+              <a:spcAft>
+                <a:spcPts val="0"/>
+              </a:spcAft>
+              <a:buClrTx/>
+              <a:buSzPct val="80000"/>
+              <a:buFont typeface="Arial" panose="020B0604020202020204" pitchFamily="34" charset="0"/>
+              <a:buChar char="•"/>
+              <a:tabLst/>
+              <a:defRPr/>
+            </a:pPr>
+            <a:endParaRPr lang="en-US" dirty="0">
+              <a:solidFill>
+                <a:srgbClr val="44546A">
+                  <a:lumMod val="10000"/>
+                </a:srgbClr>
+              </a:solidFill>
+              <a:latin typeface="Arial" charset="0"/>
+              <a:ea typeface="Arial" charset="0"/>
+              <a:cs typeface="Arial" charset="0"/>
+            </a:endParaRPr>
+          </a:p>
+          <a:p>
+            <a:pPr marL="342900" marR="0" lvl="0" indent="-342900" algn="l" defTabSz="457200" rtl="0" eaLnBrk="1" fontAlgn="auto" latinLnBrk="0" hangingPunct="1">
+              <a:lnSpc>
+                <a:spcPct val="150000"/>
+              </a:lnSpc>
+              <a:spcBef>
+                <a:spcPts val="0"/>
+              </a:spcBef>
+              <a:spcAft>
+                <a:spcPts val="0"/>
+              </a:spcAft>
+              <a:buClrTx/>
+              <a:buSzPct val="80000"/>
+              <a:buFont typeface="Arial" panose="020B0604020202020204" pitchFamily="34" charset="0"/>
+              <a:buChar char="•"/>
+              <a:tabLst/>
+              <a:defRPr/>
+            </a:pPr>
+            <a:r>
+              <a:rPr kumimoji="0" lang="en-US" sz="1800" b="0" i="0" u="none" strike="noStrike" kern="1200" cap="none" spc="0" normalizeH="0" baseline="0" noProof="0" dirty="0">
+                <a:ln>
+                  <a:noFill/>
+                </a:ln>
+                <a:solidFill>
+                  <a:srgbClr val="44546A">
+                    <a:lumMod val="10000"/>
+                  </a:srgbClr>
+                </a:solidFill>
+                <a:effectLst/>
+                <a:uLnTx/>
+                <a:uFillTx/>
+                <a:latin typeface="Arial" charset="0"/>
+                <a:ea typeface="Arial" charset="0"/>
+                <a:cs typeface="Arial" charset="0"/>
+              </a:rPr>
+              <a:t>Random Forest Regressor - MSE: 9.45304111111111, R2: 0.64446076624187</a:t>
+            </a:r>
+          </a:p>
+          <a:p>
+            <a:pPr marL="342900" marR="0" lvl="0" indent="-342900" algn="l" defTabSz="457200" rtl="0" eaLnBrk="1" fontAlgn="auto" latinLnBrk="0" hangingPunct="1">
+              <a:lnSpc>
+                <a:spcPct val="150000"/>
+              </a:lnSpc>
+              <a:spcBef>
+                <a:spcPts val="0"/>
+              </a:spcBef>
+              <a:spcAft>
+                <a:spcPts val="0"/>
+              </a:spcAft>
+              <a:buClrTx/>
+              <a:buSzPct val="80000"/>
+              <a:buFont typeface="Arial" panose="020B0604020202020204" pitchFamily="34" charset="0"/>
+              <a:buChar char="•"/>
+              <a:tabLst/>
+              <a:defRPr/>
+            </a:pPr>
+            <a:r>
+              <a:rPr kumimoji="0" lang="en-US" sz="1800" b="0" i="0" u="none" strike="noStrike" kern="1200" cap="none" spc="0" normalizeH="0" baseline="0" noProof="0" dirty="0">
+                <a:ln>
+                  <a:noFill/>
+                </a:ln>
+                <a:solidFill>
+                  <a:srgbClr val="44546A">
+                    <a:lumMod val="10000"/>
+                  </a:srgbClr>
+                </a:solidFill>
+                <a:effectLst/>
+                <a:uLnTx/>
+                <a:uFillTx/>
+                <a:latin typeface="Arial" charset="0"/>
+                <a:ea typeface="Arial" charset="0"/>
+                <a:cs typeface="Arial" charset="0"/>
+              </a:rPr>
+              <a:t>Feature  Importance</a:t>
+            </a:r>
+          </a:p>
+          <a:p>
+            <a:pPr marL="800100" lvl="1" indent="-342900">
+              <a:lnSpc>
+                <a:spcPct val="150000"/>
+              </a:lnSpc>
+              <a:buSzPct val="80000"/>
+              <a:buFont typeface="Arial" panose="020B0604020202020204" pitchFamily="34" charset="0"/>
+              <a:buChar char="•"/>
+              <a:defRPr/>
+            </a:pPr>
+            <a:r>
+              <a:rPr kumimoji="0" lang="en-US" b="0" i="0" u="none" strike="noStrike" kern="1200" cap="none" spc="0" normalizeH="0" baseline="0" noProof="0" dirty="0" err="1">
+                <a:ln>
+                  <a:noFill/>
+                </a:ln>
+                <a:solidFill>
+                  <a:srgbClr val="44546A">
+                    <a:lumMod val="10000"/>
+                  </a:srgbClr>
+                </a:solidFill>
+                <a:effectLst/>
+                <a:uLnTx/>
+                <a:uFillTx/>
+                <a:latin typeface="Arial" charset="0"/>
+                <a:ea typeface="Arial" charset="0"/>
+                <a:cs typeface="Arial" charset="0"/>
+              </a:rPr>
+              <a:t>PROMIS_Anxiety</a:t>
+            </a:r>
+            <a:r>
+              <a:rPr kumimoji="0" lang="en-US" b="0" i="0" u="none" strike="noStrike" kern="1200" cap="none" spc="0" normalizeH="0" baseline="0" noProof="0" dirty="0">
+                <a:ln>
+                  <a:noFill/>
+                </a:ln>
+                <a:solidFill>
+                  <a:srgbClr val="44546A">
+                    <a:lumMod val="10000"/>
+                  </a:srgbClr>
+                </a:solidFill>
+                <a:effectLst/>
+                <a:uLnTx/>
+                <a:uFillTx/>
+                <a:latin typeface="Arial" charset="0"/>
+                <a:ea typeface="Arial" charset="0"/>
+                <a:cs typeface="Arial" charset="0"/>
+              </a:rPr>
+              <a:t>    0.658800</a:t>
+            </a:r>
+          </a:p>
+          <a:p>
+            <a:pPr marL="800100" lvl="1" indent="-342900">
+              <a:lnSpc>
+                <a:spcPct val="150000"/>
+              </a:lnSpc>
+              <a:buSzPct val="80000"/>
+              <a:buFont typeface="Arial" panose="020B0604020202020204" pitchFamily="34" charset="0"/>
+              <a:buChar char="•"/>
+              <a:defRPr/>
+            </a:pPr>
+            <a:r>
+              <a:rPr kumimoji="0" lang="en-US" b="0" i="0" u="none" strike="noStrike" kern="1200" cap="none" spc="0" normalizeH="0" baseline="0" noProof="0" dirty="0" err="1">
+                <a:ln>
+                  <a:noFill/>
+                </a:ln>
+                <a:solidFill>
+                  <a:srgbClr val="44546A">
+                    <a:lumMod val="10000"/>
+                  </a:srgbClr>
+                </a:solidFill>
+                <a:effectLst/>
+                <a:uLnTx/>
+                <a:uFillTx/>
+                <a:latin typeface="Arial" charset="0"/>
+                <a:ea typeface="Arial" charset="0"/>
+                <a:cs typeface="Arial" charset="0"/>
+              </a:rPr>
+              <a:t>Maternal_Age</a:t>
+            </a:r>
+            <a:r>
+              <a:rPr kumimoji="0" lang="en-US" b="0" i="0" u="none" strike="noStrike" kern="1200" cap="none" spc="0" normalizeH="0" baseline="0" noProof="0" dirty="0">
+                <a:ln>
+                  <a:noFill/>
+                </a:ln>
+                <a:solidFill>
+                  <a:srgbClr val="44546A">
+                    <a:lumMod val="10000"/>
+                  </a:srgbClr>
+                </a:solidFill>
+                <a:effectLst/>
+                <a:uLnTx/>
+                <a:uFillTx/>
+                <a:latin typeface="Arial" charset="0"/>
+                <a:ea typeface="Arial" charset="0"/>
+                <a:cs typeface="Arial" charset="0"/>
+              </a:rPr>
+              <a:t>    0.081931</a:t>
+            </a:r>
+          </a:p>
+          <a:p>
+            <a:pPr marL="800100" lvl="1" indent="-342900">
+              <a:lnSpc>
+                <a:spcPct val="150000"/>
+              </a:lnSpc>
+              <a:buSzPct val="80000"/>
+              <a:buFont typeface="Arial" panose="020B0604020202020204" pitchFamily="34" charset="0"/>
+              <a:buChar char="•"/>
+              <a:defRPr/>
+            </a:pPr>
+            <a:r>
+              <a:rPr kumimoji="0" lang="en-US" b="0" i="0" u="none" strike="noStrike" kern="1200" cap="none" spc="0" normalizeH="0" baseline="0" noProof="0" dirty="0" err="1">
+                <a:ln>
+                  <a:noFill/>
+                </a:ln>
+                <a:solidFill>
+                  <a:srgbClr val="44546A">
+                    <a:lumMod val="10000"/>
+                  </a:srgbClr>
+                </a:solidFill>
+                <a:effectLst/>
+                <a:uLnTx/>
+                <a:uFillTx/>
+                <a:latin typeface="Arial" charset="0"/>
+                <a:ea typeface="Arial" charset="0"/>
+                <a:cs typeface="Arial" charset="0"/>
+              </a:rPr>
+              <a:t>Threaten_Life</a:t>
+            </a:r>
+            <a:r>
+              <a:rPr kumimoji="0" lang="en-US" b="0" i="0" u="none" strike="noStrike" kern="1200" cap="none" spc="0" normalizeH="0" baseline="0" noProof="0" dirty="0">
+                <a:ln>
+                  <a:noFill/>
+                </a:ln>
+                <a:solidFill>
+                  <a:srgbClr val="44546A">
+                    <a:lumMod val="10000"/>
+                  </a:srgbClr>
+                </a:solidFill>
+                <a:effectLst/>
+                <a:uLnTx/>
+                <a:uFillTx/>
+                <a:latin typeface="Arial" charset="0"/>
+                <a:ea typeface="Arial" charset="0"/>
+                <a:cs typeface="Arial" charset="0"/>
+              </a:rPr>
+              <a:t>    0.069322</a:t>
+            </a:r>
+          </a:p>
+          <a:p>
+            <a:pPr marL="800100" lvl="1" indent="-342900">
+              <a:lnSpc>
+                <a:spcPct val="150000"/>
+              </a:lnSpc>
+              <a:buSzPct val="80000"/>
+              <a:buFont typeface="Arial" panose="020B0604020202020204" pitchFamily="34" charset="0"/>
+              <a:buChar char="•"/>
+              <a:defRPr/>
+            </a:pPr>
+            <a:r>
+              <a:rPr kumimoji="0" lang="en-US" b="0" i="0" u="none" strike="noStrike" kern="1200" cap="none" spc="0" normalizeH="0" baseline="0" noProof="0" dirty="0" err="1">
+                <a:ln>
+                  <a:noFill/>
+                </a:ln>
+                <a:solidFill>
+                  <a:srgbClr val="44546A">
+                    <a:lumMod val="10000"/>
+                  </a:srgbClr>
+                </a:solidFill>
+                <a:effectLst/>
+                <a:uLnTx/>
+                <a:uFillTx/>
+                <a:latin typeface="Arial" charset="0"/>
+                <a:ea typeface="Arial" charset="0"/>
+                <a:cs typeface="Arial" charset="0"/>
+              </a:rPr>
+              <a:t>Threaten_Baby_Danger</a:t>
+            </a:r>
+            <a:r>
+              <a:rPr kumimoji="0" lang="en-US" b="0" i="0" u="none" strike="noStrike" kern="1200" cap="none" spc="0" normalizeH="0" baseline="0" noProof="0" dirty="0">
+                <a:ln>
+                  <a:noFill/>
+                </a:ln>
+                <a:solidFill>
+                  <a:srgbClr val="44546A">
+                    <a:lumMod val="10000"/>
+                  </a:srgbClr>
+                </a:solidFill>
+                <a:effectLst/>
+                <a:uLnTx/>
+                <a:uFillTx/>
+                <a:latin typeface="Arial" charset="0"/>
+                <a:ea typeface="Arial" charset="0"/>
+                <a:cs typeface="Arial" charset="0"/>
+              </a:rPr>
+              <a:t>    0.066066</a:t>
+            </a:r>
+          </a:p>
+          <a:p>
+            <a:pPr marL="800100" lvl="1" indent="-342900">
+              <a:lnSpc>
+                <a:spcPct val="150000"/>
+              </a:lnSpc>
+              <a:buSzPct val="80000"/>
+              <a:buFont typeface="Arial" panose="020B0604020202020204" pitchFamily="34" charset="0"/>
+              <a:buChar char="•"/>
+              <a:defRPr/>
+            </a:pPr>
+            <a:r>
+              <a:rPr kumimoji="0" lang="en-US" b="0" i="0" u="none" strike="noStrike" kern="1200" cap="none" spc="0" normalizeH="0" baseline="0" noProof="0" dirty="0" err="1">
+                <a:ln>
+                  <a:noFill/>
+                </a:ln>
+                <a:solidFill>
+                  <a:srgbClr val="44546A">
+                    <a:lumMod val="10000"/>
+                  </a:srgbClr>
+                </a:solidFill>
+                <a:effectLst/>
+                <a:uLnTx/>
+                <a:uFillTx/>
+                <a:latin typeface="Arial" charset="0"/>
+                <a:ea typeface="Arial" charset="0"/>
+                <a:cs typeface="Arial" charset="0"/>
+              </a:rPr>
+              <a:t>Threaten_Baby_Harm</a:t>
+            </a:r>
+            <a:r>
+              <a:rPr kumimoji="0" lang="en-US" b="0" i="0" u="none" strike="noStrike" kern="1200" cap="none" spc="0" normalizeH="0" baseline="0" noProof="0" dirty="0">
+                <a:ln>
+                  <a:noFill/>
+                </a:ln>
+                <a:solidFill>
+                  <a:srgbClr val="44546A">
+                    <a:lumMod val="10000"/>
+                  </a:srgbClr>
+                </a:solidFill>
+                <a:effectLst/>
+                <a:uLnTx/>
+                <a:uFillTx/>
+                <a:latin typeface="Arial" charset="0"/>
+                <a:ea typeface="Arial" charset="0"/>
+                <a:cs typeface="Arial" charset="0"/>
+              </a:rPr>
+              <a:t>    0.064104</a:t>
+            </a:r>
+          </a:p>
+          <a:p>
+            <a:pPr marL="800100" lvl="1" indent="-342900">
+              <a:lnSpc>
+                <a:spcPct val="150000"/>
+              </a:lnSpc>
+              <a:buSzPct val="80000"/>
+              <a:buFont typeface="Arial" panose="020B0604020202020204" pitchFamily="34" charset="0"/>
+              <a:buChar char="•"/>
+              <a:defRPr/>
+            </a:pPr>
+            <a:r>
+              <a:rPr kumimoji="0" lang="en-US" b="0" i="0" u="none" strike="noStrike" kern="1200" cap="none" spc="0" normalizeH="0" baseline="0" noProof="0" dirty="0" err="1">
+                <a:ln>
+                  <a:noFill/>
+                </a:ln>
+                <a:solidFill>
+                  <a:srgbClr val="44546A">
+                    <a:lumMod val="10000"/>
+                  </a:srgbClr>
+                </a:solidFill>
+                <a:effectLst/>
+                <a:uLnTx/>
+                <a:uFillTx/>
+                <a:latin typeface="Arial" charset="0"/>
+                <a:ea typeface="Arial" charset="0"/>
+                <a:cs typeface="Arial" charset="0"/>
+              </a:rPr>
+              <a:t>Household_Income</a:t>
+            </a:r>
+            <a:r>
+              <a:rPr kumimoji="0" lang="en-US" b="0" i="0" u="none" strike="noStrike" kern="1200" cap="none" spc="0" normalizeH="0" baseline="0" noProof="0" dirty="0">
+                <a:ln>
+                  <a:noFill/>
+                </a:ln>
+                <a:solidFill>
+                  <a:srgbClr val="44546A">
+                    <a:lumMod val="10000"/>
+                  </a:srgbClr>
+                </a:solidFill>
+                <a:effectLst/>
+                <a:uLnTx/>
+                <a:uFillTx/>
+                <a:latin typeface="Arial" charset="0"/>
+                <a:ea typeface="Arial" charset="0"/>
+                <a:cs typeface="Arial" charset="0"/>
+              </a:rPr>
+              <a:t>    0.034901</a:t>
+            </a:r>
+          </a:p>
+          <a:p>
+            <a:pPr marL="800100" lvl="1" indent="-342900">
+              <a:lnSpc>
+                <a:spcPct val="150000"/>
+              </a:lnSpc>
+              <a:buSzPct val="80000"/>
+              <a:buFont typeface="Arial" panose="020B0604020202020204" pitchFamily="34" charset="0"/>
+              <a:buChar char="•"/>
+              <a:defRPr/>
+            </a:pPr>
+            <a:r>
+              <a:rPr kumimoji="0" lang="en-US" b="0" i="0" u="none" strike="noStrike" kern="1200" cap="none" spc="0" normalizeH="0" baseline="0" noProof="0" dirty="0" err="1">
+                <a:ln>
+                  <a:noFill/>
+                </a:ln>
+                <a:solidFill>
+                  <a:srgbClr val="44546A">
+                    <a:lumMod val="10000"/>
+                  </a:srgbClr>
+                </a:solidFill>
+                <a:effectLst/>
+                <a:uLnTx/>
+                <a:uFillTx/>
+                <a:latin typeface="Arial" charset="0"/>
+                <a:ea typeface="Arial" charset="0"/>
+                <a:cs typeface="Arial" charset="0"/>
+              </a:rPr>
+              <a:t>Maternal_Education</a:t>
+            </a:r>
+            <a:r>
+              <a:rPr kumimoji="0" lang="en-US" b="0" i="0" u="none" strike="noStrike" kern="1200" cap="none" spc="0" normalizeH="0" baseline="0" noProof="0" dirty="0">
+                <a:ln>
+                  <a:noFill/>
+                </a:ln>
+                <a:solidFill>
+                  <a:srgbClr val="44546A">
+                    <a:lumMod val="10000"/>
+                  </a:srgbClr>
+                </a:solidFill>
+                <a:effectLst/>
+                <a:uLnTx/>
+                <a:uFillTx/>
+                <a:latin typeface="Arial" charset="0"/>
+                <a:ea typeface="Arial" charset="0"/>
+                <a:cs typeface="Arial" charset="0"/>
+              </a:rPr>
+              <a:t>    0.024877</a:t>
+            </a:r>
+          </a:p>
+        </p:txBody>
+      </p:sp>
+      <p:sp>
+        <p:nvSpPr>
+          <p:cNvPr id="2" name="TextBox 1">
+            <a:extLst>
+              <a:ext uri="{FF2B5EF4-FFF2-40B4-BE49-F238E27FC236}">
+                <a16:creationId xmlns:a16="http://schemas.microsoft.com/office/drawing/2014/main" id="{F457DD80-BCB7-ACDE-8C0E-4E085BAE3BE2}"/>
+              </a:ext>
+            </a:extLst>
+          </p:cNvPr>
+          <p:cNvSpPr txBox="1"/>
+          <p:nvPr/>
+        </p:nvSpPr>
+        <p:spPr>
+          <a:xfrm>
+            <a:off x="781664" y="6191587"/>
+            <a:ext cx="2984091" cy="307777"/>
+          </a:xfrm>
+          <a:prstGeom prst="rect">
+            <a:avLst/>
+          </a:prstGeom>
+          <a:solidFill>
+            <a:srgbClr val="010101"/>
+          </a:solidFill>
+        </p:spPr>
+        <p:txBody>
+          <a:bodyPr wrap="square" rtlCol="0">
+            <a:spAutoFit/>
+          </a:bodyPr>
+          <a:lstStyle/>
+          <a:p>
+            <a:pPr marL="0" marR="0" lvl="0" indent="0" algn="l" defTabSz="457200" rtl="0" eaLnBrk="1" fontAlgn="auto" latinLnBrk="0" hangingPunct="1">
+              <a:lnSpc>
+                <a:spcPct val="100000"/>
+              </a:lnSpc>
+              <a:spcBef>
+                <a:spcPts val="0"/>
+              </a:spcBef>
+              <a:spcAft>
+                <a:spcPts val="0"/>
+              </a:spcAft>
+              <a:buClrTx/>
+              <a:buSzTx/>
+              <a:buFontTx/>
+              <a:buNone/>
+              <a:tabLst/>
+              <a:defRPr/>
+            </a:pPr>
+            <a:r>
+              <a:rPr kumimoji="0" lang="en-US" sz="1400" b="0" i="0" u="none" strike="noStrike" kern="1200" cap="none" spc="0" normalizeH="0" baseline="0" noProof="0" dirty="0">
+                <a:ln>
+                  <a:noFill/>
+                </a:ln>
+                <a:solidFill>
+                  <a:srgbClr val="B1B1B1"/>
+                </a:solidFill>
+                <a:effectLst/>
+                <a:uLnTx/>
+                <a:uFillTx/>
+                <a:latin typeface="Arial Nova Cond Light" panose="020B0306020202020204" pitchFamily="34" charset="0"/>
+                <a:ea typeface="+mn-ea"/>
+                <a:cs typeface="Helvetica" panose="020B0604020202020204" pitchFamily="34" charset="0"/>
+              </a:rPr>
+              <a:t>DATA SCIENCE</a:t>
+            </a:r>
+          </a:p>
+        </p:txBody>
+      </p:sp>
+      <p:pic>
+        <p:nvPicPr>
+          <p:cNvPr id="5" name="Picture 4">
+            <a:extLst>
+              <a:ext uri="{FF2B5EF4-FFF2-40B4-BE49-F238E27FC236}">
+                <a16:creationId xmlns:a16="http://schemas.microsoft.com/office/drawing/2014/main" id="{68790BE1-6F97-835B-D8DD-56F09330236F}"/>
+              </a:ext>
+            </a:extLst>
+          </p:cNvPr>
+          <p:cNvPicPr>
+            <a:picLocks noChangeAspect="1"/>
+          </p:cNvPicPr>
+          <p:nvPr/>
+        </p:nvPicPr>
+        <p:blipFill>
+          <a:blip r:embed="rId3"/>
+          <a:stretch>
+            <a:fillRect/>
+          </a:stretch>
+        </p:blipFill>
+        <p:spPr>
+          <a:xfrm>
+            <a:off x="5844079" y="2760024"/>
+            <a:ext cx="5567644" cy="3085614"/>
+          </a:xfrm>
+          <a:prstGeom prst="rect">
+            <a:avLst/>
+          </a:prstGeom>
+        </p:spPr>
+      </p:pic>
+    </p:spTree>
+    <p:extLst>
+      <p:ext uri="{BB962C8B-B14F-4D97-AF65-F5344CB8AC3E}">
+        <p14:creationId xmlns:p14="http://schemas.microsoft.com/office/powerpoint/2010/main" val="3792985257"/>
+      </p:ext>
+    </p:extLst>
+  </p:cSld>
+  <p:clrMapOvr>
+    <a:masterClrMapping/>
+  </p:clrMapOvr>
+</p:sld>
+</file>
+
+<file path=ppt/slides/slide14.xml><?xml version="1.0" encoding="utf-8"?>
+<p:sld xmlns:a="http://schemas.openxmlformats.org/drawingml/2006/main" xmlns:r="http://schemas.openxmlformats.org/officeDocument/2006/relationships" xmlns:p="http://schemas.openxmlformats.org/presentationml/2006/main">
+  <p:cSld>
+    <p:bg>
+      <p:bgPr>
+        <a:blipFill dpi="0" rotWithShape="1">
+          <a:blip r:embed="rId2">
+            <a:lum/>
+          </a:blip>
+          <a:srcRect/>
+          <a:stretch>
+            <a:fillRect/>
+          </a:stretch>
+        </a:blipFill>
+        <a:effectLst/>
+      </p:bgPr>
+    </p:bg>
+    <p:spTree>
+      <p:nvGrpSpPr>
+        <p:cNvPr id="1" name=""/>
+        <p:cNvGrpSpPr/>
+        <p:nvPr/>
+      </p:nvGrpSpPr>
+      <p:grpSpPr>
+        <a:xfrm>
+          <a:off x="0" y="0"/>
+          <a:ext cx="0" cy="0"/>
+          <a:chOff x="0" y="0"/>
+          <a:chExt cx="0" cy="0"/>
+        </a:xfrm>
+      </p:grpSpPr>
+      <p:sp>
+        <p:nvSpPr>
+          <p:cNvPr id="7" name="TextBox 6"/>
+          <p:cNvSpPr txBox="1"/>
+          <p:nvPr/>
+        </p:nvSpPr>
+        <p:spPr>
+          <a:xfrm>
+            <a:off x="442180" y="406073"/>
+            <a:ext cx="11559320" cy="784830"/>
+          </a:xfrm>
+          <a:prstGeom prst="rect">
+            <a:avLst/>
+          </a:prstGeom>
+          <a:noFill/>
+        </p:spPr>
+        <p:txBody>
+          <a:bodyPr wrap="square" rtlCol="0">
+            <a:spAutoFit/>
+          </a:bodyPr>
+          <a:lstStyle/>
+          <a:p>
+            <a:pPr marL="0" marR="0" lvl="0" indent="0" algn="l" defTabSz="457200" rtl="0" eaLnBrk="1" fontAlgn="auto" latinLnBrk="0" hangingPunct="1">
+              <a:lnSpc>
+                <a:spcPct val="100000"/>
+              </a:lnSpc>
+              <a:spcBef>
+                <a:spcPts val="0"/>
+              </a:spcBef>
+              <a:spcAft>
+                <a:spcPts val="0"/>
+              </a:spcAft>
+              <a:buClrTx/>
+              <a:buSzTx/>
+              <a:buFontTx/>
+              <a:buNone/>
+              <a:tabLst/>
+              <a:defRPr/>
+            </a:pPr>
+            <a:r>
+              <a:rPr kumimoji="0" lang="en-US" sz="4500" b="0" i="0" u="none" strike="noStrike" kern="1200" cap="none" spc="0" normalizeH="0" baseline="0" noProof="0" dirty="0">
+                <a:ln>
+                  <a:noFill/>
+                </a:ln>
+                <a:solidFill>
+                  <a:srgbClr val="CFB87C"/>
+                </a:solidFill>
+                <a:effectLst/>
+                <a:uLnTx/>
+                <a:uFillTx/>
+                <a:latin typeface="Arial" charset="0"/>
+                <a:ea typeface="Arial" charset="0"/>
+                <a:cs typeface="Arial" charset="0"/>
+              </a:rPr>
               <a:t>Conclusion</a:t>
             </a:r>
           </a:p>
@@ -5191,7 +6438,7 @@
 </p:sld>
 </file>
 
-<file path=ppt/slides/slide14.xml><?xml version="1.0" encoding="utf-8"?>
+<file path=ppt/slides/slide15.xml><?xml version="1.0" encoding="utf-8"?>
 <p:sld xmlns:a="http://schemas.openxmlformats.org/drawingml/2006/main" xmlns:r="http://schemas.openxmlformats.org/officeDocument/2006/relationships" xmlns:p="http://schemas.openxmlformats.org/presentationml/2006/main">
   <p:cSld>
     <p:bg>
@@ -5950,7 +7197,7 @@
         <p:spPr>
           <a:xfrm>
             <a:off x="530874" y="1383408"/>
-            <a:ext cx="10626410" cy="2246769"/>
+            <a:ext cx="10626410" cy="4190314"/>
           </a:xfrm>
           <a:prstGeom prst="rect">
             <a:avLst/>
@@ -5975,30 +7222,81 @@
               </a:spcAft>
               <a:buClrTx/>
               <a:buSzPct val="80000"/>
-              <a:buFont typeface="Arial" charset="0"/>
+              <a:buFont typeface="Arial" panose="020B0604020202020204" pitchFamily="34" charset="0"/>
               <a:buChar char="•"/>
               <a:tabLst/>
               <a:defRPr/>
             </a:pPr>
-            <a:endParaRPr kumimoji="0" lang="en-US" sz="2000" b="1" i="0" u="none" strike="noStrike" kern="1200" cap="none" spc="0" normalizeH="0" baseline="0" noProof="0" dirty="0">
-              <a:ln>
-                <a:noFill/>
-              </a:ln>
+            <a:r>
+              <a:rPr kumimoji="0" lang="en-US" sz="2000" b="0" i="0" u="none" strike="noStrike" kern="1200" cap="none" spc="0" normalizeH="0" baseline="0" noProof="0" dirty="0">
+                <a:ln>
+                  <a:noFill/>
+                </a:ln>
+                <a:solidFill>
+                  <a:srgbClr val="44546A">
+                    <a:lumMod val="10000"/>
+                  </a:srgbClr>
+                </a:solidFill>
+                <a:effectLst/>
+                <a:uLnTx/>
+                <a:uFillTx/>
+                <a:latin typeface="Arial" charset="0"/>
+                <a:ea typeface="Arial" charset="0"/>
+                <a:cs typeface="Arial" charset="0"/>
+              </a:rPr>
+              <a:t>The Pregnancy During the COVID-19 Pandemic (</a:t>
+            </a:r>
+            <a:r>
+              <a:rPr kumimoji="0" lang="en-US" sz="2000" b="0" i="0" u="none" strike="noStrike" kern="1200" cap="none" spc="0" normalizeH="0" baseline="0" noProof="0" dirty="0" err="1">
+                <a:ln>
+                  <a:noFill/>
+                </a:ln>
+                <a:solidFill>
+                  <a:srgbClr val="44546A">
+                    <a:lumMod val="10000"/>
+                  </a:srgbClr>
+                </a:solidFill>
+                <a:effectLst/>
+                <a:uLnTx/>
+                <a:uFillTx/>
+                <a:latin typeface="Arial" charset="0"/>
+                <a:ea typeface="Arial" charset="0"/>
+                <a:cs typeface="Arial" charset="0"/>
+              </a:rPr>
+              <a:t>PdP</a:t>
+            </a:r>
+            <a:r>
+              <a:rPr kumimoji="0" lang="en-US" sz="2000" b="0" i="0" u="none" strike="noStrike" kern="1200" cap="none" spc="0" normalizeH="0" baseline="0" noProof="0" dirty="0">
+                <a:ln>
+                  <a:noFill/>
+                </a:ln>
+                <a:solidFill>
+                  <a:srgbClr val="44546A">
+                    <a:lumMod val="10000"/>
+                  </a:srgbClr>
+                </a:solidFill>
+                <a:effectLst/>
+                <a:uLnTx/>
+                <a:uFillTx/>
+                <a:latin typeface="Arial" charset="0"/>
+                <a:ea typeface="Arial" charset="0"/>
+                <a:cs typeface="Arial" charset="0"/>
+              </a:rPr>
+              <a:t>) study was designed to investigate the associations between exposure to objective hardship caused by the pandemic and psychological distress in pregnant individuals, and developmental outcomes in their offspring.</a:t>
+            </a:r>
+            <a:endParaRPr lang="en-US" sz="2000" dirty="0">
               <a:solidFill>
                 <a:srgbClr val="44546A">
                   <a:lumMod val="10000"/>
                 </a:srgbClr>
               </a:solidFill>
-              <a:effectLst/>
-              <a:uLnTx/>
-              <a:uFillTx/>
               <a:latin typeface="Arial" charset="0"/>
               <a:ea typeface="Arial" charset="0"/>
               <a:cs typeface="Arial" charset="0"/>
             </a:endParaRPr>
           </a:p>
           <a:p>
-            <a:pPr marL="0" marR="0" lvl="0" indent="0" algn="l" defTabSz="457200" rtl="0" eaLnBrk="1" fontAlgn="auto" latinLnBrk="0" hangingPunct="1">
+            <a:pPr marL="342900" marR="0" lvl="0" indent="-342900" algn="l" defTabSz="457200" rtl="0" eaLnBrk="1" fontAlgn="auto" latinLnBrk="0" hangingPunct="1">
               <a:lnSpc>
                 <a:spcPct val="150000"/>
               </a:lnSpc>
@@ -6010,65 +7308,116 @@
               </a:spcAft>
               <a:buClrTx/>
               <a:buSzPct val="80000"/>
-              <a:buFontTx/>
-              <a:buNone/>
-              <a:tabLst/>
-              <a:defRPr/>
-            </a:pPr>
-            <a:r>
-              <a:rPr kumimoji="0" lang="en-US" sz="2000" b="0" i="0" u="none" strike="noStrike" kern="1200" cap="none" spc="0" normalizeH="0" baseline="0" noProof="0" dirty="0">
-                <a:ln>
-                  <a:noFill/>
-                </a:ln>
-                <a:solidFill>
-                  <a:srgbClr val="44546A">
-                    <a:lumMod val="10000"/>
-                  </a:srgbClr>
-                </a:solidFill>
-                <a:effectLst/>
-                <a:uLnTx/>
-                <a:uFillTx/>
-                <a:latin typeface="Arial" charset="0"/>
-                <a:ea typeface="Arial" charset="0"/>
-                <a:cs typeface="Arial" charset="0"/>
-              </a:rPr>
-              <a:t>This project aims to develop a predictive model for identifying individuals at high risk of postnatal depression using data collected during the COVID-19 pandemic, highlighting the use of data mining techniques and the potential impact on healthcare interventions.</a:t>
-            </a:r>
-          </a:p>
-          <a:p>
-            <a:pPr marL="342900" marR="0" lvl="0" indent="-342900" algn="l" defTabSz="457200" rtl="0" eaLnBrk="1" fontAlgn="auto" latinLnBrk="0" hangingPunct="1">
-              <a:lnSpc>
-                <a:spcPct val="100000"/>
-              </a:lnSpc>
-              <a:spcBef>
-                <a:spcPts val="0"/>
-              </a:spcBef>
-              <a:spcAft>
-                <a:spcPts val="0"/>
-              </a:spcAft>
-              <a:buClrTx/>
-              <a:buSzPct val="80000"/>
-              <a:buFont typeface="Arial" charset="0"/>
+              <a:buFont typeface="Arial" panose="020B0604020202020204" pitchFamily="34" charset="0"/>
               <a:buChar char="•"/>
               <a:tabLst/>
               <a:defRPr/>
             </a:pPr>
-            <a:endParaRPr kumimoji="0" lang="en-US" sz="2000" b="0" i="0" u="none" strike="noStrike" kern="1200" cap="none" spc="0" normalizeH="0" baseline="0" noProof="0" dirty="0">
-              <a:ln>
-                <a:noFill/>
-              </a:ln>
+            <a:r>
+              <a:rPr kumimoji="0" lang="en-US" sz="2000" b="0" i="0" u="none" strike="noStrike" kern="1200" cap="none" spc="0" normalizeH="0" baseline="0" noProof="0" dirty="0">
+                <a:ln>
+                  <a:noFill/>
+                </a:ln>
+                <a:solidFill>
+                  <a:srgbClr val="44546A">
+                    <a:lumMod val="10000"/>
+                  </a:srgbClr>
+                </a:solidFill>
+                <a:effectLst/>
+                <a:uLnTx/>
+                <a:uFillTx/>
+                <a:latin typeface="Arial" charset="0"/>
+                <a:ea typeface="Arial" charset="0"/>
+                <a:cs typeface="Arial" charset="0"/>
+              </a:rPr>
+              <a:t>More than 11,000 responses from social media beginning on April 5, 2020</a:t>
+            </a:r>
+            <a:endParaRPr lang="en-US" sz="2000" dirty="0">
               <a:solidFill>
                 <a:srgbClr val="44546A">
                   <a:lumMod val="10000"/>
                 </a:srgbClr>
               </a:solidFill>
-              <a:effectLst/>
-              <a:uLnTx/>
-              <a:uFillTx/>
               <a:latin typeface="Arial" charset="0"/>
               <a:ea typeface="Arial" charset="0"/>
               <a:cs typeface="Arial" charset="0"/>
             </a:endParaRPr>
+          </a:p>
+          <a:p>
+            <a:pPr marL="342900" marR="0" lvl="0" indent="-342900" algn="l" defTabSz="457200" rtl="0" eaLnBrk="1" fontAlgn="auto" latinLnBrk="0" hangingPunct="1">
+              <a:lnSpc>
+                <a:spcPct val="150000"/>
+              </a:lnSpc>
+              <a:spcBef>
+                <a:spcPts val="0"/>
+              </a:spcBef>
+              <a:spcAft>
+                <a:spcPts val="0"/>
+              </a:spcAft>
+              <a:buClrTx/>
+              <a:buSzPct val="80000"/>
+              <a:buFont typeface="Arial" panose="020B0604020202020204" pitchFamily="34" charset="0"/>
+              <a:buChar char="•"/>
+              <a:tabLst/>
+              <a:defRPr/>
+            </a:pPr>
+            <a:r>
+              <a:rPr kumimoji="0" lang="en-US" sz="2000" b="0" i="0" u="none" strike="noStrike" kern="1200" cap="none" spc="0" normalizeH="0" baseline="0" noProof="0" dirty="0">
+                <a:ln>
+                  <a:noFill/>
+                </a:ln>
+                <a:solidFill>
+                  <a:srgbClr val="44546A">
+                    <a:lumMod val="10000"/>
+                  </a:srgbClr>
+                </a:solidFill>
+                <a:effectLst/>
+                <a:uLnTx/>
+                <a:uFillTx/>
+                <a:latin typeface="Arial" charset="0"/>
+                <a:ea typeface="Arial" charset="0"/>
+                <a:cs typeface="Arial" charset="0"/>
+              </a:rPr>
+              <a:t>The </a:t>
+            </a:r>
+            <a:r>
+              <a:rPr kumimoji="0" lang="en-US" sz="2000" b="0" i="0" u="none" strike="noStrike" kern="1200" cap="none" spc="0" normalizeH="0" baseline="0" noProof="0" dirty="0" err="1">
+                <a:ln>
+                  <a:noFill/>
+                </a:ln>
+                <a:solidFill>
+                  <a:srgbClr val="44546A">
+                    <a:lumMod val="10000"/>
+                  </a:srgbClr>
+                </a:solidFill>
+                <a:effectLst/>
+                <a:uLnTx/>
+                <a:uFillTx/>
+                <a:latin typeface="Arial" charset="0"/>
+                <a:ea typeface="Arial" charset="0"/>
+                <a:cs typeface="Arial" charset="0"/>
+              </a:rPr>
+              <a:t>PdP</a:t>
+            </a:r>
+            <a:r>
+              <a:rPr kumimoji="0" lang="en-US" sz="2000" b="0" i="0" u="none" strike="noStrike" kern="1200" cap="none" spc="0" normalizeH="0" baseline="0" noProof="0" dirty="0">
+                <a:ln>
+                  <a:noFill/>
+                </a:ln>
+                <a:solidFill>
+                  <a:srgbClr val="44546A">
+                    <a:lumMod val="10000"/>
+                  </a:srgbClr>
+                </a:solidFill>
+                <a:effectLst/>
+                <a:uLnTx/>
+                <a:uFillTx/>
+                <a:latin typeface="Arial" charset="0"/>
+                <a:ea typeface="Arial" charset="0"/>
+                <a:cs typeface="Arial" charset="0"/>
+              </a:rPr>
+              <a:t> study comprises a prospective longitudinal cohort of individuals who were pregnant at enrollment, with repeated follow-ups during pregnancy and the postpartum period. Participants were eligible if they were pregnant, ≥17 years old, at ≤35 weeks of gestation at study enrollment, living in Canada</a:t>
+            </a:r>
           </a:p>
         </p:txBody>
       </p:sp>
@@ -6135,44 +7484,6 @@
                 <a:cs typeface="Helvetica" panose="020B0604020202020204" pitchFamily="34" charset="0"/>
               </a:rPr>
               <a:t>DATA SCIENCE</a:t>
-            </a:r>
-          </a:p>
-        </p:txBody>
-      </p:sp>
-      <p:sp>
-        <p:nvSpPr>
-          <p:cNvPr id="3" name="TextBox 2">
-            <a:extLst>
-              <a:ext uri="{FF2B5EF4-FFF2-40B4-BE49-F238E27FC236}">
-                <a16:creationId xmlns:a16="http://schemas.microsoft.com/office/drawing/2014/main" id="{9474D139-B7A4-53E6-7EF5-1BC5DA6D0272}"/>
-              </a:ext>
-            </a:extLst>
-          </p:cNvPr>
-          <p:cNvSpPr txBox="1"/>
-          <p:nvPr/>
-        </p:nvSpPr>
-        <p:spPr>
-          <a:xfrm rot="2208168">
-            <a:off x="2075688" y="2898648"/>
-            <a:ext cx="6896427" cy="369332"/>
-          </a:xfrm>
-          <a:prstGeom prst="rect">
-            <a:avLst/>
-          </a:prstGeom>
-          <a:solidFill>
-            <a:srgbClr val="C5AA76"/>
-          </a:solidFill>
-        </p:spPr>
-        <p:txBody>
-          <a:bodyPr wrap="square" rtlCol="0">
-            <a:spAutoFit/>
-          </a:bodyPr>
-          <a:lstStyle/>
-          <a:p>
-            <a:pPr algn="ctr"/>
-            <a:r>
-              <a:rPr lang="en-US" dirty="0"/>
-              <a:t>UPDATE</a:t>
             </a:r>
           </a:p>
         </p:txBody>
@@ -6275,7 +7586,7 @@
                 <a:ea typeface="Arial" charset="0"/>
                 <a:cs typeface="Arial" charset="0"/>
               </a:rPr>
-              <a:t>Introduction</a:t>
+              <a:t>Sources of Data 2</a:t>
             </a:r>
           </a:p>
         </p:txBody>
@@ -6289,7 +7600,7 @@
         <p:spPr>
           <a:xfrm>
             <a:off x="530874" y="1383408"/>
-            <a:ext cx="10626410" cy="3780522"/>
+            <a:ext cx="10626410" cy="4576702"/>
           </a:xfrm>
           <a:prstGeom prst="rect">
             <a:avLst/>
@@ -6302,65 +7613,7 @@
           </a:bodyPr>
           <a:lstStyle/>
           <a:p>
-            <a:pPr marL="342900" indent="-342900">
-              <a:lnSpc>
-                <a:spcPct val="150000"/>
-              </a:lnSpc>
-              <a:buSzPct val="80000"/>
-              <a:buFont typeface="Arial" panose="020B0604020202020204" pitchFamily="34" charset="0"/>
-              <a:buChar char="•"/>
-            </a:pPr>
-            <a:r>
-              <a:rPr kumimoji="0" lang="en-US" b="0" i="0" u="none" strike="noStrike" kern="1200" cap="none" spc="0" normalizeH="0" baseline="0" noProof="0" dirty="0">
-                <a:ln>
-                  <a:noFill/>
-                </a:ln>
-                <a:solidFill>
-                  <a:srgbClr val="44546A">
-                    <a:lumMod val="10000"/>
-                  </a:srgbClr>
-                </a:solidFill>
-                <a:effectLst/>
-                <a:uLnTx/>
-                <a:uFillTx/>
-                <a:latin typeface="Arial" charset="0"/>
-                <a:ea typeface="Arial" charset="0"/>
-                <a:cs typeface="Arial" charset="0"/>
-              </a:rPr>
-              <a:t>The COVID-19 pandemic has heightened anxiety and stress among pregnant individuals, leading to increased mental health challenges due to social isolation and healthcare disruptions.</a:t>
-            </a:r>
-          </a:p>
-          <a:p>
-            <a:pPr marL="342900" indent="-342900">
-              <a:lnSpc>
-                <a:spcPct val="150000"/>
-              </a:lnSpc>
-              <a:buSzPct val="80000"/>
-              <a:buFont typeface="Arial" panose="020B0604020202020204" pitchFamily="34" charset="0"/>
-              <a:buChar char="•"/>
-            </a:pPr>
-            <a:r>
-              <a:rPr kumimoji="0" lang="en-US" b="0" i="0" u="none" strike="noStrike" kern="1200" cap="none" spc="0" normalizeH="0" baseline="0" noProof="0" dirty="0">
-                <a:ln>
-                  <a:noFill/>
-                </a:ln>
-                <a:solidFill>
-                  <a:srgbClr val="44546A">
-                    <a:lumMod val="10000"/>
-                  </a:srgbClr>
-                </a:solidFill>
-                <a:effectLst/>
-                <a:uLnTx/>
-                <a:uFillTx/>
-                <a:latin typeface="Arial" charset="0"/>
-                <a:ea typeface="Arial" charset="0"/>
-                <a:cs typeface="Arial" charset="0"/>
-              </a:rPr>
-              <a:t>Early detection of postnatal depression is vital for the health of both mothers and infants. Timely intervention can prevent long-term psychological issues and improve overall outcomes.</a:t>
-            </a:r>
-          </a:p>
-          <a:p>
-            <a:pPr marL="342900" marR="0" lvl="0" indent="-342900" algn="l" defTabSz="457200" rtl="0" eaLnBrk="1" fontAlgn="auto" latinLnBrk="0" hangingPunct="1">
+            <a:pPr marL="171450" marR="0" lvl="0" indent="-171450" algn="l" defTabSz="457200" rtl="0" eaLnBrk="1" fontAlgn="auto" latinLnBrk="0" hangingPunct="1">
               <a:lnSpc>
                 <a:spcPct val="150000"/>
               </a:lnSpc>
@@ -6378,139 +7631,740 @@
               <a:defRPr/>
             </a:pPr>
             <a:r>
-              <a:rPr kumimoji="0" lang="en-US" b="0" i="0" u="none" strike="noStrike" kern="1200" cap="none" spc="0" normalizeH="0" baseline="0" noProof="0" dirty="0">
-                <a:ln>
-                  <a:noFill/>
-                </a:ln>
-                <a:solidFill>
-                  <a:srgbClr val="44546A">
-                    <a:lumMod val="10000"/>
-                  </a:srgbClr>
-                </a:solidFill>
-                <a:effectLst/>
-                <a:uLnTx/>
-                <a:uFillTx/>
-                <a:latin typeface="Arial" charset="0"/>
-                <a:ea typeface="Arial" charset="0"/>
-                <a:cs typeface="Arial" charset="0"/>
-              </a:rPr>
-              <a:t>Objectives:</a:t>
-            </a:r>
-          </a:p>
-          <a:p>
-            <a:pPr marL="800100" lvl="1" indent="-342900">
+              <a:rPr kumimoji="0" lang="en-US" sz="1400" b="0" i="0" u="none" strike="noStrike" kern="1200" cap="none" spc="0" normalizeH="0" baseline="0" noProof="0" dirty="0" err="1">
+                <a:ln>
+                  <a:noFill/>
+                </a:ln>
+                <a:solidFill>
+                  <a:srgbClr val="44546A">
+                    <a:lumMod val="10000"/>
+                  </a:srgbClr>
+                </a:solidFill>
+                <a:effectLst/>
+                <a:uLnTx/>
+                <a:uFillTx/>
+                <a:latin typeface="Arial" charset="0"/>
+                <a:ea typeface="Arial" charset="0"/>
+                <a:cs typeface="Arial" charset="0"/>
+              </a:rPr>
+              <a:t>Maternal_Age</a:t>
+            </a:r>
+            <a:endParaRPr kumimoji="0" lang="en-US" sz="1400" b="0" i="0" u="none" strike="noStrike" kern="1200" cap="none" spc="0" normalizeH="0" baseline="0" noProof="0" dirty="0">
+              <a:ln>
+                <a:noFill/>
+              </a:ln>
+              <a:solidFill>
+                <a:srgbClr val="44546A">
+                  <a:lumMod val="10000"/>
+                </a:srgbClr>
+              </a:solidFill>
+              <a:effectLst/>
+              <a:uLnTx/>
+              <a:uFillTx/>
+              <a:latin typeface="Arial" charset="0"/>
+              <a:ea typeface="Arial" charset="0"/>
+              <a:cs typeface="Arial" charset="0"/>
+            </a:endParaRPr>
+          </a:p>
+          <a:p>
+            <a:pPr marL="171450" marR="0" lvl="0" indent="-171450" algn="l" defTabSz="457200" rtl="0" eaLnBrk="1" fontAlgn="auto" latinLnBrk="0" hangingPunct="1">
               <a:lnSpc>
                 <a:spcPct val="150000"/>
               </a:lnSpc>
+              <a:spcBef>
+                <a:spcPts val="0"/>
+              </a:spcBef>
+              <a:spcAft>
+                <a:spcPts val="0"/>
+              </a:spcAft>
+              <a:buClrTx/>
               <a:buSzPct val="80000"/>
               <a:buFont typeface="Arial" panose="020B0604020202020204" pitchFamily="34" charset="0"/>
               <a:buChar char="•"/>
-            </a:pPr>
-            <a:r>
-              <a:rPr kumimoji="0" lang="en-US" b="0" i="0" u="none" strike="noStrike" kern="1200" cap="none" spc="0" normalizeH="0" baseline="0" noProof="0" dirty="0">
-                <a:ln>
-                  <a:noFill/>
-                </a:ln>
-                <a:solidFill>
-                  <a:srgbClr val="44546A">
-                    <a:lumMod val="10000"/>
-                  </a:srgbClr>
-                </a:solidFill>
-                <a:effectLst/>
-                <a:uLnTx/>
-                <a:uFillTx/>
-                <a:latin typeface="Arial" charset="0"/>
-                <a:ea typeface="Arial" charset="0"/>
-                <a:cs typeface="Arial" charset="0"/>
-              </a:rPr>
-              <a:t>Develop a predictive model for postnatal depression.</a:t>
-            </a:r>
-          </a:p>
-          <a:p>
-            <a:pPr marL="800100" lvl="1" indent="-342900">
+              <a:tabLst/>
+              <a:defRPr/>
+            </a:pPr>
+            <a:r>
+              <a:rPr kumimoji="0" lang="en-US" sz="1400" b="0" i="0" u="none" strike="noStrike" kern="1200" cap="none" spc="0" normalizeH="0" baseline="0" noProof="0" dirty="0" err="1">
+                <a:ln>
+                  <a:noFill/>
+                </a:ln>
+                <a:solidFill>
+                  <a:srgbClr val="44546A">
+                    <a:lumMod val="10000"/>
+                  </a:srgbClr>
+                </a:solidFill>
+                <a:effectLst/>
+                <a:uLnTx/>
+                <a:uFillTx/>
+                <a:latin typeface="Arial" charset="0"/>
+                <a:ea typeface="Arial" charset="0"/>
+                <a:cs typeface="Arial" charset="0"/>
+              </a:rPr>
+              <a:t>Household_Income</a:t>
+            </a:r>
+            <a:endParaRPr kumimoji="0" lang="en-US" sz="1400" b="0" i="0" u="none" strike="noStrike" kern="1200" cap="none" spc="0" normalizeH="0" baseline="0" noProof="0" dirty="0">
+              <a:ln>
+                <a:noFill/>
+              </a:ln>
+              <a:solidFill>
+                <a:srgbClr val="44546A">
+                  <a:lumMod val="10000"/>
+                </a:srgbClr>
+              </a:solidFill>
+              <a:effectLst/>
+              <a:uLnTx/>
+              <a:uFillTx/>
+              <a:latin typeface="Arial" charset="0"/>
+              <a:ea typeface="Arial" charset="0"/>
+              <a:cs typeface="Arial" charset="0"/>
+            </a:endParaRPr>
+          </a:p>
+          <a:p>
+            <a:pPr marL="171450" marR="0" lvl="0" indent="-171450" algn="l" defTabSz="457200" rtl="0" eaLnBrk="1" fontAlgn="auto" latinLnBrk="0" hangingPunct="1">
               <a:lnSpc>
                 <a:spcPct val="150000"/>
               </a:lnSpc>
+              <a:spcBef>
+                <a:spcPts val="0"/>
+              </a:spcBef>
+              <a:spcAft>
+                <a:spcPts val="0"/>
+              </a:spcAft>
+              <a:buClrTx/>
               <a:buSzPct val="80000"/>
               <a:buFont typeface="Arial" panose="020B0604020202020204" pitchFamily="34" charset="0"/>
               <a:buChar char="•"/>
-            </a:pPr>
-            <a:r>
-              <a:rPr kumimoji="0" lang="en-US" b="0" i="0" u="none" strike="noStrike" kern="1200" cap="none" spc="0" normalizeH="0" baseline="0" noProof="0" dirty="0">
-                <a:ln>
-                  <a:noFill/>
-                </a:ln>
-                <a:solidFill>
-                  <a:srgbClr val="44546A">
-                    <a:lumMod val="10000"/>
-                  </a:srgbClr>
-                </a:solidFill>
-                <a:effectLst/>
-                <a:uLnTx/>
-                <a:uFillTx/>
-                <a:latin typeface="Arial" charset="0"/>
-                <a:ea typeface="Arial" charset="0"/>
-                <a:cs typeface="Arial" charset="0"/>
-              </a:rPr>
-              <a:t>Identify key predictors from demographic, mental health, and perceived threat data.</a:t>
-            </a:r>
-          </a:p>
-          <a:p>
-            <a:pPr marL="800100" lvl="1" indent="-342900">
+              <a:tabLst/>
+              <a:defRPr/>
+            </a:pPr>
+            <a:r>
+              <a:rPr kumimoji="0" lang="en-US" sz="1400" b="0" i="0" u="none" strike="noStrike" kern="1200" cap="none" spc="0" normalizeH="0" baseline="0" noProof="0" dirty="0" err="1">
+                <a:ln>
+                  <a:noFill/>
+                </a:ln>
+                <a:solidFill>
+                  <a:srgbClr val="44546A">
+                    <a:lumMod val="10000"/>
+                  </a:srgbClr>
+                </a:solidFill>
+                <a:effectLst/>
+                <a:uLnTx/>
+                <a:uFillTx/>
+                <a:latin typeface="Arial" charset="0"/>
+                <a:ea typeface="Arial" charset="0"/>
+                <a:cs typeface="Arial" charset="0"/>
+              </a:rPr>
+              <a:t>Maternal_Education</a:t>
+            </a:r>
+            <a:endParaRPr kumimoji="0" lang="en-US" sz="1400" b="0" i="0" u="none" strike="noStrike" kern="1200" cap="none" spc="0" normalizeH="0" baseline="0" noProof="0" dirty="0">
+              <a:ln>
+                <a:noFill/>
+              </a:ln>
+              <a:solidFill>
+                <a:srgbClr val="44546A">
+                  <a:lumMod val="10000"/>
+                </a:srgbClr>
+              </a:solidFill>
+              <a:effectLst/>
+              <a:uLnTx/>
+              <a:uFillTx/>
+              <a:latin typeface="Arial" charset="0"/>
+              <a:ea typeface="Arial" charset="0"/>
+              <a:cs typeface="Arial" charset="0"/>
+            </a:endParaRPr>
+          </a:p>
+          <a:p>
+            <a:pPr marL="171450" marR="0" lvl="0" indent="-171450" algn="l" defTabSz="457200" rtl="0" eaLnBrk="1" fontAlgn="auto" latinLnBrk="0" hangingPunct="1">
               <a:lnSpc>
                 <a:spcPct val="150000"/>
               </a:lnSpc>
+              <a:spcBef>
+                <a:spcPts val="0"/>
+              </a:spcBef>
+              <a:spcAft>
+                <a:spcPts val="0"/>
+              </a:spcAft>
+              <a:buClrTx/>
               <a:buSzPct val="80000"/>
               <a:buFont typeface="Arial" panose="020B0604020202020204" pitchFamily="34" charset="0"/>
               <a:buChar char="•"/>
-            </a:pPr>
-            <a:r>
-              <a:rPr kumimoji="0" lang="en-US" b="0" i="0" u="none" strike="noStrike" kern="1200" cap="none" spc="0" normalizeH="0" baseline="0" noProof="0" dirty="0">
-                <a:ln>
-                  <a:noFill/>
-                </a:ln>
-                <a:solidFill>
-                  <a:srgbClr val="44546A">
-                    <a:lumMod val="10000"/>
-                  </a:srgbClr>
-                </a:solidFill>
-                <a:effectLst/>
-                <a:uLnTx/>
-                <a:uFillTx/>
-                <a:latin typeface="Arial" charset="0"/>
-                <a:ea typeface="Arial" charset="0"/>
-                <a:cs typeface="Arial" charset="0"/>
-              </a:rPr>
-              <a:t>Support healthcare interventions by providing actionable insights.</a:t>
-            </a:r>
-          </a:p>
-          <a:p>
-            <a:pPr marL="800100" lvl="1" indent="-342900">
+              <a:tabLst/>
+              <a:defRPr/>
+            </a:pPr>
+            <a:r>
+              <a:rPr kumimoji="0" lang="en-US" sz="1400" b="0" i="0" u="none" strike="noStrike" kern="1200" cap="none" spc="0" normalizeH="0" baseline="0" noProof="0" dirty="0">
+                <a:ln>
+                  <a:noFill/>
+                </a:ln>
+                <a:solidFill>
+                  <a:srgbClr val="44546A">
+                    <a:lumMod val="10000"/>
+                  </a:srgbClr>
+                </a:solidFill>
+                <a:effectLst/>
+                <a:uLnTx/>
+                <a:uFillTx/>
+                <a:latin typeface="Arial" charset="0"/>
+                <a:ea typeface="Arial" charset="0"/>
+                <a:cs typeface="Arial" charset="0"/>
+              </a:rPr>
+              <a:t>EPDS: Edinburgh Postnatal Depression Scale </a:t>
+            </a:r>
+          </a:p>
+          <a:p>
+            <a:pPr marL="171450" marR="0" lvl="0" indent="-171450" algn="l" defTabSz="457200" rtl="0" eaLnBrk="1" fontAlgn="auto" latinLnBrk="0" hangingPunct="1">
               <a:lnSpc>
                 <a:spcPct val="150000"/>
               </a:lnSpc>
+              <a:spcBef>
+                <a:spcPts val="0"/>
+              </a:spcBef>
+              <a:spcAft>
+                <a:spcPts val="0"/>
+              </a:spcAft>
+              <a:buClrTx/>
               <a:buSzPct val="80000"/>
               <a:buFont typeface="Arial" panose="020B0604020202020204" pitchFamily="34" charset="0"/>
               <a:buChar char="•"/>
-            </a:pPr>
-            <a:r>
-              <a:rPr kumimoji="0" lang="en-US" b="0" i="0" u="none" strike="noStrike" kern="1200" cap="none" spc="0" normalizeH="0" baseline="0" noProof="0" dirty="0">
-                <a:ln>
-                  <a:noFill/>
-                </a:ln>
-                <a:solidFill>
-                  <a:srgbClr val="44546A">
-                    <a:lumMod val="10000"/>
-                  </a:srgbClr>
-                </a:solidFill>
-                <a:effectLst/>
-                <a:uLnTx/>
-                <a:uFillTx/>
-                <a:latin typeface="Arial" charset="0"/>
-                <a:ea typeface="Arial" charset="0"/>
-                <a:cs typeface="Arial" charset="0"/>
-              </a:rPr>
-              <a:t>Enhance maternal and infant health through early detection and support.</a:t>
+              <a:tabLst/>
+              <a:defRPr/>
+            </a:pPr>
+            <a:r>
+              <a:rPr kumimoji="0" lang="en-US" sz="1400" b="0" i="0" u="none" strike="noStrike" kern="1200" cap="none" spc="0" normalizeH="0" baseline="0" noProof="0" dirty="0" err="1">
+                <a:ln>
+                  <a:noFill/>
+                </a:ln>
+                <a:solidFill>
+                  <a:srgbClr val="44546A">
+                    <a:lumMod val="10000"/>
+                  </a:srgbClr>
+                </a:solidFill>
+                <a:effectLst/>
+                <a:uLnTx/>
+                <a:uFillTx/>
+                <a:latin typeface="Arial" charset="0"/>
+                <a:ea typeface="Arial" charset="0"/>
+                <a:cs typeface="Arial" charset="0"/>
+              </a:rPr>
+              <a:t>PROMIS_Anxiety</a:t>
+            </a:r>
+            <a:r>
+              <a:rPr kumimoji="0" lang="en-US" sz="1400" b="0" i="0" u="none" strike="noStrike" kern="1200" cap="none" spc="0" normalizeH="0" baseline="0" noProof="0" dirty="0">
+                <a:ln>
+                  <a:noFill/>
+                </a:ln>
+                <a:solidFill>
+                  <a:srgbClr val="44546A">
+                    <a:lumMod val="10000"/>
+                  </a:srgbClr>
+                </a:solidFill>
+                <a:effectLst/>
+                <a:uLnTx/>
+                <a:uFillTx/>
+                <a:latin typeface="Arial" charset="0"/>
+                <a:ea typeface="Arial" charset="0"/>
+                <a:cs typeface="Arial" charset="0"/>
+              </a:rPr>
+              <a:t>: Higher scores indicating greater severity of anxiety.</a:t>
+            </a:r>
+          </a:p>
+          <a:p>
+            <a:pPr marL="171450" marR="0" lvl="0" indent="-171450" algn="l" defTabSz="457200" rtl="0" eaLnBrk="1" fontAlgn="auto" latinLnBrk="0" hangingPunct="1">
+              <a:lnSpc>
+                <a:spcPct val="150000"/>
+              </a:lnSpc>
+              <a:spcBef>
+                <a:spcPts val="0"/>
+              </a:spcBef>
+              <a:spcAft>
+                <a:spcPts val="0"/>
+              </a:spcAft>
+              <a:buClrTx/>
+              <a:buSzPct val="80000"/>
+              <a:buFont typeface="Arial" panose="020B0604020202020204" pitchFamily="34" charset="0"/>
+              <a:buChar char="•"/>
+              <a:tabLst/>
+              <a:defRPr/>
+            </a:pPr>
+            <a:r>
+              <a:rPr kumimoji="0" lang="en-US" sz="1400" b="0" i="0" u="none" strike="noStrike" kern="1200" cap="none" spc="0" normalizeH="0" baseline="0" noProof="0" dirty="0" err="1">
+                <a:ln>
+                  <a:noFill/>
+                </a:ln>
+                <a:solidFill>
+                  <a:srgbClr val="44546A">
+                    <a:lumMod val="10000"/>
+                  </a:srgbClr>
+                </a:solidFill>
+                <a:effectLst/>
+                <a:uLnTx/>
+                <a:uFillTx/>
+                <a:latin typeface="Arial" charset="0"/>
+                <a:ea typeface="Arial" charset="0"/>
+                <a:cs typeface="Arial" charset="0"/>
+              </a:rPr>
+              <a:t>GAbirth</a:t>
+            </a:r>
+            <a:r>
+              <a:rPr kumimoji="0" lang="en-US" sz="1400" b="0" i="0" u="none" strike="noStrike" kern="1200" cap="none" spc="0" normalizeH="0" baseline="0" noProof="0" dirty="0">
+                <a:ln>
+                  <a:noFill/>
+                </a:ln>
+                <a:solidFill>
+                  <a:srgbClr val="44546A">
+                    <a:lumMod val="10000"/>
+                  </a:srgbClr>
+                </a:solidFill>
+                <a:effectLst/>
+                <a:uLnTx/>
+                <a:uFillTx/>
+                <a:latin typeface="Arial" charset="0"/>
+                <a:ea typeface="Arial" charset="0"/>
+                <a:cs typeface="Arial" charset="0"/>
+              </a:rPr>
+              <a:t>: Gestational age at birth (in weeks)</a:t>
+            </a:r>
+          </a:p>
+          <a:p>
+            <a:pPr marL="171450" marR="0" lvl="0" indent="-171450" algn="l" defTabSz="457200" rtl="0" eaLnBrk="1" fontAlgn="auto" latinLnBrk="0" hangingPunct="1">
+              <a:lnSpc>
+                <a:spcPct val="150000"/>
+              </a:lnSpc>
+              <a:spcBef>
+                <a:spcPts val="0"/>
+              </a:spcBef>
+              <a:spcAft>
+                <a:spcPts val="0"/>
+              </a:spcAft>
+              <a:buClrTx/>
+              <a:buSzPct val="80000"/>
+              <a:buFont typeface="Arial" panose="020B0604020202020204" pitchFamily="34" charset="0"/>
+              <a:buChar char="•"/>
+              <a:tabLst/>
+              <a:defRPr/>
+            </a:pPr>
+            <a:r>
+              <a:rPr kumimoji="0" lang="en-US" sz="1400" b="0" i="0" u="none" strike="noStrike" kern="1200" cap="none" spc="0" normalizeH="0" baseline="0" noProof="0" dirty="0" err="1">
+                <a:ln>
+                  <a:noFill/>
+                </a:ln>
+                <a:solidFill>
+                  <a:srgbClr val="44546A">
+                    <a:lumMod val="10000"/>
+                  </a:srgbClr>
+                </a:solidFill>
+                <a:effectLst/>
+                <a:uLnTx/>
+                <a:uFillTx/>
+                <a:latin typeface="Arial" charset="0"/>
+                <a:ea typeface="Arial" charset="0"/>
+                <a:cs typeface="Arial" charset="0"/>
+              </a:rPr>
+              <a:t>Delivery_Date</a:t>
+            </a:r>
+            <a:endParaRPr kumimoji="0" lang="en-US" sz="1400" b="0" i="0" u="none" strike="noStrike" kern="1200" cap="none" spc="0" normalizeH="0" baseline="0" noProof="0" dirty="0">
+              <a:ln>
+                <a:noFill/>
+              </a:ln>
+              <a:solidFill>
+                <a:srgbClr val="44546A">
+                  <a:lumMod val="10000"/>
+                </a:srgbClr>
+              </a:solidFill>
+              <a:effectLst/>
+              <a:uLnTx/>
+              <a:uFillTx/>
+              <a:latin typeface="Arial" charset="0"/>
+              <a:ea typeface="Arial" charset="0"/>
+              <a:cs typeface="Arial" charset="0"/>
+            </a:endParaRPr>
+          </a:p>
+          <a:p>
+            <a:pPr marL="171450" marR="0" lvl="0" indent="-171450" algn="l" defTabSz="457200" rtl="0" eaLnBrk="1" fontAlgn="auto" latinLnBrk="0" hangingPunct="1">
+              <a:lnSpc>
+                <a:spcPct val="150000"/>
+              </a:lnSpc>
+              <a:spcBef>
+                <a:spcPts val="0"/>
+              </a:spcBef>
+              <a:spcAft>
+                <a:spcPts val="0"/>
+              </a:spcAft>
+              <a:buClrTx/>
+              <a:buSzPct val="80000"/>
+              <a:buFont typeface="Arial" panose="020B0604020202020204" pitchFamily="34" charset="0"/>
+              <a:buChar char="•"/>
+              <a:tabLst/>
+              <a:defRPr/>
+            </a:pPr>
+            <a:r>
+              <a:rPr kumimoji="0" lang="en-US" sz="1400" b="0" i="0" u="none" strike="noStrike" kern="1200" cap="none" spc="0" normalizeH="0" baseline="0" noProof="0" dirty="0" err="1">
+                <a:ln>
+                  <a:noFill/>
+                </a:ln>
+                <a:solidFill>
+                  <a:srgbClr val="44546A">
+                    <a:lumMod val="10000"/>
+                  </a:srgbClr>
+                </a:solidFill>
+                <a:effectLst/>
+                <a:uLnTx/>
+                <a:uFillTx/>
+                <a:latin typeface="Arial" charset="0"/>
+                <a:ea typeface="Arial" charset="0"/>
+                <a:cs typeface="Arial" charset="0"/>
+              </a:rPr>
+              <a:t>Birth_Length</a:t>
+            </a:r>
+            <a:endParaRPr kumimoji="0" lang="en-US" sz="1400" b="0" i="0" u="none" strike="noStrike" kern="1200" cap="none" spc="0" normalizeH="0" baseline="0" noProof="0" dirty="0">
+              <a:ln>
+                <a:noFill/>
+              </a:ln>
+              <a:solidFill>
+                <a:srgbClr val="44546A">
+                  <a:lumMod val="10000"/>
+                </a:srgbClr>
+              </a:solidFill>
+              <a:effectLst/>
+              <a:uLnTx/>
+              <a:uFillTx/>
+              <a:latin typeface="Arial" charset="0"/>
+              <a:ea typeface="Arial" charset="0"/>
+              <a:cs typeface="Arial" charset="0"/>
+            </a:endParaRPr>
+          </a:p>
+          <a:p>
+            <a:pPr marL="171450" marR="0" lvl="0" indent="-171450" algn="l" defTabSz="457200" rtl="0" eaLnBrk="1" fontAlgn="auto" latinLnBrk="0" hangingPunct="1">
+              <a:lnSpc>
+                <a:spcPct val="150000"/>
+              </a:lnSpc>
+              <a:spcBef>
+                <a:spcPts val="0"/>
+              </a:spcBef>
+              <a:spcAft>
+                <a:spcPts val="0"/>
+              </a:spcAft>
+              <a:buClrTx/>
+              <a:buSzPct val="80000"/>
+              <a:buFont typeface="Arial" panose="020B0604020202020204" pitchFamily="34" charset="0"/>
+              <a:buChar char="•"/>
+              <a:tabLst/>
+              <a:defRPr/>
+            </a:pPr>
+            <a:r>
+              <a:rPr kumimoji="0" lang="en-US" sz="1400" b="0" i="0" u="none" strike="noStrike" kern="1200" cap="none" spc="0" normalizeH="0" baseline="0" noProof="0" dirty="0" err="1">
+                <a:ln>
+                  <a:noFill/>
+                </a:ln>
+                <a:solidFill>
+                  <a:srgbClr val="44546A">
+                    <a:lumMod val="10000"/>
+                  </a:srgbClr>
+                </a:solidFill>
+                <a:effectLst/>
+                <a:uLnTx/>
+                <a:uFillTx/>
+                <a:latin typeface="Arial" charset="0"/>
+                <a:ea typeface="Arial" charset="0"/>
+                <a:cs typeface="Arial" charset="0"/>
+              </a:rPr>
+              <a:t>Birth_Weight</a:t>
+            </a:r>
+            <a:endParaRPr kumimoji="0" lang="en-US" sz="1400" b="0" i="0" u="none" strike="noStrike" kern="1200" cap="none" spc="0" normalizeH="0" baseline="0" noProof="0" dirty="0">
+              <a:ln>
+                <a:noFill/>
+              </a:ln>
+              <a:solidFill>
+                <a:srgbClr val="44546A">
+                  <a:lumMod val="10000"/>
+                </a:srgbClr>
+              </a:solidFill>
+              <a:effectLst/>
+              <a:uLnTx/>
+              <a:uFillTx/>
+              <a:latin typeface="Arial" charset="0"/>
+              <a:ea typeface="Arial" charset="0"/>
+              <a:cs typeface="Arial" charset="0"/>
+            </a:endParaRPr>
+          </a:p>
+          <a:p>
+            <a:pPr marL="171450" marR="0" lvl="0" indent="-171450" algn="l" defTabSz="457200" rtl="0" eaLnBrk="1" fontAlgn="auto" latinLnBrk="0" hangingPunct="1">
+              <a:lnSpc>
+                <a:spcPct val="150000"/>
+              </a:lnSpc>
+              <a:spcBef>
+                <a:spcPts val="0"/>
+              </a:spcBef>
+              <a:spcAft>
+                <a:spcPts val="0"/>
+              </a:spcAft>
+              <a:buClrTx/>
+              <a:buSzPct val="80000"/>
+              <a:buFont typeface="Arial" panose="020B0604020202020204" pitchFamily="34" charset="0"/>
+              <a:buChar char="•"/>
+              <a:tabLst/>
+              <a:defRPr/>
+            </a:pPr>
+            <a:r>
+              <a:rPr kumimoji="0" lang="en-US" sz="1400" b="0" i="0" u="none" strike="noStrike" kern="1200" cap="none" spc="0" normalizeH="0" baseline="0" noProof="0" dirty="0" err="1">
+                <a:ln>
+                  <a:noFill/>
+                </a:ln>
+                <a:solidFill>
+                  <a:srgbClr val="44546A">
+                    <a:lumMod val="10000"/>
+                  </a:srgbClr>
+                </a:solidFill>
+                <a:effectLst/>
+                <a:uLnTx/>
+                <a:uFillTx/>
+                <a:latin typeface="Arial" charset="0"/>
+                <a:ea typeface="Arial" charset="0"/>
+                <a:cs typeface="Arial" charset="0"/>
+              </a:rPr>
+              <a:t>Delivery_Mode</a:t>
+            </a:r>
+            <a:endParaRPr kumimoji="0" lang="en-US" sz="1400" b="0" i="0" u="none" strike="noStrike" kern="1200" cap="none" spc="0" normalizeH="0" baseline="0" noProof="0" dirty="0">
+              <a:ln>
+                <a:noFill/>
+              </a:ln>
+              <a:solidFill>
+                <a:srgbClr val="44546A">
+                  <a:lumMod val="10000"/>
+                </a:srgbClr>
+              </a:solidFill>
+              <a:effectLst/>
+              <a:uLnTx/>
+              <a:uFillTx/>
+              <a:latin typeface="Arial" charset="0"/>
+              <a:ea typeface="Arial" charset="0"/>
+              <a:cs typeface="Arial" charset="0"/>
+            </a:endParaRPr>
+          </a:p>
+          <a:p>
+            <a:pPr marL="171450" marR="0" lvl="0" indent="-171450" algn="l" defTabSz="457200" rtl="0" eaLnBrk="1" fontAlgn="auto" latinLnBrk="0" hangingPunct="1">
+              <a:lnSpc>
+                <a:spcPct val="150000"/>
+              </a:lnSpc>
+              <a:spcBef>
+                <a:spcPts val="0"/>
+              </a:spcBef>
+              <a:spcAft>
+                <a:spcPts val="0"/>
+              </a:spcAft>
+              <a:buClrTx/>
+              <a:buSzPct val="80000"/>
+              <a:buFont typeface="Arial" panose="020B0604020202020204" pitchFamily="34" charset="0"/>
+              <a:buChar char="•"/>
+              <a:tabLst/>
+              <a:defRPr/>
+            </a:pPr>
+            <a:r>
+              <a:rPr kumimoji="0" lang="en-US" sz="1400" b="0" i="0" u="none" strike="noStrike" kern="1200" cap="none" spc="0" normalizeH="0" baseline="0" noProof="0" dirty="0" err="1">
+                <a:ln>
+                  <a:noFill/>
+                </a:ln>
+                <a:solidFill>
+                  <a:srgbClr val="44546A">
+                    <a:lumMod val="10000"/>
+                  </a:srgbClr>
+                </a:solidFill>
+                <a:effectLst/>
+                <a:uLnTx/>
+                <a:uFillTx/>
+                <a:latin typeface="Arial" charset="0"/>
+                <a:ea typeface="Arial" charset="0"/>
+                <a:cs typeface="Arial" charset="0"/>
+              </a:rPr>
+              <a:t>NICU_stay</a:t>
+            </a:r>
+            <a:endParaRPr kumimoji="0" lang="en-US" sz="1400" b="0" i="0" u="none" strike="noStrike" kern="1200" cap="none" spc="0" normalizeH="0" baseline="0" noProof="0" dirty="0">
+              <a:ln>
+                <a:noFill/>
+              </a:ln>
+              <a:solidFill>
+                <a:srgbClr val="44546A">
+                  <a:lumMod val="10000"/>
+                </a:srgbClr>
+              </a:solidFill>
+              <a:effectLst/>
+              <a:uLnTx/>
+              <a:uFillTx/>
+              <a:latin typeface="Arial" charset="0"/>
+              <a:ea typeface="Arial" charset="0"/>
+              <a:cs typeface="Arial" charset="0"/>
+            </a:endParaRPr>
+          </a:p>
+          <a:p>
+            <a:pPr marL="171450" marR="0" lvl="0" indent="-171450" algn="l" defTabSz="457200" rtl="0" eaLnBrk="1" fontAlgn="auto" latinLnBrk="0" hangingPunct="1">
+              <a:lnSpc>
+                <a:spcPct val="150000"/>
+              </a:lnSpc>
+              <a:spcBef>
+                <a:spcPts val="0"/>
+              </a:spcBef>
+              <a:spcAft>
+                <a:spcPts val="0"/>
+              </a:spcAft>
+              <a:buClrTx/>
+              <a:buSzPct val="80000"/>
+              <a:buFont typeface="Arial" panose="020B0604020202020204" pitchFamily="34" charset="0"/>
+              <a:buChar char="•"/>
+              <a:tabLst/>
+              <a:defRPr/>
+            </a:pPr>
+            <a:r>
+              <a:rPr kumimoji="0" lang="en-US" sz="1400" b="0" i="0" u="none" strike="noStrike" kern="1200" cap="none" spc="0" normalizeH="0" baseline="0" noProof="0" dirty="0" err="1">
+                <a:ln>
+                  <a:noFill/>
+                </a:ln>
+                <a:solidFill>
+                  <a:srgbClr val="44546A">
+                    <a:lumMod val="10000"/>
+                  </a:srgbClr>
+                </a:solidFill>
+                <a:effectLst/>
+                <a:uLnTx/>
+                <a:uFillTx/>
+                <a:latin typeface="Arial" charset="0"/>
+                <a:ea typeface="Arial" charset="0"/>
+                <a:cs typeface="Arial" charset="0"/>
+              </a:rPr>
+              <a:t>Threaten_Life</a:t>
+            </a:r>
+            <a:r>
+              <a:rPr kumimoji="0" lang="en-US" sz="1400" b="0" i="0" u="none" strike="noStrike" kern="1200" cap="none" spc="0" normalizeH="0" baseline="0" noProof="0" dirty="0">
+                <a:ln>
+                  <a:noFill/>
+                </a:ln>
+                <a:solidFill>
+                  <a:srgbClr val="44546A">
+                    <a:lumMod val="10000"/>
+                  </a:srgbClr>
+                </a:solidFill>
+                <a:effectLst/>
+                <a:uLnTx/>
+                <a:uFillTx/>
+                <a:latin typeface="Arial" charset="0"/>
+                <a:ea typeface="Arial" charset="0"/>
+                <a:cs typeface="Arial" charset="0"/>
+              </a:rPr>
+              <a:t>: How much do (did) you think your life is (was) in danger during the pandemic? (0-100)</a:t>
+            </a:r>
+          </a:p>
+          <a:p>
+            <a:pPr marL="171450" marR="0" lvl="0" indent="-171450" algn="l" defTabSz="457200" rtl="0" eaLnBrk="1" fontAlgn="auto" latinLnBrk="0" hangingPunct="1">
+              <a:lnSpc>
+                <a:spcPct val="150000"/>
+              </a:lnSpc>
+              <a:spcBef>
+                <a:spcPts val="0"/>
+              </a:spcBef>
+              <a:spcAft>
+                <a:spcPts val="0"/>
+              </a:spcAft>
+              <a:buClrTx/>
+              <a:buSzPct val="80000"/>
+              <a:buFont typeface="Arial" panose="020B0604020202020204" pitchFamily="34" charset="0"/>
+              <a:buChar char="•"/>
+              <a:tabLst/>
+              <a:defRPr/>
+            </a:pPr>
+            <a:r>
+              <a:rPr kumimoji="0" lang="en-US" sz="1400" b="0" i="0" u="none" strike="noStrike" kern="1200" cap="none" spc="0" normalizeH="0" baseline="0" noProof="0" dirty="0" err="1">
+                <a:ln>
+                  <a:noFill/>
+                </a:ln>
+                <a:solidFill>
+                  <a:srgbClr val="44546A">
+                    <a:lumMod val="10000"/>
+                  </a:srgbClr>
+                </a:solidFill>
+                <a:effectLst/>
+                <a:uLnTx/>
+                <a:uFillTx/>
+                <a:latin typeface="Arial" charset="0"/>
+                <a:ea typeface="Arial" charset="0"/>
+                <a:cs typeface="Arial" charset="0"/>
+              </a:rPr>
+              <a:t>Threaten_Baby_Danger</a:t>
+            </a:r>
+            <a:r>
+              <a:rPr kumimoji="0" lang="en-US" sz="1400" b="0" i="0" u="none" strike="noStrike" kern="1200" cap="none" spc="0" normalizeH="0" baseline="0" noProof="0" dirty="0">
+                <a:ln>
+                  <a:noFill/>
+                </a:ln>
+                <a:solidFill>
+                  <a:srgbClr val="44546A">
+                    <a:lumMod val="10000"/>
+                  </a:srgbClr>
+                </a:solidFill>
+                <a:effectLst/>
+                <a:uLnTx/>
+                <a:uFillTx/>
+                <a:latin typeface="Arial" charset="0"/>
+                <a:ea typeface="Arial" charset="0"/>
+                <a:cs typeface="Arial" charset="0"/>
+              </a:rPr>
+              <a:t>: How much do (did) you think your unborn baby's life is (was) in danger during the pandemic? (0-100)</a:t>
+            </a:r>
+          </a:p>
+          <a:p>
+            <a:pPr marL="171450" marR="0" lvl="0" indent="-171450" algn="l" defTabSz="457200" rtl="0" eaLnBrk="1" fontAlgn="auto" latinLnBrk="0" hangingPunct="1">
+              <a:lnSpc>
+                <a:spcPct val="150000"/>
+              </a:lnSpc>
+              <a:spcBef>
+                <a:spcPts val="0"/>
+              </a:spcBef>
+              <a:spcAft>
+                <a:spcPts val="0"/>
+              </a:spcAft>
+              <a:buClrTx/>
+              <a:buSzPct val="80000"/>
+              <a:buFont typeface="Arial" panose="020B0604020202020204" pitchFamily="34" charset="0"/>
+              <a:buChar char="•"/>
+              <a:tabLst/>
+              <a:defRPr/>
+            </a:pPr>
+            <a:r>
+              <a:rPr kumimoji="0" lang="en-US" sz="1400" b="0" i="0" u="none" strike="noStrike" kern="1200" cap="none" spc="0" normalizeH="0" baseline="0" noProof="0" dirty="0" err="1">
+                <a:ln>
+                  <a:noFill/>
+                </a:ln>
+                <a:solidFill>
+                  <a:srgbClr val="44546A">
+                    <a:lumMod val="10000"/>
+                  </a:srgbClr>
+                </a:solidFill>
+                <a:effectLst/>
+                <a:uLnTx/>
+                <a:uFillTx/>
+                <a:latin typeface="Arial" charset="0"/>
+                <a:ea typeface="Arial" charset="0"/>
+                <a:cs typeface="Arial" charset="0"/>
+              </a:rPr>
+              <a:t>Threaten_Baby_Harm</a:t>
+            </a:r>
+            <a:r>
+              <a:rPr kumimoji="0" lang="en-US" sz="1400" b="0" i="0" u="none" strike="noStrike" kern="1200" cap="none" spc="0" normalizeH="0" baseline="0" noProof="0" dirty="0">
+                <a:ln>
+                  <a:noFill/>
+                </a:ln>
+                <a:solidFill>
+                  <a:srgbClr val="44546A">
+                    <a:lumMod val="10000"/>
+                  </a:srgbClr>
+                </a:solidFill>
+                <a:effectLst/>
+                <a:uLnTx/>
+                <a:uFillTx/>
+                <a:latin typeface="Arial" charset="0"/>
+                <a:ea typeface="Arial" charset="0"/>
+                <a:cs typeface="Arial" charset="0"/>
+              </a:rPr>
+              <a:t>: How much are you worried that exposure to the COVID-19 virus will harm your unborn baby? (0-100)</a:t>
             </a:r>
           </a:p>
         </p:txBody>
@@ -6585,7 +8439,7 @@
     </p:spTree>
     <p:extLst>
       <p:ext uri="{BB962C8B-B14F-4D97-AF65-F5344CB8AC3E}">
-        <p14:creationId xmlns:p14="http://schemas.microsoft.com/office/powerpoint/2010/main" val="4290540766"/>
+        <p14:creationId xmlns:p14="http://schemas.microsoft.com/office/powerpoint/2010/main" val="75893912"/>
       </p:ext>
     </p:extLst>
   </p:cSld>
@@ -6680,7 +8534,7 @@
                 <a:ea typeface="Arial" charset="0"/>
                 <a:cs typeface="Arial" charset="0"/>
               </a:rPr>
-              <a:t>Problem Statement</a:t>
+              <a:t>Introduction</a:t>
             </a:r>
           </a:p>
         </p:txBody>
@@ -6707,6 +8561,64 @@
           </a:bodyPr>
           <a:lstStyle/>
           <a:p>
+            <a:pPr marL="342900" indent="-342900">
+              <a:lnSpc>
+                <a:spcPct val="150000"/>
+              </a:lnSpc>
+              <a:buSzPct val="80000"/>
+              <a:buFont typeface="Arial" panose="020B0604020202020204" pitchFamily="34" charset="0"/>
+              <a:buChar char="•"/>
+            </a:pPr>
+            <a:r>
+              <a:rPr kumimoji="0" lang="en-US" b="0" i="0" u="none" strike="noStrike" kern="1200" cap="none" spc="0" normalizeH="0" baseline="0" noProof="0" dirty="0">
+                <a:ln>
+                  <a:noFill/>
+                </a:ln>
+                <a:solidFill>
+                  <a:srgbClr val="44546A">
+                    <a:lumMod val="10000"/>
+                  </a:srgbClr>
+                </a:solidFill>
+                <a:effectLst/>
+                <a:uLnTx/>
+                <a:uFillTx/>
+                <a:latin typeface="Arial" charset="0"/>
+                <a:ea typeface="Arial" charset="0"/>
+                <a:cs typeface="Arial" charset="0"/>
+              </a:rPr>
+              <a:t>The COVID-19 pandemic has heightened anxiety and stress among pregnant individuals, leading to increased mental health challenges due to social isolation and healthcare disruptions.</a:t>
+            </a:r>
+          </a:p>
+          <a:p>
+            <a:pPr marL="342900" indent="-342900">
+              <a:lnSpc>
+                <a:spcPct val="150000"/>
+              </a:lnSpc>
+              <a:buSzPct val="80000"/>
+              <a:buFont typeface="Arial" panose="020B0604020202020204" pitchFamily="34" charset="0"/>
+              <a:buChar char="•"/>
+            </a:pPr>
+            <a:r>
+              <a:rPr kumimoji="0" lang="en-US" b="0" i="0" u="none" strike="noStrike" kern="1200" cap="none" spc="0" normalizeH="0" baseline="0" noProof="0" dirty="0">
+                <a:ln>
+                  <a:noFill/>
+                </a:ln>
+                <a:solidFill>
+                  <a:srgbClr val="44546A">
+                    <a:lumMod val="10000"/>
+                  </a:srgbClr>
+                </a:solidFill>
+                <a:effectLst/>
+                <a:uLnTx/>
+                <a:uFillTx/>
+                <a:latin typeface="Arial" charset="0"/>
+                <a:ea typeface="Arial" charset="0"/>
+                <a:cs typeface="Arial" charset="0"/>
+              </a:rPr>
+              <a:t>Early detection of postnatal depression is vital for the health of both mothers and infants. Timely intervention can prevent long-term psychological issues and improve overall outcomes.</a:t>
+            </a:r>
+          </a:p>
+          <a:p>
             <a:pPr marL="342900" marR="0" lvl="0" indent="-342900" algn="l" defTabSz="457200" rtl="0" eaLnBrk="1" fontAlgn="auto" latinLnBrk="0" hangingPunct="1">
               <a:lnSpc>
                 <a:spcPct val="150000"/>
@@ -6725,23 +8637,23 @@
               <a:defRPr/>
             </a:pPr>
             <a:r>
-              <a:rPr kumimoji="0" lang="en-US" sz="1800" b="0" i="0" u="none" strike="noStrike" kern="1200" cap="none" spc="0" normalizeH="0" baseline="0" noProof="0" dirty="0">
-                <a:ln>
-                  <a:noFill/>
-                </a:ln>
-                <a:solidFill>
-                  <a:srgbClr val="44546A">
-                    <a:lumMod val="10000"/>
-                  </a:srgbClr>
-                </a:solidFill>
-                <a:effectLst/>
-                <a:uLnTx/>
-                <a:uFillTx/>
-                <a:latin typeface="Arial" charset="0"/>
-                <a:ea typeface="Arial" charset="0"/>
-                <a:cs typeface="Arial" charset="0"/>
-              </a:rPr>
-              <a:t>Increased Stress During Pregnancy Due to COVID-19:</a:t>
+              <a:rPr kumimoji="0" lang="en-US" b="0" i="0" u="none" strike="noStrike" kern="1200" cap="none" spc="0" normalizeH="0" baseline="0" noProof="0" dirty="0">
+                <a:ln>
+                  <a:noFill/>
+                </a:ln>
+                <a:solidFill>
+                  <a:srgbClr val="44546A">
+                    <a:lumMod val="10000"/>
+                  </a:srgbClr>
+                </a:solidFill>
+                <a:effectLst/>
+                <a:uLnTx/>
+                <a:uFillTx/>
+                <a:latin typeface="Arial" charset="0"/>
+                <a:ea typeface="Arial" charset="0"/>
+                <a:cs typeface="Arial" charset="0"/>
+              </a:rPr>
+              <a:t>Objectives:</a:t>
             </a:r>
           </a:p>
           <a:p>
@@ -6770,61 +8682,36 @@
                 <a:ea typeface="Arial" charset="0"/>
                 <a:cs typeface="Arial" charset="0"/>
               </a:rPr>
-              <a:t>The pandemic has significantly elevated stress levels in pregnant individuals, contributing to mental health challenges.</a:t>
-            </a:r>
-            <a:endParaRPr kumimoji="0" lang="en-US" sz="1800" b="0" i="0" u="none" strike="noStrike" kern="1200" cap="none" spc="0" normalizeH="0" baseline="0" noProof="0" dirty="0">
-              <a:ln>
-                <a:noFill/>
-              </a:ln>
-              <a:solidFill>
-                <a:srgbClr val="44546A">
-                  <a:lumMod val="10000"/>
-                </a:srgbClr>
-              </a:solidFill>
-              <a:effectLst/>
-              <a:uLnTx/>
-              <a:uFillTx/>
-              <a:latin typeface="Arial" charset="0"/>
-              <a:ea typeface="Arial" charset="0"/>
-              <a:cs typeface="Arial" charset="0"/>
-            </a:endParaRPr>
-          </a:p>
-          <a:p>
-            <a:pPr marL="342900" marR="0" lvl="0" indent="-342900" algn="l" defTabSz="457200" rtl="0" eaLnBrk="1" fontAlgn="auto" latinLnBrk="0" hangingPunct="1">
+              <a:t>Develop a predictive model for postnatal depression.</a:t>
+            </a:r>
+          </a:p>
+          <a:p>
+            <a:pPr marL="800100" lvl="1" indent="-342900">
               <a:lnSpc>
                 <a:spcPct val="150000"/>
               </a:lnSpc>
-              <a:spcBef>
-                <a:spcPts val="0"/>
-              </a:spcBef>
-              <a:spcAft>
-                <a:spcPts val="0"/>
-              </a:spcAft>
-              <a:buClrTx/>
               <a:buSzPct val="80000"/>
               <a:buFont typeface="Arial" panose="020B0604020202020204" pitchFamily="34" charset="0"/>
               <a:buChar char="•"/>
-              <a:tabLst/>
-              <a:defRPr/>
-            </a:pPr>
-            <a:r>
-              <a:rPr kumimoji="0" lang="en-US" sz="1800" b="0" i="0" u="none" strike="noStrike" kern="1200" cap="none" spc="0" normalizeH="0" baseline="0" noProof="0" dirty="0">
-                <a:ln>
-                  <a:noFill/>
-                </a:ln>
-                <a:solidFill>
-                  <a:srgbClr val="44546A">
-                    <a:lumMod val="10000"/>
-                  </a:srgbClr>
-                </a:solidFill>
-                <a:effectLst/>
-                <a:uLnTx/>
-                <a:uFillTx/>
-                <a:latin typeface="Arial" charset="0"/>
-                <a:ea typeface="Arial" charset="0"/>
-                <a:cs typeface="Arial" charset="0"/>
-              </a:rPr>
-              <a:t>Goal of Predicting Postnatal Depression:</a:t>
+            </a:pPr>
+            <a:r>
+              <a:rPr kumimoji="0" lang="en-US" b="0" i="0" u="none" strike="noStrike" kern="1200" cap="none" spc="0" normalizeH="0" baseline="0" noProof="0" dirty="0">
+                <a:ln>
+                  <a:noFill/>
+                </a:ln>
+                <a:solidFill>
+                  <a:srgbClr val="44546A">
+                    <a:lumMod val="10000"/>
+                  </a:srgbClr>
+                </a:solidFill>
+                <a:effectLst/>
+                <a:uLnTx/>
+                <a:uFillTx/>
+                <a:latin typeface="Arial" charset="0"/>
+                <a:ea typeface="Arial" charset="0"/>
+                <a:cs typeface="Arial" charset="0"/>
+              </a:rPr>
+              <a:t>Identify key predictors from demographic, mental health, and perceived threat data.</a:t>
             </a:r>
           </a:p>
           <a:p>
@@ -6853,71 +8740,17 @@
                 <a:ea typeface="Arial" charset="0"/>
                 <a:cs typeface="Arial" charset="0"/>
               </a:rPr>
-              <a:t>Develop a model to predict postnatal depression using the Edinburgh Postnatal Depression Scale (EPDS), incorporating pandemic-specific stress factors.</a:t>
-            </a:r>
-            <a:endParaRPr kumimoji="0" lang="en-US" sz="1800" b="0" i="0" u="none" strike="noStrike" kern="1200" cap="none" spc="0" normalizeH="0" baseline="0" noProof="0" dirty="0">
-              <a:ln>
-                <a:noFill/>
-              </a:ln>
-              <a:solidFill>
-                <a:srgbClr val="44546A">
-                  <a:lumMod val="10000"/>
-                </a:srgbClr>
-              </a:solidFill>
-              <a:effectLst/>
-              <a:uLnTx/>
-              <a:uFillTx/>
-              <a:latin typeface="Arial" charset="0"/>
-              <a:ea typeface="Arial" charset="0"/>
-              <a:cs typeface="Arial" charset="0"/>
-            </a:endParaRPr>
-          </a:p>
-          <a:p>
-            <a:pPr marL="342900" marR="0" lvl="0" indent="-342900" algn="l" defTabSz="457200" rtl="0" eaLnBrk="1" fontAlgn="auto" latinLnBrk="0" hangingPunct="1">
+              <a:t>Support healthcare interventions by providing actionable insights.</a:t>
+            </a:r>
+          </a:p>
+          <a:p>
+            <a:pPr marL="800100" lvl="1" indent="-342900">
               <a:lnSpc>
                 <a:spcPct val="150000"/>
               </a:lnSpc>
-              <a:spcBef>
-                <a:spcPts val="0"/>
-              </a:spcBef>
-              <a:spcAft>
-                <a:spcPts val="0"/>
-              </a:spcAft>
-              <a:buClrTx/>
               <a:buSzPct val="80000"/>
               <a:buFont typeface="Arial" panose="020B0604020202020204" pitchFamily="34" charset="0"/>
               <a:buChar char="•"/>
-              <a:tabLst/>
-              <a:defRPr/>
-            </a:pPr>
-            <a:r>
-              <a:rPr kumimoji="0" lang="en-US" sz="1800" b="0" i="0" u="none" strike="noStrike" kern="1200" cap="none" spc="0" normalizeH="0" baseline="0" noProof="0" dirty="0">
-                <a:ln>
-                  <a:noFill/>
-                </a:ln>
-                <a:solidFill>
-                  <a:srgbClr val="44546A">
-                    <a:lumMod val="10000"/>
-                  </a:srgbClr>
-                </a:solidFill>
-                <a:effectLst/>
-                <a:uLnTx/>
-                <a:uFillTx/>
-                <a:latin typeface="Arial" charset="0"/>
-                <a:ea typeface="Arial" charset="0"/>
-                <a:cs typeface="Arial" charset="0"/>
-              </a:rPr>
-              <a:t>Importance of Early Identification:</a:t>
-            </a:r>
-          </a:p>
-          <a:p>
-            <a:pPr marL="800100" lvl="1" indent="-342900">
-              <a:lnSpc>
-                <a:spcPct val="150000"/>
-              </a:lnSpc>
-              <a:buSzPct val="80000"/>
-              <a:buFont typeface="Arial" panose="020B0604020202020204" pitchFamily="34" charset="0"/>
-              <a:buChar char="•"/>
             </a:pPr>
             <a:r>
               <a:rPr kumimoji="0" lang="en-US" b="0" i="0" u="none" strike="noStrike" kern="1200" cap="none" spc="0" normalizeH="0" baseline="0" noProof="0" dirty="0">
@@ -6936,7 +8769,7 @@
                 <a:ea typeface="Arial" charset="0"/>
                 <a:cs typeface="Arial" charset="0"/>
               </a:rPr>
-              <a:t>Early identification of at-risk individuals is crucial for timely intervention, reducing the risk of long-term mental health issues for both mothers and infants.</a:t>
+              <a:t>Enhance maternal and infant health through early detection and support.</a:t>
             </a:r>
           </a:p>
         </p:txBody>
@@ -7011,7 +8844,7 @@
     </p:spTree>
     <p:extLst>
       <p:ext uri="{BB962C8B-B14F-4D97-AF65-F5344CB8AC3E}">
-        <p14:creationId xmlns:p14="http://schemas.microsoft.com/office/powerpoint/2010/main" val="2119980729"/>
+        <p14:creationId xmlns:p14="http://schemas.microsoft.com/office/powerpoint/2010/main" val="4290540766"/>
       </p:ext>
     </p:extLst>
   </p:cSld>
@@ -7106,7 +8939,7 @@
                 <a:ea typeface="Arial" charset="0"/>
                 <a:cs typeface="Arial" charset="0"/>
               </a:rPr>
-              <a:t>Proposed Work</a:t>
+              <a:t>Problem Statement</a:t>
             </a:r>
           </a:p>
         </p:txBody>
@@ -7120,7 +8953,7 @@
         <p:spPr>
           <a:xfrm>
             <a:off x="530874" y="1383408"/>
-            <a:ext cx="10626410" cy="2534027"/>
+            <a:ext cx="10626410" cy="3780522"/>
           </a:xfrm>
           <a:prstGeom prst="rect">
             <a:avLst/>
@@ -7167,8 +9000,53 @@
                 <a:ea typeface="Arial" charset="0"/>
                 <a:cs typeface="Arial" charset="0"/>
               </a:rPr>
-              <a:t>Data Cleaning: Handling missing values and converting categorical variables.</a:t>
-            </a:r>
+              <a:t>Increased Stress During Pregnancy Due to COVID-19:</a:t>
+            </a:r>
+          </a:p>
+          <a:p>
+            <a:pPr marL="800100" lvl="1" indent="-342900">
+              <a:lnSpc>
+                <a:spcPct val="150000"/>
+              </a:lnSpc>
+              <a:buSzPct val="80000"/>
+              <a:buFont typeface="Arial" panose="020B0604020202020204" pitchFamily="34" charset="0"/>
+              <a:buChar char="•"/>
+            </a:pPr>
+            <a:r>
+              <a:rPr kumimoji="0" lang="en-US" b="0" i="0" u="none" strike="noStrike" kern="1200" cap="none" spc="0" normalizeH="0" baseline="0" noProof="0" dirty="0">
+                <a:ln>
+                  <a:noFill/>
+                </a:ln>
+                <a:solidFill>
+                  <a:srgbClr val="44546A">
+                    <a:lumMod val="10000"/>
+                  </a:srgbClr>
+                </a:solidFill>
+                <a:effectLst/>
+                <a:uLnTx/>
+                <a:uFillTx/>
+                <a:latin typeface="Arial" charset="0"/>
+                <a:ea typeface="Arial" charset="0"/>
+                <a:cs typeface="Arial" charset="0"/>
+              </a:rPr>
+              <a:t>The pandemic has significantly elevated stress levels in pregnant individuals, contributing to mental health challenges.</a:t>
+            </a:r>
+            <a:endParaRPr kumimoji="0" lang="en-US" sz="1800" b="0" i="0" u="none" strike="noStrike" kern="1200" cap="none" spc="0" normalizeH="0" baseline="0" noProof="0" dirty="0">
+              <a:ln>
+                <a:noFill/>
+              </a:ln>
+              <a:solidFill>
+                <a:srgbClr val="44546A">
+                  <a:lumMod val="10000"/>
+                </a:srgbClr>
+              </a:solidFill>
+              <a:effectLst/>
+              <a:uLnTx/>
+              <a:uFillTx/>
+              <a:latin typeface="Arial" charset="0"/>
+              <a:ea typeface="Arial" charset="0"/>
+              <a:cs typeface="Arial" charset="0"/>
+            </a:endParaRPr>
           </a:p>
           <a:p>
             <a:pPr marL="342900" marR="0" lvl="0" indent="-342900" algn="l" defTabSz="457200" rtl="0" eaLnBrk="1" fontAlgn="auto" latinLnBrk="0" hangingPunct="1">
@@ -7205,8 +9083,53 @@
                 <a:ea typeface="Arial" charset="0"/>
                 <a:cs typeface="Arial" charset="0"/>
               </a:rPr>
-              <a:t>EDA: Visualizing data relationships and identifying correlations.</a:t>
-            </a:r>
+              <a:t>Goal of Predicting Postnatal Depression:</a:t>
+            </a:r>
+          </a:p>
+          <a:p>
+            <a:pPr marL="800100" lvl="1" indent="-342900">
+              <a:lnSpc>
+                <a:spcPct val="150000"/>
+              </a:lnSpc>
+              <a:buSzPct val="80000"/>
+              <a:buFont typeface="Arial" panose="020B0604020202020204" pitchFamily="34" charset="0"/>
+              <a:buChar char="•"/>
+            </a:pPr>
+            <a:r>
+              <a:rPr kumimoji="0" lang="en-US" b="0" i="0" u="none" strike="noStrike" kern="1200" cap="none" spc="0" normalizeH="0" baseline="0" noProof="0" dirty="0">
+                <a:ln>
+                  <a:noFill/>
+                </a:ln>
+                <a:solidFill>
+                  <a:srgbClr val="44546A">
+                    <a:lumMod val="10000"/>
+                  </a:srgbClr>
+                </a:solidFill>
+                <a:effectLst/>
+                <a:uLnTx/>
+                <a:uFillTx/>
+                <a:latin typeface="Arial" charset="0"/>
+                <a:ea typeface="Arial" charset="0"/>
+                <a:cs typeface="Arial" charset="0"/>
+              </a:rPr>
+              <a:t>Develop a model to predict postnatal depression using the Edinburgh Postnatal Depression Scale (EPDS), incorporating pandemic-specific stress factors.</a:t>
+            </a:r>
+            <a:endParaRPr kumimoji="0" lang="en-US" sz="1800" b="0" i="0" u="none" strike="noStrike" kern="1200" cap="none" spc="0" normalizeH="0" baseline="0" noProof="0" dirty="0">
+              <a:ln>
+                <a:noFill/>
+              </a:ln>
+              <a:solidFill>
+                <a:srgbClr val="44546A">
+                  <a:lumMod val="10000"/>
+                </a:srgbClr>
+              </a:solidFill>
+              <a:effectLst/>
+              <a:uLnTx/>
+              <a:uFillTx/>
+              <a:latin typeface="Arial" charset="0"/>
+              <a:ea typeface="Arial" charset="0"/>
+              <a:cs typeface="Arial" charset="0"/>
+            </a:endParaRPr>
           </a:p>
           <a:p>
             <a:pPr marL="342900" marR="0" lvl="0" indent="-342900" algn="l" defTabSz="457200" rtl="0" eaLnBrk="1" fontAlgn="auto" latinLnBrk="0" hangingPunct="1">
@@ -7243,121 +9166,36 @@
                 <a:ea typeface="Arial" charset="0"/>
                 <a:cs typeface="Arial" charset="0"/>
               </a:rPr>
-              <a:t>Feature Engineering: Selecting relevant features.</a:t>
-            </a:r>
-          </a:p>
-          <a:p>
-            <a:pPr marL="342900" marR="0" lvl="0" indent="-342900" algn="l" defTabSz="457200" rtl="0" eaLnBrk="1" fontAlgn="auto" latinLnBrk="0" hangingPunct="1">
+              <a:t>Importance of Early Identification:</a:t>
+            </a:r>
+          </a:p>
+          <a:p>
+            <a:pPr marL="800100" lvl="1" indent="-342900">
               <a:lnSpc>
                 <a:spcPct val="150000"/>
               </a:lnSpc>
-              <a:spcBef>
-                <a:spcPts val="0"/>
-              </a:spcBef>
-              <a:spcAft>
-                <a:spcPts val="0"/>
-              </a:spcAft>
-              <a:buClrTx/>
               <a:buSzPct val="80000"/>
               <a:buFont typeface="Arial" panose="020B0604020202020204" pitchFamily="34" charset="0"/>
               <a:buChar char="•"/>
-              <a:tabLst/>
-              <a:defRPr/>
-            </a:pPr>
-            <a:r>
-              <a:rPr kumimoji="0" lang="en-US" sz="1800" b="0" i="0" u="none" strike="noStrike" kern="1200" cap="none" spc="0" normalizeH="0" baseline="0" noProof="0" dirty="0">
-                <a:ln>
-                  <a:noFill/>
-                </a:ln>
-                <a:solidFill>
-                  <a:srgbClr val="44546A">
-                    <a:lumMod val="10000"/>
-                  </a:srgbClr>
-                </a:solidFill>
-                <a:effectLst/>
-                <a:uLnTx/>
-                <a:uFillTx/>
-                <a:latin typeface="Arial" charset="0"/>
-                <a:ea typeface="Arial" charset="0"/>
-                <a:cs typeface="Arial" charset="0"/>
-              </a:rPr>
-              <a:t>Modeling: Training and evaluating regression models.</a:t>
-            </a:r>
-          </a:p>
-          <a:p>
-            <a:pPr marL="342900" marR="0" lvl="0" indent="-342900" algn="l" defTabSz="457200" rtl="0" eaLnBrk="1" fontAlgn="auto" latinLnBrk="0" hangingPunct="1">
-              <a:lnSpc>
-                <a:spcPct val="150000"/>
-              </a:lnSpc>
-              <a:spcBef>
-                <a:spcPts val="0"/>
-              </a:spcBef>
-              <a:spcAft>
-                <a:spcPts val="0"/>
-              </a:spcAft>
-              <a:buClrTx/>
-              <a:buSzPct val="80000"/>
-              <a:buFont typeface="Arial" panose="020B0604020202020204" pitchFamily="34" charset="0"/>
-              <a:buChar char="•"/>
-              <a:tabLst/>
-              <a:defRPr/>
-            </a:pPr>
-            <a:r>
-              <a:rPr kumimoji="0" lang="en-US" sz="1800" b="0" i="0" u="none" strike="noStrike" kern="1200" cap="none" spc="0" normalizeH="0" baseline="0" noProof="0" dirty="0">
-                <a:ln>
-                  <a:noFill/>
-                </a:ln>
-                <a:solidFill>
-                  <a:srgbClr val="44546A">
-                    <a:lumMod val="10000"/>
-                  </a:srgbClr>
-                </a:solidFill>
-                <a:effectLst/>
-                <a:uLnTx/>
-                <a:uFillTx/>
-                <a:latin typeface="Arial" charset="0"/>
-                <a:ea typeface="Arial" charset="0"/>
-                <a:cs typeface="Arial" charset="0"/>
-              </a:rPr>
-              <a:t>Evaluation: Using MSE and R² metrics.</a:t>
-            </a:r>
-          </a:p>
-          <a:p>
-            <a:pPr marL="342900" marR="0" lvl="0" indent="-342900" algn="l" defTabSz="457200" rtl="0" eaLnBrk="1" fontAlgn="auto" latinLnBrk="0" hangingPunct="1">
-              <a:lnSpc>
-                <a:spcPct val="150000"/>
-              </a:lnSpc>
-              <a:spcBef>
-                <a:spcPts val="0"/>
-              </a:spcBef>
-              <a:spcAft>
-                <a:spcPts val="0"/>
-              </a:spcAft>
-              <a:buClrTx/>
-              <a:buSzPct val="80000"/>
-              <a:buFont typeface="Arial" panose="020B0604020202020204" pitchFamily="34" charset="0"/>
-              <a:buChar char="•"/>
-              <a:tabLst/>
-              <a:defRPr/>
-            </a:pPr>
-            <a:r>
-              <a:rPr kumimoji="0" lang="en-US" sz="1800" b="0" i="0" u="none" strike="noStrike" kern="1200" cap="none" spc="0" normalizeH="0" baseline="0" noProof="0" dirty="0">
-                <a:ln>
-                  <a:noFill/>
-                </a:ln>
-                <a:solidFill>
-                  <a:srgbClr val="44546A">
-                    <a:lumMod val="10000"/>
-                  </a:srgbClr>
-                </a:solidFill>
-                <a:effectLst/>
-                <a:uLnTx/>
-                <a:uFillTx/>
-                <a:latin typeface="Arial" charset="0"/>
-                <a:ea typeface="Arial" charset="0"/>
-                <a:cs typeface="Arial" charset="0"/>
-              </a:rPr>
-              <a:t>Feature Importance: Identifying key features using the Random Forest model.</a:t>
+            </a:pPr>
+            <a:r>
+              <a:rPr kumimoji="0" lang="en-US" b="0" i="0" u="none" strike="noStrike" kern="1200" cap="none" spc="0" normalizeH="0" baseline="0" noProof="0" dirty="0">
+                <a:ln>
+                  <a:noFill/>
+                </a:ln>
+                <a:solidFill>
+                  <a:srgbClr val="44546A">
+                    <a:lumMod val="10000"/>
+                  </a:srgbClr>
+                </a:solidFill>
+                <a:effectLst/>
+                <a:uLnTx/>
+                <a:uFillTx/>
+                <a:latin typeface="Arial" charset="0"/>
+                <a:ea typeface="Arial" charset="0"/>
+                <a:cs typeface="Arial" charset="0"/>
+              </a:rPr>
+              <a:t>Early identification of at-risk individuals is crucial for timely intervention, reducing the risk of long-term mental health issues for both mothers and infants.</a:t>
             </a:r>
           </a:p>
         </p:txBody>
@@ -7432,7 +9270,7 @@
     </p:spTree>
     <p:extLst>
       <p:ext uri="{BB962C8B-B14F-4D97-AF65-F5344CB8AC3E}">
-        <p14:creationId xmlns:p14="http://schemas.microsoft.com/office/powerpoint/2010/main" val="1831330473"/>
+        <p14:creationId xmlns:p14="http://schemas.microsoft.com/office/powerpoint/2010/main" val="2119980729"/>
       </p:ext>
     </p:extLst>
   </p:cSld>
@@ -7527,7 +9365,7 @@
                 <a:ea typeface="Arial" charset="0"/>
                 <a:cs typeface="Arial" charset="0"/>
               </a:rPr>
-              <a:t>Evaluation Plan</a:t>
+              <a:t>Proposed Work</a:t>
             </a:r>
           </a:p>
         </p:txBody>
@@ -7541,7 +9379,7 @@
         <p:spPr>
           <a:xfrm>
             <a:off x="530874" y="1383408"/>
-            <a:ext cx="10626410" cy="1287532"/>
+            <a:ext cx="10626410" cy="2534027"/>
           </a:xfrm>
           <a:prstGeom prst="rect">
             <a:avLst/>
@@ -7588,7 +9426,7 @@
                 <a:ea typeface="Arial" charset="0"/>
                 <a:cs typeface="Arial" charset="0"/>
               </a:rPr>
-              <a:t>Metrics for assessing model performance: MSE and R².</a:t>
+              <a:t>Data Cleaning: Handling missing values and converting categorical variables.</a:t>
             </a:r>
           </a:p>
           <a:p>
@@ -7626,7 +9464,7 @@
                 <a:ea typeface="Arial" charset="0"/>
                 <a:cs typeface="Arial" charset="0"/>
               </a:rPr>
-              <a:t>Criteria for success: low MSE, high R², and actionable insights.</a:t>
+              <a:t>EDA: Visualizing data relationships and identifying correlations.</a:t>
             </a:r>
           </a:p>
           <a:p>
@@ -7664,7 +9502,121 @@
                 <a:ea typeface="Arial" charset="0"/>
                 <a:cs typeface="Arial" charset="0"/>
               </a:rPr>
-              <a:t>Importance of feature importance analysis for refining the model.</a:t>
+              <a:t>Feature Engineering: Selecting relevant features.</a:t>
+            </a:r>
+          </a:p>
+          <a:p>
+            <a:pPr marL="342900" marR="0" lvl="0" indent="-342900" algn="l" defTabSz="457200" rtl="0" eaLnBrk="1" fontAlgn="auto" latinLnBrk="0" hangingPunct="1">
+              <a:lnSpc>
+                <a:spcPct val="150000"/>
+              </a:lnSpc>
+              <a:spcBef>
+                <a:spcPts val="0"/>
+              </a:spcBef>
+              <a:spcAft>
+                <a:spcPts val="0"/>
+              </a:spcAft>
+              <a:buClrTx/>
+              <a:buSzPct val="80000"/>
+              <a:buFont typeface="Arial" panose="020B0604020202020204" pitchFamily="34" charset="0"/>
+              <a:buChar char="•"/>
+              <a:tabLst/>
+              <a:defRPr/>
+            </a:pPr>
+            <a:r>
+              <a:rPr kumimoji="0" lang="en-US" sz="1800" b="0" i="0" u="none" strike="noStrike" kern="1200" cap="none" spc="0" normalizeH="0" baseline="0" noProof="0" dirty="0">
+                <a:ln>
+                  <a:noFill/>
+                </a:ln>
+                <a:solidFill>
+                  <a:srgbClr val="44546A">
+                    <a:lumMod val="10000"/>
+                  </a:srgbClr>
+                </a:solidFill>
+                <a:effectLst/>
+                <a:uLnTx/>
+                <a:uFillTx/>
+                <a:latin typeface="Arial" charset="0"/>
+                <a:ea typeface="Arial" charset="0"/>
+                <a:cs typeface="Arial" charset="0"/>
+              </a:rPr>
+              <a:t>Modeling: Training and evaluating regression models.</a:t>
+            </a:r>
+          </a:p>
+          <a:p>
+            <a:pPr marL="342900" marR="0" lvl="0" indent="-342900" algn="l" defTabSz="457200" rtl="0" eaLnBrk="1" fontAlgn="auto" latinLnBrk="0" hangingPunct="1">
+              <a:lnSpc>
+                <a:spcPct val="150000"/>
+              </a:lnSpc>
+              <a:spcBef>
+                <a:spcPts val="0"/>
+              </a:spcBef>
+              <a:spcAft>
+                <a:spcPts val="0"/>
+              </a:spcAft>
+              <a:buClrTx/>
+              <a:buSzPct val="80000"/>
+              <a:buFont typeface="Arial" panose="020B0604020202020204" pitchFamily="34" charset="0"/>
+              <a:buChar char="•"/>
+              <a:tabLst/>
+              <a:defRPr/>
+            </a:pPr>
+            <a:r>
+              <a:rPr kumimoji="0" lang="en-US" sz="1800" b="0" i="0" u="none" strike="noStrike" kern="1200" cap="none" spc="0" normalizeH="0" baseline="0" noProof="0" dirty="0">
+                <a:ln>
+                  <a:noFill/>
+                </a:ln>
+                <a:solidFill>
+                  <a:srgbClr val="44546A">
+                    <a:lumMod val="10000"/>
+                  </a:srgbClr>
+                </a:solidFill>
+                <a:effectLst/>
+                <a:uLnTx/>
+                <a:uFillTx/>
+                <a:latin typeface="Arial" charset="0"/>
+                <a:ea typeface="Arial" charset="0"/>
+                <a:cs typeface="Arial" charset="0"/>
+              </a:rPr>
+              <a:t>Evaluation: Using MSE and R² metrics.</a:t>
+            </a:r>
+          </a:p>
+          <a:p>
+            <a:pPr marL="342900" marR="0" lvl="0" indent="-342900" algn="l" defTabSz="457200" rtl="0" eaLnBrk="1" fontAlgn="auto" latinLnBrk="0" hangingPunct="1">
+              <a:lnSpc>
+                <a:spcPct val="150000"/>
+              </a:lnSpc>
+              <a:spcBef>
+                <a:spcPts val="0"/>
+              </a:spcBef>
+              <a:spcAft>
+                <a:spcPts val="0"/>
+              </a:spcAft>
+              <a:buClrTx/>
+              <a:buSzPct val="80000"/>
+              <a:buFont typeface="Arial" panose="020B0604020202020204" pitchFamily="34" charset="0"/>
+              <a:buChar char="•"/>
+              <a:tabLst/>
+              <a:defRPr/>
+            </a:pPr>
+            <a:r>
+              <a:rPr kumimoji="0" lang="en-US" sz="1800" b="0" i="0" u="none" strike="noStrike" kern="1200" cap="none" spc="0" normalizeH="0" baseline="0" noProof="0" dirty="0">
+                <a:ln>
+                  <a:noFill/>
+                </a:ln>
+                <a:solidFill>
+                  <a:srgbClr val="44546A">
+                    <a:lumMod val="10000"/>
+                  </a:srgbClr>
+                </a:solidFill>
+                <a:effectLst/>
+                <a:uLnTx/>
+                <a:uFillTx/>
+                <a:latin typeface="Arial" charset="0"/>
+                <a:ea typeface="Arial" charset="0"/>
+                <a:cs typeface="Arial" charset="0"/>
+              </a:rPr>
+              <a:t>Feature Importance: Identifying key features using the Random Forest model.</a:t>
             </a:r>
           </a:p>
         </p:txBody>
@@ -7739,7 +9691,7 @@
     </p:spTree>
     <p:extLst>
       <p:ext uri="{BB962C8B-B14F-4D97-AF65-F5344CB8AC3E}">
-        <p14:creationId xmlns:p14="http://schemas.microsoft.com/office/powerpoint/2010/main" val="1974734507"/>
+        <p14:creationId xmlns:p14="http://schemas.microsoft.com/office/powerpoint/2010/main" val="1831330473"/>
       </p:ext>
     </p:extLst>
   </p:cSld>
@@ -7834,7 +9786,7 @@
                 <a:ea typeface="Arial" charset="0"/>
                 <a:cs typeface="Arial" charset="0"/>
               </a:rPr>
-              <a:t>Timeline</a:t>
+              <a:t>Evaluation Plan</a:t>
             </a:r>
           </a:p>
         </p:txBody>
@@ -7848,7 +9800,7 @@
         <p:spPr>
           <a:xfrm>
             <a:off x="530874" y="1383408"/>
-            <a:ext cx="10626410" cy="2118529"/>
+            <a:ext cx="10626410" cy="1287532"/>
           </a:xfrm>
           <a:prstGeom prst="rect">
             <a:avLst/>
@@ -7895,7 +9847,7 @@
                 <a:ea typeface="Arial" charset="0"/>
                 <a:cs typeface="Arial" charset="0"/>
               </a:rPr>
-              <a:t>Week 3: Data Cleaning and Preparation</a:t>
+              <a:t>Metrics for assessing model performance: MSE and R².</a:t>
             </a:r>
           </a:p>
           <a:p>
@@ -7933,7 +9885,7 @@
                 <a:ea typeface="Arial" charset="0"/>
                 <a:cs typeface="Arial" charset="0"/>
               </a:rPr>
-              <a:t>Week 4: Exploratory Data Analysis and Feature Engineering</a:t>
+              <a:t>Criteria for success: low MSE, high R², and actionable insights.</a:t>
             </a:r>
           </a:p>
           <a:p>
@@ -7971,83 +9923,7 @@
                 <a:ea typeface="Arial" charset="0"/>
                 <a:cs typeface="Arial" charset="0"/>
               </a:rPr>
-              <a:t>Week 5: Model Training and Initial Evaluation</a:t>
-            </a:r>
-          </a:p>
-          <a:p>
-            <a:pPr marL="342900" marR="0" lvl="0" indent="-342900" algn="l" defTabSz="457200" rtl="0" eaLnBrk="1" fontAlgn="auto" latinLnBrk="0" hangingPunct="1">
-              <a:lnSpc>
-                <a:spcPct val="150000"/>
-              </a:lnSpc>
-              <a:spcBef>
-                <a:spcPts val="0"/>
-              </a:spcBef>
-              <a:spcAft>
-                <a:spcPts val="0"/>
-              </a:spcAft>
-              <a:buClrTx/>
-              <a:buSzPct val="80000"/>
-              <a:buFont typeface="Arial" panose="020B0604020202020204" pitchFamily="34" charset="0"/>
-              <a:buChar char="•"/>
-              <a:tabLst/>
-              <a:defRPr/>
-            </a:pPr>
-            <a:r>
-              <a:rPr kumimoji="0" lang="en-US" sz="1800" b="0" i="0" u="none" strike="noStrike" kern="1200" cap="none" spc="0" normalizeH="0" baseline="0" noProof="0" dirty="0">
-                <a:ln>
-                  <a:noFill/>
-                </a:ln>
-                <a:solidFill>
-                  <a:srgbClr val="44546A">
-                    <a:lumMod val="10000"/>
-                  </a:srgbClr>
-                </a:solidFill>
-                <a:effectLst/>
-                <a:uLnTx/>
-                <a:uFillTx/>
-                <a:latin typeface="Arial" charset="0"/>
-                <a:ea typeface="Arial" charset="0"/>
-                <a:cs typeface="Arial" charset="0"/>
-              </a:rPr>
-              <a:t>Week 6: Model Refinement and Feature Importance Analysis</a:t>
-            </a:r>
-          </a:p>
-          <a:p>
-            <a:pPr marL="342900" marR="0" lvl="0" indent="-342900" algn="l" defTabSz="457200" rtl="0" eaLnBrk="1" fontAlgn="auto" latinLnBrk="0" hangingPunct="1">
-              <a:lnSpc>
-                <a:spcPct val="150000"/>
-              </a:lnSpc>
-              <a:spcBef>
-                <a:spcPts val="0"/>
-              </a:spcBef>
-              <a:spcAft>
-                <a:spcPts val="0"/>
-              </a:spcAft>
-              <a:buClrTx/>
-              <a:buSzPct val="80000"/>
-              <a:buFont typeface="Arial" panose="020B0604020202020204" pitchFamily="34" charset="0"/>
-              <a:buChar char="•"/>
-              <a:tabLst/>
-              <a:defRPr/>
-            </a:pPr>
-            <a:r>
-              <a:rPr kumimoji="0" lang="en-US" sz="1800" b="0" i="0" u="none" strike="noStrike" kern="1200" cap="none" spc="0" normalizeH="0" baseline="0" noProof="0" dirty="0">
-                <a:ln>
-                  <a:noFill/>
-                </a:ln>
-                <a:solidFill>
-                  <a:srgbClr val="44546A">
-                    <a:lumMod val="10000"/>
-                  </a:srgbClr>
-                </a:solidFill>
-                <a:effectLst/>
-                <a:uLnTx/>
-                <a:uFillTx/>
-                <a:latin typeface="Arial" charset="0"/>
-                <a:ea typeface="Arial" charset="0"/>
-                <a:cs typeface="Arial" charset="0"/>
-              </a:rPr>
-              <a:t>Week 7: Final Evaluation and Report Preparation</a:t>
+              <a:t>Importance of feature importance analysis for refining the model.</a:t>
             </a:r>
           </a:p>
         </p:txBody>
@@ -8122,7 +9998,7 @@
     </p:spTree>
     <p:extLst>
       <p:ext uri="{BB962C8B-B14F-4D97-AF65-F5344CB8AC3E}">
-        <p14:creationId xmlns:p14="http://schemas.microsoft.com/office/powerpoint/2010/main" val="720350270"/>
+        <p14:creationId xmlns:p14="http://schemas.microsoft.com/office/powerpoint/2010/main" val="1974734507"/>
       </p:ext>
     </p:extLst>
   </p:cSld>
@@ -8217,7 +10093,7 @@
                 <a:ea typeface="Arial" charset="0"/>
                 <a:cs typeface="Arial" charset="0"/>
               </a:rPr>
-              <a:t>Process 1</a:t>
+              <a:t>Timeline</a:t>
             </a:r>
           </a:p>
         </p:txBody>
@@ -8231,7 +10107,7 @@
         <p:spPr>
           <a:xfrm>
             <a:off x="530874" y="1383408"/>
-            <a:ext cx="10626410" cy="1703030"/>
+            <a:ext cx="10626410" cy="2118529"/>
           </a:xfrm>
           <a:prstGeom prst="rect">
             <a:avLst/>
@@ -8278,7 +10154,7 @@
                 <a:ea typeface="Arial" charset="0"/>
                 <a:cs typeface="Arial" charset="0"/>
               </a:rPr>
-              <a:t>Completed data cleaning and preprocessing.</a:t>
+              <a:t>Week 3: Data Cleaning and Preparation</a:t>
             </a:r>
           </a:p>
           <a:p>
@@ -8316,7 +10192,7 @@
                 <a:ea typeface="Arial" charset="0"/>
                 <a:cs typeface="Arial" charset="0"/>
               </a:rPr>
-              <a:t>Performed exploratory data analysis (EDA) and visualized relationships.</a:t>
+              <a:t>Week 4: Exploratory Data Analysis and Feature Engineering</a:t>
             </a:r>
           </a:p>
           <a:p>
@@ -8354,7 +10230,7 @@
                 <a:ea typeface="Arial" charset="0"/>
                 <a:cs typeface="Arial" charset="0"/>
               </a:rPr>
-              <a:t>Trained and evaluated Linear Regression and Random Forest models.</a:t>
+              <a:t>Week 5: Model Training and Initial Evaluation</a:t>
             </a:r>
           </a:p>
           <a:p>
@@ -8392,7 +10268,45 @@
                 <a:ea typeface="Arial" charset="0"/>
                 <a:cs typeface="Arial" charset="0"/>
               </a:rPr>
-              <a:t>Assessed model performance using MSE and R².</a:t>
+              <a:t>Week 6: Model Refinement and Feature Importance Analysis</a:t>
+            </a:r>
+          </a:p>
+          <a:p>
+            <a:pPr marL="342900" marR="0" lvl="0" indent="-342900" algn="l" defTabSz="457200" rtl="0" eaLnBrk="1" fontAlgn="auto" latinLnBrk="0" hangingPunct="1">
+              <a:lnSpc>
+                <a:spcPct val="150000"/>
+              </a:lnSpc>
+              <a:spcBef>
+                <a:spcPts val="0"/>
+              </a:spcBef>
+              <a:spcAft>
+                <a:spcPts val="0"/>
+              </a:spcAft>
+              <a:buClrTx/>
+              <a:buSzPct val="80000"/>
+              <a:buFont typeface="Arial" panose="020B0604020202020204" pitchFamily="34" charset="0"/>
+              <a:buChar char="•"/>
+              <a:tabLst/>
+              <a:defRPr/>
+            </a:pPr>
+            <a:r>
+              <a:rPr kumimoji="0" lang="en-US" sz="1800" b="0" i="0" u="none" strike="noStrike" kern="1200" cap="none" spc="0" normalizeH="0" baseline="0" noProof="0" dirty="0">
+                <a:ln>
+                  <a:noFill/>
+                </a:ln>
+                <a:solidFill>
+                  <a:srgbClr val="44546A">
+                    <a:lumMod val="10000"/>
+                  </a:srgbClr>
+                </a:solidFill>
+                <a:effectLst/>
+                <a:uLnTx/>
+                <a:uFillTx/>
+                <a:latin typeface="Arial" charset="0"/>
+                <a:ea typeface="Arial" charset="0"/>
+                <a:cs typeface="Arial" charset="0"/>
+              </a:rPr>
+              <a:t>Week 7: Final Evaluation and Report Preparation</a:t>
             </a:r>
           </a:p>
         </p:txBody>
@@ -8464,48 +10378,10 @@
           </a:p>
         </p:txBody>
       </p:sp>
-      <p:sp>
-        <p:nvSpPr>
-          <p:cNvPr id="3" name="TextBox 2">
-            <a:extLst>
-              <a:ext uri="{FF2B5EF4-FFF2-40B4-BE49-F238E27FC236}">
-                <a16:creationId xmlns:a16="http://schemas.microsoft.com/office/drawing/2014/main" id="{1090388D-2836-2637-0CC4-BF26C8CC4C93}"/>
-              </a:ext>
-            </a:extLst>
-          </p:cNvPr>
-          <p:cNvSpPr txBox="1"/>
-          <p:nvPr/>
-        </p:nvSpPr>
-        <p:spPr>
-          <a:xfrm rot="2208168">
-            <a:off x="2075688" y="2898648"/>
-            <a:ext cx="6896427" cy="369332"/>
-          </a:xfrm>
-          <a:prstGeom prst="rect">
-            <a:avLst/>
-          </a:prstGeom>
-          <a:solidFill>
-            <a:srgbClr val="C5AA76"/>
-          </a:solidFill>
-        </p:spPr>
-        <p:txBody>
-          <a:bodyPr wrap="square" rtlCol="0">
-            <a:spAutoFit/>
-          </a:bodyPr>
-          <a:lstStyle/>
-          <a:p>
-            <a:pPr algn="ctr"/>
-            <a:r>
-              <a:rPr lang="en-US" dirty="0"/>
-              <a:t>UPDATE</a:t>
-            </a:r>
-          </a:p>
-        </p:txBody>
-      </p:sp>
     </p:spTree>
     <p:extLst>
       <p:ext uri="{BB962C8B-B14F-4D97-AF65-F5344CB8AC3E}">
-        <p14:creationId xmlns:p14="http://schemas.microsoft.com/office/powerpoint/2010/main" val="2308121687"/>
+        <p14:creationId xmlns:p14="http://schemas.microsoft.com/office/powerpoint/2010/main" val="720350270"/>
       </p:ext>
     </p:extLst>
   </p:cSld>

--- a/Data Mining/5506 Data Mining Project/m_4/m4_project_final_report_slides.pptx
+++ b/Data Mining/5506 Data Mining Project/m_4/m4_project_final_report_slides.pptx
@@ -5,7 +5,7 @@
     <p:sldMasterId id="2147483696" r:id="rId1"/>
   </p:sldMasterIdLst>
   <p:notesMasterIdLst>
-    <p:notesMasterId r:id="rId17"/>
+    <p:notesMasterId r:id="rId18"/>
   </p:notesMasterIdLst>
   <p:sldIdLst>
     <p:sldId id="256" r:id="rId2"/>
@@ -22,7 +22,8 @@
     <p:sldId id="272" r:id="rId13"/>
     <p:sldId id="273" r:id="rId14"/>
     <p:sldId id="274" r:id="rId15"/>
-    <p:sldId id="267" r:id="rId16"/>
+    <p:sldId id="276" r:id="rId16"/>
+    <p:sldId id="267" r:id="rId17"/>
   </p:sldIdLst>
   <p:sldSz cx="12192000" cy="6858000"/>
   <p:notesSz cx="6858000" cy="9144000"/>
@@ -211,7 +212,7 @@
           <a:p>
             <a:fld id="{F18D53F9-F4A4-4574-A8EF-ACCCCF66CE64}" type="datetimeFigureOut">
               <a:rPr lang="en-US" smtClean="0"/>
-              <a:t>7/14/2024</a:t>
+              <a:t>7/18/2024</a:t>
             </a:fld>
             <a:endParaRPr lang="en-US"/>
           </a:p>
@@ -609,7 +610,7 @@
           <a:p>
             <a:fld id="{7EF88AAE-C86C-1E44-B69A-7594543F44FA}" type="datetimeFigureOut">
               <a:rPr lang="en-US" smtClean="0"/>
-              <a:t>7/14/2024</a:t>
+              <a:t>7/18/2024</a:t>
             </a:fld>
             <a:endParaRPr lang="en-US"/>
           </a:p>
@@ -779,7 +780,7 @@
           <a:p>
             <a:fld id="{7EF88AAE-C86C-1E44-B69A-7594543F44FA}" type="datetimeFigureOut">
               <a:rPr lang="en-US" smtClean="0"/>
-              <a:t>7/14/2024</a:t>
+              <a:t>7/18/2024</a:t>
             </a:fld>
             <a:endParaRPr lang="en-US"/>
           </a:p>
@@ -959,7 +960,7 @@
           <a:p>
             <a:fld id="{7EF88AAE-C86C-1E44-B69A-7594543F44FA}" type="datetimeFigureOut">
               <a:rPr lang="en-US" smtClean="0"/>
-              <a:t>7/14/2024</a:t>
+              <a:t>7/18/2024</a:t>
             </a:fld>
             <a:endParaRPr lang="en-US"/>
           </a:p>
@@ -1129,7 +1130,7 @@
           <a:p>
             <a:fld id="{7EF88AAE-C86C-1E44-B69A-7594543F44FA}" type="datetimeFigureOut">
               <a:rPr lang="en-US" smtClean="0"/>
-              <a:t>7/14/2024</a:t>
+              <a:t>7/18/2024</a:t>
             </a:fld>
             <a:endParaRPr lang="en-US"/>
           </a:p>
@@ -1375,7 +1376,7 @@
           <a:p>
             <a:fld id="{7EF88AAE-C86C-1E44-B69A-7594543F44FA}" type="datetimeFigureOut">
               <a:rPr lang="en-US" smtClean="0"/>
-              <a:t>7/14/2024</a:t>
+              <a:t>7/18/2024</a:t>
             </a:fld>
             <a:endParaRPr lang="en-US"/>
           </a:p>
@@ -1607,7 +1608,7 @@
           <a:p>
             <a:fld id="{7EF88AAE-C86C-1E44-B69A-7594543F44FA}" type="datetimeFigureOut">
               <a:rPr lang="en-US" smtClean="0"/>
-              <a:t>7/14/2024</a:t>
+              <a:t>7/18/2024</a:t>
             </a:fld>
             <a:endParaRPr lang="en-US"/>
           </a:p>
@@ -1974,7 +1975,7 @@
           <a:p>
             <a:fld id="{7EF88AAE-C86C-1E44-B69A-7594543F44FA}" type="datetimeFigureOut">
               <a:rPr lang="en-US" smtClean="0"/>
-              <a:t>7/14/2024</a:t>
+              <a:t>7/18/2024</a:t>
             </a:fld>
             <a:endParaRPr lang="en-US"/>
           </a:p>
@@ -2092,7 +2093,7 @@
           <a:p>
             <a:fld id="{7EF88AAE-C86C-1E44-B69A-7594543F44FA}" type="datetimeFigureOut">
               <a:rPr lang="en-US" smtClean="0"/>
-              <a:t>7/14/2024</a:t>
+              <a:t>7/18/2024</a:t>
             </a:fld>
             <a:endParaRPr lang="en-US"/>
           </a:p>
@@ -2187,7 +2188,7 @@
           <a:p>
             <a:fld id="{7EF88AAE-C86C-1E44-B69A-7594543F44FA}" type="datetimeFigureOut">
               <a:rPr lang="en-US" smtClean="0"/>
-              <a:t>7/14/2024</a:t>
+              <a:t>7/18/2024</a:t>
             </a:fld>
             <a:endParaRPr lang="en-US"/>
           </a:p>
@@ -2464,7 +2465,7 @@
           <a:p>
             <a:fld id="{7EF88AAE-C86C-1E44-B69A-7594543F44FA}" type="datetimeFigureOut">
               <a:rPr lang="en-US" smtClean="0"/>
-              <a:t>7/14/2024</a:t>
+              <a:t>7/18/2024</a:t>
             </a:fld>
             <a:endParaRPr lang="en-US"/>
           </a:p>
@@ -2721,7 +2722,7 @@
           <a:p>
             <a:fld id="{7EF88AAE-C86C-1E44-B69A-7594543F44FA}" type="datetimeFigureOut">
               <a:rPr lang="en-US" smtClean="0"/>
-              <a:t>7/14/2024</a:t>
+              <a:t>7/18/2024</a:t>
             </a:fld>
             <a:endParaRPr lang="en-US"/>
           </a:p>
@@ -2934,7 +2935,7 @@
           <a:p>
             <a:fld id="{7EF88AAE-C86C-1E44-B69A-7594543F44FA}" type="datetimeFigureOut">
               <a:rPr lang="en-US" smtClean="0"/>
-              <a:t>7/14/2024</a:t>
+              <a:t>7/18/2024</a:t>
             </a:fld>
             <a:endParaRPr lang="en-US"/>
           </a:p>
@@ -6125,7 +6126,7 @@
         <p:spPr>
           <a:xfrm>
             <a:off x="530874" y="1383408"/>
-            <a:ext cx="10626410" cy="1703030"/>
+            <a:ext cx="10626410" cy="1287532"/>
           </a:xfrm>
           <a:prstGeom prst="rect">
             <a:avLst/>
@@ -6156,23 +6157,17 @@
               <a:defRPr/>
             </a:pPr>
             <a:r>
-              <a:rPr kumimoji="0" lang="en-US" sz="1800" b="0" i="0" u="none" strike="noStrike" kern="1200" cap="none" spc="0" normalizeH="0" baseline="0" noProof="0" dirty="0">
-                <a:ln>
-                  <a:noFill/>
-                </a:ln>
-                <a:solidFill>
-                  <a:srgbClr val="44546A">
-                    <a:lumMod val="10000"/>
-                  </a:srgbClr>
-                </a:solidFill>
-                <a:effectLst/>
-                <a:uLnTx/>
-                <a:uFillTx/>
-                <a:latin typeface="Arial" charset="0"/>
-                <a:ea typeface="Arial" charset="0"/>
-                <a:cs typeface="Arial" charset="0"/>
-              </a:rPr>
-              <a:t>Completed data cleaning and preprocessing.</a:t>
+              <a:rPr lang="en-US" dirty="0">
+                <a:solidFill>
+                  <a:srgbClr val="44546A">
+                    <a:lumMod val="10000"/>
+                  </a:srgbClr>
+                </a:solidFill>
+                <a:latin typeface="Arial" charset="0"/>
+                <a:ea typeface="Arial" charset="0"/>
+                <a:cs typeface="Arial" charset="0"/>
+              </a:rPr>
+              <a:t>The linear model performed better than the random forest</a:t>
             </a:r>
           </a:p>
           <a:p>
@@ -6210,7 +6205,52 @@
                 <a:ea typeface="Arial" charset="0"/>
                 <a:cs typeface="Arial" charset="0"/>
               </a:rPr>
-              <a:t>Performed exploratory data analysis (EDA) and visualized relationships.</a:t>
+              <a:t>The key </a:t>
+            </a:r>
+            <a:r>
+              <a:rPr kumimoji="0" lang="en-US" sz="1800" b="0" i="0" u="none" strike="noStrike" kern="1200" cap="none" spc="0" normalizeH="0" baseline="0" noProof="0" dirty="0" err="1">
+                <a:ln>
+                  <a:noFill/>
+                </a:ln>
+                <a:solidFill>
+                  <a:srgbClr val="44546A">
+                    <a:lumMod val="10000"/>
+                  </a:srgbClr>
+                </a:solidFill>
+                <a:effectLst/>
+                <a:uLnTx/>
+                <a:uFillTx/>
+                <a:latin typeface="Arial" charset="0"/>
+                <a:ea typeface="Arial" charset="0"/>
+                <a:cs typeface="Arial" charset="0"/>
+              </a:rPr>
+              <a:t>indi</a:t>
+            </a:r>
+            <a:r>
+              <a:rPr lang="en-US" dirty="0" err="1">
+                <a:solidFill>
+                  <a:srgbClr val="44546A">
+                    <a:lumMod val="10000"/>
+                  </a:srgbClr>
+                </a:solidFill>
+                <a:latin typeface="Arial" charset="0"/>
+                <a:ea typeface="Arial" charset="0"/>
+                <a:cs typeface="Arial" charset="0"/>
+              </a:rPr>
+              <a:t>cator</a:t>
+            </a:r>
+            <a:r>
+              <a:rPr lang="en-US" dirty="0">
+                <a:solidFill>
+                  <a:srgbClr val="44546A">
+                    <a:lumMod val="10000"/>
+                  </a:srgbClr>
+                </a:solidFill>
+                <a:latin typeface="Arial" charset="0"/>
+                <a:ea typeface="Arial" charset="0"/>
+                <a:cs typeface="Arial" charset="0"/>
+              </a:rPr>
+              <a:t> of postnatal anxiety is prenatal anxiety</a:t>
             </a:r>
           </a:p>
           <a:p>
@@ -6231,63 +6271,22 @@
               <a:tabLst/>
               <a:defRPr/>
             </a:pPr>
-            <a:r>
-              <a:rPr kumimoji="0" lang="en-US" sz="1800" b="0" i="0" u="none" strike="noStrike" kern="1200" cap="none" spc="0" normalizeH="0" baseline="0" noProof="0" dirty="0">
-                <a:ln>
-                  <a:noFill/>
-                </a:ln>
-                <a:solidFill>
-                  <a:srgbClr val="44546A">
-                    <a:lumMod val="10000"/>
-                  </a:srgbClr>
-                </a:solidFill>
-                <a:effectLst/>
-                <a:uLnTx/>
-                <a:uFillTx/>
-                <a:latin typeface="Arial" charset="0"/>
-                <a:ea typeface="Arial" charset="0"/>
-                <a:cs typeface="Arial" charset="0"/>
-              </a:rPr>
-              <a:t>Trained and evaluated Linear Regression and Random Forest models.</a:t>
-            </a:r>
-          </a:p>
-          <a:p>
-            <a:pPr marL="342900" marR="0" lvl="0" indent="-342900" algn="l" defTabSz="457200" rtl="0" eaLnBrk="1" fontAlgn="auto" latinLnBrk="0" hangingPunct="1">
-              <a:lnSpc>
-                <a:spcPct val="150000"/>
-              </a:lnSpc>
-              <a:spcBef>
-                <a:spcPts val="0"/>
-              </a:spcBef>
-              <a:spcAft>
-                <a:spcPts val="0"/>
-              </a:spcAft>
-              <a:buClrTx/>
-              <a:buSzPct val="80000"/>
-              <a:buFont typeface="Arial" panose="020B0604020202020204" pitchFamily="34" charset="0"/>
-              <a:buChar char="•"/>
-              <a:tabLst/>
-              <a:defRPr/>
-            </a:pPr>
-            <a:r>
-              <a:rPr kumimoji="0" lang="en-US" sz="1800" b="0" i="0" u="none" strike="noStrike" kern="1200" cap="none" spc="0" normalizeH="0" baseline="0" noProof="0" dirty="0">
-                <a:ln>
-                  <a:noFill/>
-                </a:ln>
-                <a:solidFill>
-                  <a:srgbClr val="44546A">
-                    <a:lumMod val="10000"/>
-                  </a:srgbClr>
-                </a:solidFill>
-                <a:effectLst/>
-                <a:uLnTx/>
-                <a:uFillTx/>
-                <a:latin typeface="Arial" charset="0"/>
-                <a:ea typeface="Arial" charset="0"/>
-                <a:cs typeface="Arial" charset="0"/>
-              </a:rPr>
-              <a:t>Assessed model performance using MSE and R².</a:t>
-            </a:r>
+            <a:endParaRPr kumimoji="0" lang="en-US" sz="1800" b="0" i="0" u="none" strike="noStrike" kern="1200" cap="none" spc="0" normalizeH="0" baseline="0" noProof="0" dirty="0">
+              <a:ln>
+                <a:noFill/>
+              </a:ln>
+              <a:solidFill>
+                <a:srgbClr val="44546A">
+                  <a:lumMod val="10000"/>
+                </a:srgbClr>
+              </a:solidFill>
+              <a:effectLst/>
+              <a:uLnTx/>
+              <a:uFillTx/>
+              <a:latin typeface="Arial" charset="0"/>
+              <a:ea typeface="Arial" charset="0"/>
+              <a:cs typeface="Arial" charset="0"/>
+            </a:endParaRPr>
           </a:p>
         </p:txBody>
       </p:sp>
@@ -6354,73 +6353,6 @@
                 <a:cs typeface="Helvetica" panose="020B0604020202020204" pitchFamily="34" charset="0"/>
               </a:rPr>
               <a:t>DATA SCIENCE</a:t>
-            </a:r>
-          </a:p>
-        </p:txBody>
-      </p:sp>
-      <p:sp>
-        <p:nvSpPr>
-          <p:cNvPr id="3" name="TextBox 2">
-            <a:extLst>
-              <a:ext uri="{FF2B5EF4-FFF2-40B4-BE49-F238E27FC236}">
-                <a16:creationId xmlns:a16="http://schemas.microsoft.com/office/drawing/2014/main" id="{1090388D-2836-2637-0CC4-BF26C8CC4C93}"/>
-              </a:ext>
-            </a:extLst>
-          </p:cNvPr>
-          <p:cNvSpPr txBox="1"/>
-          <p:nvPr/>
-        </p:nvSpPr>
-        <p:spPr>
-          <a:xfrm rot="2208168">
-            <a:off x="2075688" y="2898648"/>
-            <a:ext cx="6896427" cy="369332"/>
-          </a:xfrm>
-          <a:prstGeom prst="rect">
-            <a:avLst/>
-          </a:prstGeom>
-          <a:solidFill>
-            <a:srgbClr val="C5AA76"/>
-          </a:solidFill>
-        </p:spPr>
-        <p:txBody>
-          <a:bodyPr wrap="square" rtlCol="0">
-            <a:spAutoFit/>
-          </a:bodyPr>
-          <a:lstStyle/>
-          <a:p>
-            <a:pPr marL="0" marR="0" lvl="0" indent="0" algn="ctr" defTabSz="457200" rtl="0" eaLnBrk="1" fontAlgn="auto" latinLnBrk="0" hangingPunct="1">
-              <a:lnSpc>
-                <a:spcPct val="100000"/>
-              </a:lnSpc>
-              <a:spcBef>
-                <a:spcPts val="0"/>
-              </a:spcBef>
-              <a:spcAft>
-                <a:spcPts val="0"/>
-              </a:spcAft>
-              <a:buClrTx/>
-              <a:buSzTx/>
-              <a:buFontTx/>
-              <a:buNone/>
-              <a:tabLst/>
-              <a:defRPr/>
-            </a:pPr>
-            <a:r>
-              <a:rPr kumimoji="0" lang="en-US" sz="1800" b="0" i="0" u="none" strike="noStrike" kern="1200" cap="none" spc="0" normalizeH="0" baseline="0" noProof="0" dirty="0">
-                <a:ln>
-                  <a:noFill/>
-                </a:ln>
-                <a:solidFill>
-                  <a:prstClr val="white"/>
-                </a:solidFill>
-                <a:effectLst/>
-                <a:uLnTx/>
-                <a:uFillTx/>
-                <a:latin typeface="Calibri" panose="020F0502020204030204"/>
-                <a:ea typeface="+mn-ea"/>
-                <a:cs typeface="+mn-cs"/>
-              </a:rPr>
-              <a:t>UPDATE</a:t>
             </a:r>
           </a:p>
         </p:txBody>
@@ -6439,6 +6371,350 @@
 </file>
 
 <file path=ppt/slides/slide15.xml><?xml version="1.0" encoding="utf-8"?>
+<p:sld xmlns:a="http://schemas.openxmlformats.org/drawingml/2006/main" xmlns:r="http://schemas.openxmlformats.org/officeDocument/2006/relationships" xmlns:p="http://schemas.openxmlformats.org/presentationml/2006/main">
+  <p:cSld>
+    <p:bg>
+      <p:bgPr>
+        <a:blipFill dpi="0" rotWithShape="1">
+          <a:blip r:embed="rId2">
+            <a:lum/>
+          </a:blip>
+          <a:srcRect/>
+          <a:stretch>
+            <a:fillRect/>
+          </a:stretch>
+        </a:blipFill>
+        <a:effectLst/>
+      </p:bgPr>
+    </p:bg>
+    <p:spTree>
+      <p:nvGrpSpPr>
+        <p:cNvPr id="1" name=""/>
+        <p:cNvGrpSpPr/>
+        <p:nvPr/>
+      </p:nvGrpSpPr>
+      <p:grpSpPr>
+        <a:xfrm>
+          <a:off x="0" y="0"/>
+          <a:ext cx="0" cy="0"/>
+          <a:chOff x="0" y="0"/>
+          <a:chExt cx="0" cy="0"/>
+        </a:xfrm>
+      </p:grpSpPr>
+      <p:sp>
+        <p:nvSpPr>
+          <p:cNvPr id="7" name="TextBox 6"/>
+          <p:cNvSpPr txBox="1"/>
+          <p:nvPr/>
+        </p:nvSpPr>
+        <p:spPr>
+          <a:xfrm>
+            <a:off x="442180" y="406073"/>
+            <a:ext cx="11559320" cy="784830"/>
+          </a:xfrm>
+          <a:prstGeom prst="rect">
+            <a:avLst/>
+          </a:prstGeom>
+          <a:noFill/>
+        </p:spPr>
+        <p:txBody>
+          <a:bodyPr wrap="square" rtlCol="0">
+            <a:spAutoFit/>
+          </a:bodyPr>
+          <a:lstStyle/>
+          <a:p>
+            <a:pPr marL="0" marR="0" lvl="0" indent="0" algn="l" defTabSz="457200" rtl="0" eaLnBrk="1" fontAlgn="auto" latinLnBrk="0" hangingPunct="1">
+              <a:lnSpc>
+                <a:spcPct val="100000"/>
+              </a:lnSpc>
+              <a:spcBef>
+                <a:spcPts val="0"/>
+              </a:spcBef>
+              <a:spcAft>
+                <a:spcPts val="0"/>
+              </a:spcAft>
+              <a:buClrTx/>
+              <a:buSzTx/>
+              <a:buFontTx/>
+              <a:buNone/>
+              <a:tabLst/>
+              <a:defRPr/>
+            </a:pPr>
+            <a:r>
+              <a:rPr lang="en-US" sz="4500" dirty="0">
+                <a:solidFill>
+                  <a:srgbClr val="CFB87C"/>
+                </a:solidFill>
+                <a:latin typeface="Arial" charset="0"/>
+                <a:ea typeface="Arial" charset="0"/>
+                <a:cs typeface="Arial" charset="0"/>
+              </a:rPr>
+              <a:t>Future Work</a:t>
+            </a:r>
+            <a:endParaRPr kumimoji="0" lang="en-US" sz="4500" b="0" i="0" u="none" strike="noStrike" kern="1200" cap="none" spc="0" normalizeH="0" baseline="0" noProof="0" dirty="0">
+              <a:ln>
+                <a:noFill/>
+              </a:ln>
+              <a:solidFill>
+                <a:srgbClr val="CFB87C"/>
+              </a:solidFill>
+              <a:effectLst/>
+              <a:uLnTx/>
+              <a:uFillTx/>
+              <a:latin typeface="Arial" charset="0"/>
+              <a:ea typeface="Arial" charset="0"/>
+              <a:cs typeface="Arial" charset="0"/>
+            </a:endParaRPr>
+          </a:p>
+        </p:txBody>
+      </p:sp>
+      <p:sp>
+        <p:nvSpPr>
+          <p:cNvPr id="8" name="TextBox 7"/>
+          <p:cNvSpPr txBox="1"/>
+          <p:nvPr/>
+        </p:nvSpPr>
+        <p:spPr>
+          <a:xfrm>
+            <a:off x="530874" y="1383408"/>
+            <a:ext cx="10626410" cy="1703030"/>
+          </a:xfrm>
+          <a:prstGeom prst="rect">
+            <a:avLst/>
+          </a:prstGeom>
+          <a:noFill/>
+        </p:spPr>
+        <p:txBody>
+          <a:bodyPr wrap="square" numCol="1" rtlCol="0">
+            <a:spAutoFit/>
+          </a:bodyPr>
+          <a:lstStyle/>
+          <a:p>
+            <a:pPr marL="342900" marR="0" lvl="0" indent="-342900" algn="l" defTabSz="457200" rtl="0" eaLnBrk="1" fontAlgn="auto" latinLnBrk="0" hangingPunct="1">
+              <a:lnSpc>
+                <a:spcPct val="150000"/>
+              </a:lnSpc>
+              <a:spcBef>
+                <a:spcPts val="0"/>
+              </a:spcBef>
+              <a:spcAft>
+                <a:spcPts val="0"/>
+              </a:spcAft>
+              <a:buClrTx/>
+              <a:buSzPct val="80000"/>
+              <a:buFont typeface="Arial" panose="020B0604020202020204" pitchFamily="34" charset="0"/>
+              <a:buChar char="•"/>
+              <a:tabLst/>
+              <a:defRPr/>
+            </a:pPr>
+            <a:r>
+              <a:rPr kumimoji="0" lang="en-US" sz="1800" b="0" i="0" u="none" strike="noStrike" kern="1200" cap="none" spc="0" normalizeH="0" baseline="0" noProof="0" dirty="0">
+                <a:ln>
+                  <a:noFill/>
+                </a:ln>
+                <a:solidFill>
+                  <a:srgbClr val="44546A">
+                    <a:lumMod val="10000"/>
+                  </a:srgbClr>
+                </a:solidFill>
+                <a:effectLst/>
+                <a:uLnTx/>
+                <a:uFillTx/>
+                <a:latin typeface="Arial" charset="0"/>
+                <a:ea typeface="Arial" charset="0"/>
+                <a:cs typeface="Arial" charset="0"/>
+              </a:rPr>
+              <a:t>Would love updated data on how the child is performing</a:t>
+            </a:r>
+          </a:p>
+          <a:p>
+            <a:pPr marL="342900" marR="0" lvl="0" indent="-342900" algn="l" defTabSz="457200" rtl="0" eaLnBrk="1" fontAlgn="auto" latinLnBrk="0" hangingPunct="1">
+              <a:lnSpc>
+                <a:spcPct val="150000"/>
+              </a:lnSpc>
+              <a:spcBef>
+                <a:spcPts val="0"/>
+              </a:spcBef>
+              <a:spcAft>
+                <a:spcPts val="0"/>
+              </a:spcAft>
+              <a:buClrTx/>
+              <a:buSzPct val="80000"/>
+              <a:buFont typeface="Arial" panose="020B0604020202020204" pitchFamily="34" charset="0"/>
+              <a:buChar char="•"/>
+              <a:tabLst/>
+              <a:defRPr/>
+            </a:pPr>
+            <a:r>
+              <a:rPr lang="en-US" dirty="0">
+                <a:solidFill>
+                  <a:srgbClr val="44546A">
+                    <a:lumMod val="10000"/>
+                  </a:srgbClr>
+                </a:solidFill>
+                <a:latin typeface="Arial" charset="0"/>
+                <a:ea typeface="Arial" charset="0"/>
+                <a:cs typeface="Arial" charset="0"/>
+              </a:rPr>
+              <a:t>More demographic data would be great to see if anything else can impact postpartum anxiety levels</a:t>
+            </a:r>
+          </a:p>
+          <a:p>
+            <a:pPr marL="342900" marR="0" lvl="0" indent="-342900" algn="l" defTabSz="457200" rtl="0" eaLnBrk="1" fontAlgn="auto" latinLnBrk="0" hangingPunct="1">
+              <a:lnSpc>
+                <a:spcPct val="150000"/>
+              </a:lnSpc>
+              <a:spcBef>
+                <a:spcPts val="0"/>
+              </a:spcBef>
+              <a:spcAft>
+                <a:spcPts val="0"/>
+              </a:spcAft>
+              <a:buClrTx/>
+              <a:buSzPct val="80000"/>
+              <a:buFont typeface="Arial" panose="020B0604020202020204" pitchFamily="34" charset="0"/>
+              <a:buChar char="•"/>
+              <a:tabLst/>
+              <a:defRPr/>
+            </a:pPr>
+            <a:r>
+              <a:rPr kumimoji="0" lang="en-US" sz="1800" b="0" i="0" u="none" strike="noStrike" kern="1200" cap="none" spc="0" normalizeH="0" baseline="0" noProof="0" dirty="0">
+                <a:ln>
+                  <a:noFill/>
+                </a:ln>
+                <a:solidFill>
+                  <a:srgbClr val="44546A">
+                    <a:lumMod val="10000"/>
+                  </a:srgbClr>
+                </a:solidFill>
+                <a:effectLst/>
+                <a:uLnTx/>
+                <a:uFillTx/>
+                <a:latin typeface="Arial" charset="0"/>
+                <a:ea typeface="Arial" charset="0"/>
+                <a:cs typeface="Arial" charset="0"/>
+              </a:rPr>
+              <a:t>Would love to compare to mothers before and after COVID</a:t>
+            </a:r>
+          </a:p>
+          <a:p>
+            <a:pPr marL="342900" marR="0" lvl="0" indent="-342900" algn="l" defTabSz="457200" rtl="0" eaLnBrk="1" fontAlgn="auto" latinLnBrk="0" hangingPunct="1">
+              <a:lnSpc>
+                <a:spcPct val="150000"/>
+              </a:lnSpc>
+              <a:spcBef>
+                <a:spcPts val="0"/>
+              </a:spcBef>
+              <a:spcAft>
+                <a:spcPts val="0"/>
+              </a:spcAft>
+              <a:buClrTx/>
+              <a:buSzPct val="80000"/>
+              <a:buFont typeface="Arial" panose="020B0604020202020204" pitchFamily="34" charset="0"/>
+              <a:buChar char="•"/>
+              <a:tabLst/>
+              <a:defRPr/>
+            </a:pPr>
+            <a:endParaRPr kumimoji="0" lang="en-US" sz="1800" b="0" i="0" u="none" strike="noStrike" kern="1200" cap="none" spc="0" normalizeH="0" baseline="0" noProof="0" dirty="0">
+              <a:ln>
+                <a:noFill/>
+              </a:ln>
+              <a:solidFill>
+                <a:srgbClr val="44546A">
+                  <a:lumMod val="10000"/>
+                </a:srgbClr>
+              </a:solidFill>
+              <a:effectLst/>
+              <a:uLnTx/>
+              <a:uFillTx/>
+              <a:latin typeface="Arial" charset="0"/>
+              <a:ea typeface="Arial" charset="0"/>
+              <a:cs typeface="Arial" charset="0"/>
+            </a:endParaRPr>
+          </a:p>
+        </p:txBody>
+      </p:sp>
+      <p:sp>
+        <p:nvSpPr>
+          <p:cNvPr id="2" name="TextBox 1">
+            <a:extLst>
+              <a:ext uri="{FF2B5EF4-FFF2-40B4-BE49-F238E27FC236}">
+                <a16:creationId xmlns:a16="http://schemas.microsoft.com/office/drawing/2014/main" id="{F457DD80-BCB7-ACDE-8C0E-4E085BAE3BE2}"/>
+              </a:ext>
+            </a:extLst>
+          </p:cNvPr>
+          <p:cNvSpPr txBox="1"/>
+          <p:nvPr/>
+        </p:nvSpPr>
+        <p:spPr>
+          <a:xfrm>
+            <a:off x="781664" y="6191587"/>
+            <a:ext cx="2984091" cy="307777"/>
+          </a:xfrm>
+          <a:prstGeom prst="rect">
+            <a:avLst/>
+          </a:prstGeom>
+          <a:solidFill>
+            <a:srgbClr val="010101"/>
+          </a:solidFill>
+        </p:spPr>
+        <p:txBody>
+          <a:bodyPr wrap="square" rtlCol="0">
+            <a:spAutoFit/>
+          </a:bodyPr>
+          <a:lstStyle/>
+          <a:p>
+            <a:pPr marL="0" marR="0" lvl="0" indent="0" algn="l" defTabSz="457200" rtl="0" eaLnBrk="1" fontAlgn="auto" latinLnBrk="0" hangingPunct="1">
+              <a:lnSpc>
+                <a:spcPct val="100000"/>
+              </a:lnSpc>
+              <a:spcBef>
+                <a:spcPts val="0"/>
+              </a:spcBef>
+              <a:spcAft>
+                <a:spcPts val="0"/>
+              </a:spcAft>
+              <a:buClrTx/>
+              <a:buSzTx/>
+              <a:buFontTx/>
+              <a:buNone/>
+              <a:tabLst/>
+              <a:defRPr/>
+            </a:pPr>
+            <a:r>
+              <a:rPr kumimoji="0" lang="en-US" sz="1400" b="0" i="0" u="none" strike="noStrike" kern="1200" cap="none" spc="0" normalizeH="0" baseline="0" noProof="0" dirty="0">
+                <a:ln>
+                  <a:noFill/>
+                </a:ln>
+                <a:solidFill>
+                  <a:srgbClr val="B1B1B1"/>
+                </a:solidFill>
+                <a:effectLst/>
+                <a:uLnTx/>
+                <a:uFillTx/>
+                <a:latin typeface="Arial Nova Cond Light" panose="020B0306020202020204" pitchFamily="34" charset="0"/>
+                <a:ea typeface="+mn-ea"/>
+                <a:cs typeface="Helvetica" panose="020B0604020202020204" pitchFamily="34" charset="0"/>
+              </a:rPr>
+              <a:t>DATA SCIENCE</a:t>
+            </a:r>
+          </a:p>
+        </p:txBody>
+      </p:sp>
+    </p:spTree>
+    <p:extLst>
+      <p:ext uri="{BB962C8B-B14F-4D97-AF65-F5344CB8AC3E}">
+        <p14:creationId xmlns:p14="http://schemas.microsoft.com/office/powerpoint/2010/main" val="345743923"/>
+      </p:ext>
+    </p:extLst>
+  </p:cSld>
+  <p:clrMapOvr>
+    <a:masterClrMapping/>
+  </p:clrMapOvr>
+</p:sld>
+</file>
+
+<file path=ppt/slides/slide16.xml><?xml version="1.0" encoding="utf-8"?>
 <p:sld xmlns:a="http://schemas.openxmlformats.org/drawingml/2006/main" xmlns:r="http://schemas.openxmlformats.org/officeDocument/2006/relationships" xmlns:p="http://schemas.openxmlformats.org/presentationml/2006/main">
   <p:cSld>
     <p:bg>
